--- a/lesson02.pptx
+++ b/lesson02.pptx
@@ -18,20 +18,20 @@
     <p:sldId id="426" r:id="rId9"/>
     <p:sldId id="570" r:id="rId10"/>
     <p:sldId id="428" r:id="rId11"/>
-    <p:sldId id="400" r:id="rId12"/>
-    <p:sldId id="429" r:id="rId13"/>
-    <p:sldId id="574" r:id="rId14"/>
-    <p:sldId id="571" r:id="rId15"/>
-    <p:sldId id="572" r:id="rId16"/>
-    <p:sldId id="573" r:id="rId17"/>
-    <p:sldId id="408" r:id="rId18"/>
-    <p:sldId id="364" r:id="rId19"/>
-    <p:sldId id="467" r:id="rId20"/>
-    <p:sldId id="385" r:id="rId21"/>
-    <p:sldId id="575" r:id="rId22"/>
-    <p:sldId id="576" r:id="rId23"/>
-    <p:sldId id="412" r:id="rId24"/>
-    <p:sldId id="583" r:id="rId25"/>
+    <p:sldId id="574" r:id="rId12"/>
+    <p:sldId id="571" r:id="rId13"/>
+    <p:sldId id="572" r:id="rId14"/>
+    <p:sldId id="573" r:id="rId15"/>
+    <p:sldId id="400" r:id="rId16"/>
+    <p:sldId id="429" r:id="rId17"/>
+    <p:sldId id="412" r:id="rId18"/>
+    <p:sldId id="583" r:id="rId19"/>
+    <p:sldId id="408" r:id="rId20"/>
+    <p:sldId id="364" r:id="rId21"/>
+    <p:sldId id="467" r:id="rId22"/>
+    <p:sldId id="385" r:id="rId23"/>
+    <p:sldId id="575" r:id="rId24"/>
+    <p:sldId id="576" r:id="rId25"/>
     <p:sldId id="413" r:id="rId26"/>
     <p:sldId id="578" r:id="rId27"/>
     <p:sldId id="442" r:id="rId28"/>
@@ -171,6 +171,14 @@
     </p:extLst>
   </p:cmAuthor>
 </p:cmAuthorLst>
+</file>
+
+<file path=ppt/revisionInfo.xml><?xml version="1.0" encoding="utf-8"?>
+<p1510:revInfo xmlns:a="http://schemas.openxmlformats.org/drawingml/2006/main" xmlns:r="http://schemas.openxmlformats.org/officeDocument/2006/relationships" xmlns:p1510="http://schemas.microsoft.com/office/powerpoint/2015/10/main">
+  <p1510:revLst>
+    <p1510:client id="{5D4BC7C1-CA78-4C28-82CF-BB9F4FD86EC6}" v="3" dt="2022-01-18T07:35:24.866"/>
+  </p1510:revLst>
+</p1510:revInfo>
 </file>
 
 <file path=ppt/changesInfos/changesInfo1.xml><?xml version="1.0" encoding="utf-8"?>
@@ -1267,11 +1275,84 @@
   </pc:docChgLst>
   <pc:docChgLst>
     <pc:chgData name="Anatoliy Kigel" userId="7432c6c4687b0a9c" providerId="LiveId" clId="{5D4BC7C1-CA78-4C28-82CF-BB9F4FD86EC6}"/>
-    <pc:docChg chg="custSel delSld modSld">
-      <pc:chgData name="Anatoliy Kigel" userId="7432c6c4687b0a9c" providerId="LiveId" clId="{5D4BC7C1-CA78-4C28-82CF-BB9F4FD86EC6}" dt="2022-01-17T09:05:02.562" v="82" actId="1035"/>
+    <pc:docChg chg="undo custSel addSld delSld modSld">
+      <pc:chgData name="Anatoliy Kigel" userId="7432c6c4687b0a9c" providerId="LiveId" clId="{5D4BC7C1-CA78-4C28-82CF-BB9F4FD86EC6}" dt="2022-01-18T07:39:22.951" v="246" actId="47"/>
       <pc:docMkLst>
         <pc:docMk/>
       </pc:docMkLst>
+      <pc:sldChg chg="modSp add mod">
+        <pc:chgData name="Anatoliy Kigel" userId="7432c6c4687b0a9c" providerId="LiveId" clId="{5D4BC7C1-CA78-4C28-82CF-BB9F4FD86EC6}" dt="2022-01-18T07:32:01.105" v="87" actId="20577"/>
+        <pc:sldMkLst>
+          <pc:docMk/>
+          <pc:sldMk cId="2214832522" sldId="400"/>
+        </pc:sldMkLst>
+        <pc:spChg chg="mod">
+          <ac:chgData name="Anatoliy Kigel" userId="7432c6c4687b0a9c" providerId="LiveId" clId="{5D4BC7C1-CA78-4C28-82CF-BB9F4FD86EC6}" dt="2022-01-18T07:32:01.105" v="87" actId="20577"/>
+          <ac:spMkLst>
+            <pc:docMk/>
+            <pc:sldMk cId="2214832522" sldId="400"/>
+            <ac:spMk id="5" creationId="{00000000-0000-0000-0000-000000000000}"/>
+          </ac:spMkLst>
+        </pc:spChg>
+      </pc:sldChg>
+      <pc:sldChg chg="del">
+        <pc:chgData name="Anatoliy Kigel" userId="7432c6c4687b0a9c" providerId="LiveId" clId="{5D4BC7C1-CA78-4C28-82CF-BB9F4FD86EC6}" dt="2022-01-18T07:31:45.873" v="83" actId="2696"/>
+        <pc:sldMkLst>
+          <pc:docMk/>
+          <pc:sldMk cId="3772191036" sldId="400"/>
+        </pc:sldMkLst>
+      </pc:sldChg>
+      <pc:sldChg chg="modSp mod">
+        <pc:chgData name="Anatoliy Kigel" userId="7432c6c4687b0a9c" providerId="LiveId" clId="{5D4BC7C1-CA78-4C28-82CF-BB9F4FD86EC6}" dt="2022-01-18T07:36:14.531" v="226" actId="20577"/>
+        <pc:sldMkLst>
+          <pc:docMk/>
+          <pc:sldMk cId="1996300760" sldId="408"/>
+        </pc:sldMkLst>
+        <pc:spChg chg="mod">
+          <ac:chgData name="Anatoliy Kigel" userId="7432c6c4687b0a9c" providerId="LiveId" clId="{5D4BC7C1-CA78-4C28-82CF-BB9F4FD86EC6}" dt="2022-01-18T07:36:14.531" v="226" actId="20577"/>
+          <ac:spMkLst>
+            <pc:docMk/>
+            <pc:sldMk cId="1996300760" sldId="408"/>
+            <ac:spMk id="5" creationId="{00000000-0000-0000-0000-000000000000}"/>
+          </ac:spMkLst>
+        </pc:spChg>
+      </pc:sldChg>
+      <pc:sldChg chg="modSp add mod">
+        <pc:chgData name="Anatoliy Kigel" userId="7432c6c4687b0a9c" providerId="LiveId" clId="{5D4BC7C1-CA78-4C28-82CF-BB9F4FD86EC6}" dt="2022-01-18T07:36:11.191" v="225" actId="20577"/>
+        <pc:sldMkLst>
+          <pc:docMk/>
+          <pc:sldMk cId="555069178" sldId="412"/>
+        </pc:sldMkLst>
+        <pc:spChg chg="mod">
+          <ac:chgData name="Anatoliy Kigel" userId="7432c6c4687b0a9c" providerId="LiveId" clId="{5D4BC7C1-CA78-4C28-82CF-BB9F4FD86EC6}" dt="2022-01-18T07:36:11.191" v="225" actId="20577"/>
+          <ac:spMkLst>
+            <pc:docMk/>
+            <pc:sldMk cId="555069178" sldId="412"/>
+            <ac:spMk id="5" creationId="{00000000-0000-0000-0000-000000000000}"/>
+          </ac:spMkLst>
+        </pc:spChg>
+      </pc:sldChg>
+      <pc:sldChg chg="del">
+        <pc:chgData name="Anatoliy Kigel" userId="7432c6c4687b0a9c" providerId="LiveId" clId="{5D4BC7C1-CA78-4C28-82CF-BB9F4FD86EC6}" dt="2022-01-18T07:34:36.614" v="193" actId="2696"/>
+        <pc:sldMkLst>
+          <pc:docMk/>
+          <pc:sldMk cId="3316522765" sldId="412"/>
+        </pc:sldMkLst>
+      </pc:sldChg>
+      <pc:sldChg chg="add">
+        <pc:chgData name="Anatoliy Kigel" userId="7432c6c4687b0a9c" providerId="LiveId" clId="{5D4BC7C1-CA78-4C28-82CF-BB9F4FD86EC6}" dt="2022-01-18T07:31:58.649" v="86"/>
+        <pc:sldMkLst>
+          <pc:docMk/>
+          <pc:sldMk cId="3227964026" sldId="429"/>
+        </pc:sldMkLst>
+      </pc:sldChg>
+      <pc:sldChg chg="del">
+        <pc:chgData name="Anatoliy Kigel" userId="7432c6c4687b0a9c" providerId="LiveId" clId="{5D4BC7C1-CA78-4C28-82CF-BB9F4FD86EC6}" dt="2022-01-18T07:31:45.873" v="83" actId="2696"/>
+        <pc:sldMkLst>
+          <pc:docMk/>
+          <pc:sldMk cId="4127325237" sldId="429"/>
+        </pc:sldMkLst>
+      </pc:sldChg>
       <pc:sldChg chg="del">
         <pc:chgData name="Anatoliy Kigel" userId="7432c6c4687b0a9c" providerId="LiveId" clId="{5D4BC7C1-CA78-4C28-82CF-BB9F4FD86EC6}" dt="2022-01-17T09:04:13.366" v="57" actId="47"/>
         <pc:sldMkLst>
@@ -1287,13 +1368,13 @@
         </pc:sldMkLst>
       </pc:sldChg>
       <pc:sldChg chg="modSp mod">
-        <pc:chgData name="Anatoliy Kigel" userId="7432c6c4687b0a9c" providerId="LiveId" clId="{5D4BC7C1-CA78-4C28-82CF-BB9F4FD86EC6}" dt="2022-01-17T09:05:02.562" v="82" actId="1035"/>
+        <pc:chgData name="Anatoliy Kigel" userId="7432c6c4687b0a9c" providerId="LiveId" clId="{5D4BC7C1-CA78-4C28-82CF-BB9F4FD86EC6}" dt="2022-01-18T07:37:05.772" v="229" actId="207"/>
         <pc:sldMkLst>
           <pc:docMk/>
           <pc:sldMk cId="3747052252" sldId="447"/>
         </pc:sldMkLst>
         <pc:spChg chg="mod">
-          <ac:chgData name="Anatoliy Kigel" userId="7432c6c4687b0a9c" providerId="LiveId" clId="{5D4BC7C1-CA78-4C28-82CF-BB9F4FD86EC6}" dt="2022-01-17T09:05:02.562" v="82" actId="1035"/>
+          <ac:chgData name="Anatoliy Kigel" userId="7432c6c4687b0a9c" providerId="LiveId" clId="{5D4BC7C1-CA78-4C28-82CF-BB9F4FD86EC6}" dt="2022-01-18T07:37:05.772" v="229" actId="207"/>
           <ac:spMkLst>
             <pc:docMk/>
             <pc:sldMk cId="3747052252" sldId="447"/>
@@ -1324,6 +1405,79 @@
           </ac:spMkLst>
         </pc:spChg>
       </pc:sldChg>
+      <pc:sldChg chg="modSp mod">
+        <pc:chgData name="Anatoliy Kigel" userId="7432c6c4687b0a9c" providerId="LiveId" clId="{5D4BC7C1-CA78-4C28-82CF-BB9F4FD86EC6}" dt="2022-01-18T07:31:53.983" v="85" actId="20577"/>
+        <pc:sldMkLst>
+          <pc:docMk/>
+          <pc:sldMk cId="4249968979" sldId="574"/>
+        </pc:sldMkLst>
+        <pc:spChg chg="mod">
+          <ac:chgData name="Anatoliy Kigel" userId="7432c6c4687b0a9c" providerId="LiveId" clId="{5D4BC7C1-CA78-4C28-82CF-BB9F4FD86EC6}" dt="2022-01-18T07:31:53.983" v="85" actId="20577"/>
+          <ac:spMkLst>
+            <pc:docMk/>
+            <pc:sldMk cId="4249968979" sldId="574"/>
+            <ac:spMk id="5" creationId="{00000000-0000-0000-0000-000000000000}"/>
+          </ac:spMkLst>
+        </pc:spChg>
+      </pc:sldChg>
+      <pc:sldChg chg="modSp mod">
+        <pc:chgData name="Anatoliy Kigel" userId="7432c6c4687b0a9c" providerId="LiveId" clId="{5D4BC7C1-CA78-4C28-82CF-BB9F4FD86EC6}" dt="2022-01-18T07:36:44.965" v="227" actId="20577"/>
+        <pc:sldMkLst>
+          <pc:docMk/>
+          <pc:sldMk cId="3045335102" sldId="575"/>
+        </pc:sldMkLst>
+        <pc:spChg chg="mod">
+          <ac:chgData name="Anatoliy Kigel" userId="7432c6c4687b0a9c" providerId="LiveId" clId="{5D4BC7C1-CA78-4C28-82CF-BB9F4FD86EC6}" dt="2022-01-18T07:36:44.965" v="227" actId="20577"/>
+          <ac:spMkLst>
+            <pc:docMk/>
+            <pc:sldMk cId="3045335102" sldId="575"/>
+            <ac:spMk id="5" creationId="{00000000-0000-0000-0000-000000000000}"/>
+          </ac:spMkLst>
+        </pc:spChg>
+      </pc:sldChg>
+      <pc:sldChg chg="add">
+        <pc:chgData name="Anatoliy Kigel" userId="7432c6c4687b0a9c" providerId="LiveId" clId="{5D4BC7C1-CA78-4C28-82CF-BB9F4FD86EC6}" dt="2022-01-18T07:34:40.142" v="194"/>
+        <pc:sldMkLst>
+          <pc:docMk/>
+          <pc:sldMk cId="755735449" sldId="583"/>
+        </pc:sldMkLst>
+      </pc:sldChg>
+      <pc:sldChg chg="del">
+        <pc:chgData name="Anatoliy Kigel" userId="7432c6c4687b0a9c" providerId="LiveId" clId="{5D4BC7C1-CA78-4C28-82CF-BB9F4FD86EC6}" dt="2022-01-18T07:34:36.614" v="193" actId="2696"/>
+        <pc:sldMkLst>
+          <pc:docMk/>
+          <pc:sldMk cId="2255056638" sldId="583"/>
+        </pc:sldMkLst>
+      </pc:sldChg>
+      <pc:sldChg chg="modSp mod">
+        <pc:chgData name="Anatoliy Kigel" userId="7432c6c4687b0a9c" providerId="LiveId" clId="{5D4BC7C1-CA78-4C28-82CF-BB9F4FD86EC6}" dt="2022-01-18T07:38:18.020" v="245" actId="1036"/>
+        <pc:sldMkLst>
+          <pc:docMk/>
+          <pc:sldMk cId="452571319" sldId="584"/>
+        </pc:sldMkLst>
+        <pc:spChg chg="mod">
+          <ac:chgData name="Anatoliy Kigel" userId="7432c6c4687b0a9c" providerId="LiveId" clId="{5D4BC7C1-CA78-4C28-82CF-BB9F4FD86EC6}" dt="2022-01-18T07:38:18.020" v="245" actId="1036"/>
+          <ac:spMkLst>
+            <pc:docMk/>
+            <pc:sldMk cId="452571319" sldId="584"/>
+            <ac:spMk id="7" creationId="{00000000-0000-0000-0000-000000000000}"/>
+          </ac:spMkLst>
+        </pc:spChg>
+      </pc:sldChg>
+      <pc:sldChg chg="add del">
+        <pc:chgData name="Anatoliy Kigel" userId="7432c6c4687b0a9c" providerId="LiveId" clId="{5D4BC7C1-CA78-4C28-82CF-BB9F4FD86EC6}" dt="2022-01-18T07:39:22.951" v="246" actId="47"/>
+        <pc:sldMkLst>
+          <pc:docMk/>
+          <pc:sldMk cId="23627595" sldId="585"/>
+        </pc:sldMkLst>
+      </pc:sldChg>
+      <pc:sldChg chg="add del">
+        <pc:chgData name="Anatoliy Kigel" userId="7432c6c4687b0a9c" providerId="LiveId" clId="{5D4BC7C1-CA78-4C28-82CF-BB9F4FD86EC6}" dt="2022-01-18T07:35:47.975" v="221" actId="47"/>
+        <pc:sldMkLst>
+          <pc:docMk/>
+          <pc:sldMk cId="600051548" sldId="586"/>
+        </pc:sldMkLst>
+      </pc:sldChg>
     </pc:docChg>
   </pc:docChgLst>
 </pc:chgInfo>
@@ -1412,7 +1566,7 @@
             <a:fld id="{85522811-C5C6-42D2-A409-F8556720C93F}" type="datetimeFigureOut">
               <a:rPr lang="uk-UA" smtClean="0"/>
               <a:pPr/>
-              <a:t>17.01.2022</a:t>
+              <a:t>18.01.2022</a:t>
             </a:fld>
             <a:endParaRPr lang="uk-UA"/>
           </a:p>
@@ -1952,7 +2106,7 @@
             <a:fld id="{E6FC6B0D-6115-4D7C-8040-9C8E2349BB6E}" type="datetime1">
               <a:rPr lang="uk-UA" smtClean="0"/>
               <a:pPr/>
-              <a:t>17.01.2022</a:t>
+              <a:t>18.01.2022</a:t>
             </a:fld>
             <a:endParaRPr lang="uk-UA"/>
           </a:p>
@@ -2119,7 +2273,7 @@
             <a:fld id="{996367BA-0A39-4DE2-BFC3-D5290044365E}" type="datetime1">
               <a:rPr lang="uk-UA" smtClean="0"/>
               <a:pPr/>
-              <a:t>17.01.2022</a:t>
+              <a:t>18.01.2022</a:t>
             </a:fld>
             <a:endParaRPr lang="uk-UA"/>
           </a:p>
@@ -2296,7 +2450,7 @@
             <a:fld id="{1BD6A67F-6C29-47DC-AF8A-FDB3C787DF70}" type="datetime1">
               <a:rPr lang="uk-UA" smtClean="0"/>
               <a:pPr/>
-              <a:t>17.01.2022</a:t>
+              <a:t>18.01.2022</a:t>
             </a:fld>
             <a:endParaRPr lang="uk-UA"/>
           </a:p>
@@ -2463,7 +2617,7 @@
             <a:fld id="{1657D9C5-7FF1-434F-B56E-9BAD559744E9}" type="datetime1">
               <a:rPr lang="uk-UA" smtClean="0"/>
               <a:pPr/>
-              <a:t>17.01.2022</a:t>
+              <a:t>18.01.2022</a:t>
             </a:fld>
             <a:endParaRPr lang="uk-UA"/>
           </a:p>
@@ -2706,7 +2860,7 @@
             <a:fld id="{2CEB0FC9-DE63-476B-A1A9-BE934D9049F8}" type="datetime1">
               <a:rPr lang="uk-UA" smtClean="0"/>
               <a:pPr/>
-              <a:t>17.01.2022</a:t>
+              <a:t>18.01.2022</a:t>
             </a:fld>
             <a:endParaRPr lang="uk-UA"/>
           </a:p>
@@ -2991,7 +3145,7 @@
             <a:fld id="{F964460F-86E2-4DF6-9D0F-12F5005CF375}" type="datetime1">
               <a:rPr lang="uk-UA" smtClean="0"/>
               <a:pPr/>
-              <a:t>17.01.2022</a:t>
+              <a:t>18.01.2022</a:t>
             </a:fld>
             <a:endParaRPr lang="uk-UA"/>
           </a:p>
@@ -3410,7 +3564,7 @@
             <a:fld id="{C521715E-DDCD-4267-B0A5-2918B6F6768A}" type="datetime1">
               <a:rPr lang="uk-UA" smtClean="0"/>
               <a:pPr/>
-              <a:t>17.01.2022</a:t>
+              <a:t>18.01.2022</a:t>
             </a:fld>
             <a:endParaRPr lang="uk-UA"/>
           </a:p>
@@ -3525,7 +3679,7 @@
             <a:fld id="{9289842C-EB2D-4EBB-A272-2F6A49D9794D}" type="datetime1">
               <a:rPr lang="uk-UA" smtClean="0"/>
               <a:pPr/>
-              <a:t>17.01.2022</a:t>
+              <a:t>18.01.2022</a:t>
             </a:fld>
             <a:endParaRPr lang="uk-UA"/>
           </a:p>
@@ -3617,7 +3771,7 @@
             <a:fld id="{D036F091-B700-4B52-99AC-85D0FD94D904}" type="datetime1">
               <a:rPr lang="uk-UA" smtClean="0"/>
               <a:pPr/>
-              <a:t>17.01.2022</a:t>
+              <a:t>18.01.2022</a:t>
             </a:fld>
             <a:endParaRPr lang="uk-UA"/>
           </a:p>
@@ -3891,7 +4045,7 @@
             <a:fld id="{B35DFABA-3811-4634-B803-2EAC4CD0063B}" type="datetime1">
               <a:rPr lang="uk-UA" smtClean="0"/>
               <a:pPr/>
-              <a:t>17.01.2022</a:t>
+              <a:t>18.01.2022</a:t>
             </a:fld>
             <a:endParaRPr lang="uk-UA"/>
           </a:p>
@@ -4141,7 +4295,7 @@
             <a:fld id="{8A9EA25E-F88E-463A-A119-D1E55A881002}" type="datetime1">
               <a:rPr lang="uk-UA" smtClean="0"/>
               <a:pPr/>
-              <a:t>17.01.2022</a:t>
+              <a:t>18.01.2022</a:t>
             </a:fld>
             <a:endParaRPr lang="uk-UA"/>
           </a:p>
@@ -4351,7 +4505,7 @@
             <a:fld id="{E708ED03-0080-49A2-B709-7DA4ACB3A1C3}" type="datetime1">
               <a:rPr lang="uk-UA" smtClean="0"/>
               <a:pPr/>
-              <a:t>17.01.2022</a:t>
+              <a:t>18.01.2022</a:t>
             </a:fld>
             <a:endParaRPr lang="uk-UA"/>
           </a:p>
@@ -5523,12 +5677,30 @@
           <a:p>
             <a:pPr algn="ctr"/>
             <a:r>
+              <a:rPr lang="en-US" sz="6000" b="1" dirty="0"/>
+              <a:t>3. </a:t>
+            </a:r>
+            <a:r>
               <a:rPr lang="ru-RU" sz="6000" b="1" dirty="0"/>
-              <a:t>3. Цикл событий / </a:t>
+              <a:t>Геолокация и </a:t>
+            </a:r>
+            <a:r>
+              <a:rPr lang="en-US" sz="6000" b="1" dirty="0">
+                <a:solidFill>
+                  <a:schemeClr val="accent6">
+                    <a:lumMod val="75000"/>
+                  </a:schemeClr>
+                </a:solidFill>
+              </a:rPr>
+              <a:t>callback</a:t>
             </a:r>
             <a:r>
               <a:rPr lang="en-US" sz="6000" b="1" dirty="0"/>
-              <a:t>Event Loop</a:t>
+              <a:t>’</a:t>
+            </a:r>
+            <a:r>
+              <a:rPr lang="ru-RU" sz="6000" b="1" dirty="0"/>
+              <a:t>и</a:t>
             </a:r>
             <a:endParaRPr lang="uk-UA" sz="6000" b="1" dirty="0"/>
           </a:p>
@@ -5537,7 +5709,7 @@
     </p:spTree>
     <p:extLst>
       <p:ext uri="{BB962C8B-B14F-4D97-AF65-F5344CB8AC3E}">
-        <p14:creationId xmlns:p14="http://schemas.microsoft.com/office/powerpoint/2010/main" val="3772191036"/>
+        <p14:creationId xmlns:p14="http://schemas.microsoft.com/office/powerpoint/2010/main" val="4249968979"/>
       </p:ext>
     </p:extLst>
   </p:cSld>
@@ -5566,7 +5738,42 @@
       </p:grpSpPr>
       <p:sp>
         <p:nvSpPr>
-          <p:cNvPr id="6" name="Номер слайда 36"/>
+          <p:cNvPr id="3" name="TextBox 2"/>
+          <p:cNvSpPr txBox="1"/>
+          <p:nvPr/>
+        </p:nvSpPr>
+        <p:spPr>
+          <a:xfrm>
+            <a:off x="0" y="188640"/>
+            <a:ext cx="12192000" cy="584775"/>
+          </a:xfrm>
+          <a:prstGeom prst="rect">
+            <a:avLst/>
+          </a:prstGeom>
+          <a:noFill/>
+        </p:spPr>
+        <p:txBody>
+          <a:bodyPr wrap="square" rtlCol="0">
+            <a:spAutoFit/>
+          </a:bodyPr>
+          <a:lstStyle/>
+          <a:p>
+            <a:pPr algn="ctr"/>
+            <a:r>
+              <a:rPr lang="ru-RU" sz="3200" b="1" dirty="0" err="1"/>
+              <a:t>Геолокация</a:t>
+            </a:r>
+            <a:r>
+              <a:rPr lang="ru-RU" sz="3200" b="1" dirty="0"/>
+              <a:t> в теории</a:t>
+            </a:r>
+            <a:endParaRPr lang="uk-UA" sz="3200" i="1" dirty="0"/>
+          </a:p>
+        </p:txBody>
+      </p:sp>
+      <p:sp>
+        <p:nvSpPr>
+          <p:cNvPr id="13" name="Номер слайда 36"/>
           <p:cNvSpPr txBox="1">
             <a:spLocks/>
           </p:cNvSpPr>
@@ -5574,7 +5781,7 @@
         </p:nvSpPr>
         <p:spPr>
           <a:xfrm>
-            <a:off x="11280576" y="6165305"/>
+            <a:off x="11136560" y="6030281"/>
             <a:ext cx="648072" cy="432048"/>
           </a:xfrm>
           <a:prstGeom prst="roundRect">
@@ -5606,7 +5813,101 @@
         </p:style>
         <p:txBody>
           <a:bodyPr vert="horz" lIns="91440" tIns="45720" rIns="91440" bIns="45720" rtlCol="0" anchor="ctr"/>
-          <a:lstStyle/>
+          <a:lstStyle>
+            <a:defPPr>
+              <a:defRPr lang="uk-UA"/>
+            </a:defPPr>
+            <a:lvl1pPr marL="0" algn="l" defTabSz="914400" rtl="0" eaLnBrk="1" latinLnBrk="0" hangingPunct="1">
+              <a:defRPr sz="1800" kern="1200">
+                <a:solidFill>
+                  <a:schemeClr val="dk1"/>
+                </a:solidFill>
+                <a:latin typeface="+mn-lt"/>
+                <a:ea typeface="+mn-ea"/>
+                <a:cs typeface="+mn-cs"/>
+              </a:defRPr>
+            </a:lvl1pPr>
+            <a:lvl2pPr marL="457200" algn="l" defTabSz="914400" rtl="0" eaLnBrk="1" latinLnBrk="0" hangingPunct="1">
+              <a:defRPr sz="1800" kern="1200">
+                <a:solidFill>
+                  <a:schemeClr val="dk1"/>
+                </a:solidFill>
+                <a:latin typeface="+mn-lt"/>
+                <a:ea typeface="+mn-ea"/>
+                <a:cs typeface="+mn-cs"/>
+              </a:defRPr>
+            </a:lvl2pPr>
+            <a:lvl3pPr marL="914400" algn="l" defTabSz="914400" rtl="0" eaLnBrk="1" latinLnBrk="0" hangingPunct="1">
+              <a:defRPr sz="1800" kern="1200">
+                <a:solidFill>
+                  <a:schemeClr val="dk1"/>
+                </a:solidFill>
+                <a:latin typeface="+mn-lt"/>
+                <a:ea typeface="+mn-ea"/>
+                <a:cs typeface="+mn-cs"/>
+              </a:defRPr>
+            </a:lvl3pPr>
+            <a:lvl4pPr marL="1371600" algn="l" defTabSz="914400" rtl="0" eaLnBrk="1" latinLnBrk="0" hangingPunct="1">
+              <a:defRPr sz="1800" kern="1200">
+                <a:solidFill>
+                  <a:schemeClr val="dk1"/>
+                </a:solidFill>
+                <a:latin typeface="+mn-lt"/>
+                <a:ea typeface="+mn-ea"/>
+                <a:cs typeface="+mn-cs"/>
+              </a:defRPr>
+            </a:lvl4pPr>
+            <a:lvl5pPr marL="1828800" algn="l" defTabSz="914400" rtl="0" eaLnBrk="1" latinLnBrk="0" hangingPunct="1">
+              <a:defRPr sz="1800" kern="1200">
+                <a:solidFill>
+                  <a:schemeClr val="dk1"/>
+                </a:solidFill>
+                <a:latin typeface="+mn-lt"/>
+                <a:ea typeface="+mn-ea"/>
+                <a:cs typeface="+mn-cs"/>
+              </a:defRPr>
+            </a:lvl5pPr>
+            <a:lvl6pPr marL="2286000" algn="l" defTabSz="914400" rtl="0" eaLnBrk="1" latinLnBrk="0" hangingPunct="1">
+              <a:defRPr sz="1800" kern="1200">
+                <a:solidFill>
+                  <a:schemeClr val="dk1"/>
+                </a:solidFill>
+                <a:latin typeface="+mn-lt"/>
+                <a:ea typeface="+mn-ea"/>
+                <a:cs typeface="+mn-cs"/>
+              </a:defRPr>
+            </a:lvl6pPr>
+            <a:lvl7pPr marL="2743200" algn="l" defTabSz="914400" rtl="0" eaLnBrk="1" latinLnBrk="0" hangingPunct="1">
+              <a:defRPr sz="1800" kern="1200">
+                <a:solidFill>
+                  <a:schemeClr val="dk1"/>
+                </a:solidFill>
+                <a:latin typeface="+mn-lt"/>
+                <a:ea typeface="+mn-ea"/>
+                <a:cs typeface="+mn-cs"/>
+              </a:defRPr>
+            </a:lvl7pPr>
+            <a:lvl8pPr marL="3200400" algn="l" defTabSz="914400" rtl="0" eaLnBrk="1" latinLnBrk="0" hangingPunct="1">
+              <a:defRPr sz="1800" kern="1200">
+                <a:solidFill>
+                  <a:schemeClr val="dk1"/>
+                </a:solidFill>
+                <a:latin typeface="+mn-lt"/>
+                <a:ea typeface="+mn-ea"/>
+                <a:cs typeface="+mn-cs"/>
+              </a:defRPr>
+            </a:lvl8pPr>
+            <a:lvl9pPr marL="3657600" algn="l" defTabSz="914400" rtl="0" eaLnBrk="1" latinLnBrk="0" hangingPunct="1">
+              <a:defRPr sz="1800" kern="1200">
+                <a:solidFill>
+                  <a:schemeClr val="dk1"/>
+                </a:solidFill>
+                <a:latin typeface="+mn-lt"/>
+                <a:ea typeface="+mn-ea"/>
+                <a:cs typeface="+mn-cs"/>
+              </a:defRPr>
+            </a:lvl9pPr>
+          </a:lstStyle>
           <a:p>
             <a:pPr algn="ctr">
               <a:defRPr/>
@@ -5634,182 +5935,16 @@
           </a:p>
         </p:txBody>
       </p:sp>
-      <p:sp>
-        <p:nvSpPr>
-          <p:cNvPr id="15" name="TextBox 14"/>
-          <p:cNvSpPr txBox="1"/>
-          <p:nvPr/>
-        </p:nvSpPr>
-        <p:spPr>
-          <a:xfrm>
-            <a:off x="7667308" y="5313982"/>
-            <a:ext cx="3973308" cy="923330"/>
-          </a:xfrm>
-          <a:prstGeom prst="rect">
-            <a:avLst/>
-          </a:prstGeom>
-          <a:noFill/>
-        </p:spPr>
-        <p:txBody>
-          <a:bodyPr wrap="square" rtlCol="0">
-            <a:spAutoFit/>
-          </a:bodyPr>
-          <a:lstStyle/>
-          <a:p>
-            <a:r>
-              <a:rPr lang="ru-RU" b="1" dirty="0"/>
-              <a:t>Подробнее:</a:t>
-            </a:r>
-            <a:r>
-              <a:rPr lang="en-US" b="1" dirty="0"/>
-              <a:t> </a:t>
-            </a:r>
-            <a:r>
-              <a:rPr lang="en-US" b="1" dirty="0">
-                <a:hlinkClick r:id="rId2"/>
-              </a:rPr>
-              <a:t>https://youtu.be/j4_9BZezSUA</a:t>
-            </a:r>
-            <a:endParaRPr lang="ru-RU" b="1" dirty="0"/>
-          </a:p>
-          <a:p>
-            <a:r>
-              <a:rPr lang="ru-RU" i="1" dirty="0"/>
-              <a:t>Тут докладчик еще более странный…</a:t>
-            </a:r>
-          </a:p>
-        </p:txBody>
-      </p:sp>
-      <p:sp>
-        <p:nvSpPr>
-          <p:cNvPr id="16" name="Заголовок 6"/>
-          <p:cNvSpPr>
-            <a:spLocks noGrp="1"/>
-          </p:cNvSpPr>
-          <p:nvPr>
-            <p:ph type="title"/>
-          </p:nvPr>
-        </p:nvSpPr>
-        <p:spPr>
-          <a:xfrm>
-            <a:off x="7321870" y="404664"/>
-            <a:ext cx="4870130" cy="720080"/>
-          </a:xfrm>
-        </p:spPr>
-        <p:txBody>
-          <a:bodyPr>
-            <a:noAutofit/>
-          </a:bodyPr>
-          <a:lstStyle/>
-          <a:p>
-            <a:r>
-              <a:rPr lang="ru-RU" sz="4000" b="1" dirty="0"/>
-              <a:t> </a:t>
-            </a:r>
-            <a:r>
-              <a:rPr lang="en-US" sz="4000" b="1" dirty="0"/>
-              <a:t>Event Loop</a:t>
-            </a:r>
-            <a:endParaRPr lang="ru-RU" sz="4000" b="1" dirty="0"/>
-          </a:p>
-        </p:txBody>
-      </p:sp>
-      <p:sp>
-        <p:nvSpPr>
-          <p:cNvPr id="2" name="TextBox 1"/>
-          <p:cNvSpPr txBox="1"/>
-          <p:nvPr/>
-        </p:nvSpPr>
-        <p:spPr>
-          <a:xfrm>
-            <a:off x="7661628" y="1452840"/>
-            <a:ext cx="4267020" cy="3416320"/>
-          </a:xfrm>
-          <a:prstGeom prst="rect">
-            <a:avLst/>
-          </a:prstGeom>
-          <a:noFill/>
-        </p:spPr>
-        <p:txBody>
-          <a:bodyPr wrap="square" rtlCol="0">
-            <a:spAutoFit/>
-          </a:bodyPr>
-          <a:lstStyle/>
-          <a:p>
-            <a:r>
-              <a:rPr lang="en-US" sz="2400" b="1" dirty="0"/>
-              <a:t>JavaScript</a:t>
-            </a:r>
-            <a:r>
-              <a:rPr lang="en-US" sz="2400" dirty="0"/>
-              <a:t> </a:t>
-            </a:r>
-            <a:r>
-              <a:rPr lang="ru-RU" sz="2400" dirty="0"/>
-              <a:t>однопоточный язык программирования, но тем не менее нам доступны асинхронные инструменты. Доступны они за счёт функционирования механизма </a:t>
-            </a:r>
-            <a:r>
-              <a:rPr lang="en-US" sz="2400" b="1" dirty="0"/>
-              <a:t>Event Loop </a:t>
-            </a:r>
-            <a:r>
-              <a:rPr lang="ru-RU" sz="2400" dirty="0"/>
-              <a:t>(или </a:t>
-            </a:r>
-            <a:r>
-              <a:rPr lang="ru-RU" sz="2400" b="1" dirty="0">
-                <a:solidFill>
-                  <a:srgbClr val="00B050"/>
-                </a:solidFill>
-              </a:rPr>
-              <a:t>цикла событий</a:t>
-            </a:r>
-            <a:r>
-              <a:rPr lang="ru-RU" sz="2400" dirty="0"/>
-              <a:t>, но </a:t>
-            </a:r>
-            <a:r>
-              <a:rPr lang="ru-RU" sz="2400" b="1" dirty="0">
-                <a:solidFill>
-                  <a:schemeClr val="accent6">
-                    <a:lumMod val="75000"/>
-                  </a:schemeClr>
-                </a:solidFill>
-              </a:rPr>
-              <a:t>не стоит путать с событиями </a:t>
-            </a:r>
-            <a:r>
-              <a:rPr lang="en-US" sz="2400" b="1" dirty="0">
-                <a:solidFill>
-                  <a:schemeClr val="accent6">
-                    <a:lumMod val="75000"/>
-                  </a:schemeClr>
-                </a:solidFill>
-              </a:rPr>
-              <a:t>DOM</a:t>
-            </a:r>
-            <a:r>
-              <a:rPr lang="ru-RU" sz="2400" dirty="0"/>
-              <a:t>)</a:t>
-            </a:r>
-            <a:r>
-              <a:rPr lang="en-US" sz="2400" dirty="0"/>
-              <a:t>.</a:t>
-            </a:r>
-            <a:endParaRPr lang="ru-RU" sz="2400" dirty="0"/>
-          </a:p>
-        </p:txBody>
-      </p:sp>
       <p:pic>
         <p:nvPicPr>
-          <p:cNvPr id="1026" name="Picture 2" descr="Результат пошуку зображень за запитом event loop javascript&quot;"/>
+          <p:cNvPr id="1026" name="Picture 2" descr="http://www.m-globe.ru/images2/pim3.jpg"/>
           <p:cNvPicPr>
             <a:picLocks noChangeAspect="1" noChangeArrowheads="1"/>
           </p:cNvPicPr>
           <p:nvPr/>
         </p:nvPicPr>
         <p:blipFill>
-          <a:blip r:embed="rId3">
+          <a:blip r:embed="rId2">
             <a:extLst>
               <a:ext uri="{28A0092B-C50C-407E-A947-70E740481C1C}">
                 <a14:useLocalDpi xmlns:a14="http://schemas.microsoft.com/office/drawing/2010/main" val="0"/>
@@ -5823,22 +5958,13 @@
         </p:blipFill>
         <p:spPr bwMode="auto">
           <a:xfrm>
-            <a:off x="18356" y="0"/>
-            <a:ext cx="7303514" cy="6858000"/>
+            <a:off x="2648973" y="1052736"/>
+            <a:ext cx="7182086" cy="2968596"/>
           </a:xfrm>
           <a:prstGeom prst="rect">
             <a:avLst/>
           </a:prstGeom>
-          <a:ln>
-            <a:noFill/>
-          </a:ln>
-          <a:effectLst>
-            <a:outerShdw blurRad="292100" dist="139700" dir="2700000" algn="tl" rotWithShape="0">
-              <a:srgbClr val="333333">
-                <a:alpha val="65000"/>
-              </a:srgbClr>
-            </a:outerShdw>
-          </a:effectLst>
+          <a:noFill/>
           <a:extLst>
             <a:ext uri="{909E8E84-426E-40DD-AFC4-6F175D3DCCD1}">
               <a14:hiddenFill xmlns:a14="http://schemas.microsoft.com/office/drawing/2010/main">
@@ -5850,10 +5976,202 @@
           </a:extLst>
         </p:spPr>
       </p:pic>
+      <p:sp>
+        <p:nvSpPr>
+          <p:cNvPr id="2" name="TextBox 1"/>
+          <p:cNvSpPr txBox="1"/>
+          <p:nvPr/>
+        </p:nvSpPr>
+        <p:spPr>
+          <a:xfrm>
+            <a:off x="7176120" y="4199746"/>
+            <a:ext cx="3521926" cy="523220"/>
+          </a:xfrm>
+          <a:prstGeom prst="rect">
+            <a:avLst/>
+          </a:prstGeom>
+          <a:noFill/>
+        </p:spPr>
+        <p:txBody>
+          <a:bodyPr wrap="none" rtlCol="0">
+            <a:spAutoFit/>
+          </a:bodyPr>
+          <a:lstStyle/>
+          <a:p>
+            <a:r>
+              <a:rPr lang="ru-RU" sz="2800" b="1" dirty="0"/>
+              <a:t>Долгота =</a:t>
+            </a:r>
+            <a:r>
+              <a:rPr lang="en-US" sz="2800" b="1" dirty="0"/>
+              <a:t>=</a:t>
+            </a:r>
+            <a:r>
+              <a:rPr lang="ru-RU" sz="2800" b="1" dirty="0"/>
+              <a:t> </a:t>
+            </a:r>
+            <a:r>
+              <a:rPr lang="en-US" sz="2800" b="1" dirty="0"/>
+              <a:t>Longitude </a:t>
+            </a:r>
+            <a:endParaRPr lang="ru-RU" sz="2800" b="1" dirty="0"/>
+          </a:p>
+        </p:txBody>
+      </p:sp>
+      <p:sp>
+        <p:nvSpPr>
+          <p:cNvPr id="4" name="TextBox 3"/>
+          <p:cNvSpPr txBox="1"/>
+          <p:nvPr/>
+        </p:nvSpPr>
+        <p:spPr>
+          <a:xfrm>
+            <a:off x="2135560" y="4216732"/>
+            <a:ext cx="3161315" cy="523220"/>
+          </a:xfrm>
+          <a:prstGeom prst="rect">
+            <a:avLst/>
+          </a:prstGeom>
+          <a:noFill/>
+        </p:spPr>
+        <p:txBody>
+          <a:bodyPr wrap="none" rtlCol="0">
+            <a:spAutoFit/>
+          </a:bodyPr>
+          <a:lstStyle/>
+          <a:p>
+            <a:r>
+              <a:rPr lang="ru-RU" sz="2800" b="1" dirty="0"/>
+              <a:t>Широта </a:t>
+            </a:r>
+            <a:r>
+              <a:rPr lang="en-US" sz="2800" b="1" dirty="0"/>
+              <a:t>=</a:t>
+            </a:r>
+            <a:r>
+              <a:rPr lang="ru-RU" sz="2800" b="1" dirty="0"/>
+              <a:t>= </a:t>
+            </a:r>
+            <a:r>
+              <a:rPr lang="en-US" sz="2800" b="1" dirty="0"/>
+              <a:t>Latitude</a:t>
+            </a:r>
+          </a:p>
+        </p:txBody>
+      </p:sp>
+      <p:sp>
+        <p:nvSpPr>
+          <p:cNvPr id="10" name="Прямоугольник 9"/>
+          <p:cNvSpPr/>
+          <p:nvPr/>
+        </p:nvSpPr>
+        <p:spPr>
+          <a:xfrm>
+            <a:off x="947428" y="5229200"/>
+            <a:ext cx="10585176" cy="523220"/>
+          </a:xfrm>
+          <a:prstGeom prst="rect">
+            <a:avLst/>
+          </a:prstGeom>
+          <a:solidFill>
+            <a:schemeClr val="accent3">
+              <a:lumMod val="20000"/>
+              <a:lumOff val="80000"/>
+            </a:schemeClr>
+          </a:solidFill>
+          <a:ln>
+            <a:solidFill>
+              <a:srgbClr val="92D050"/>
+            </a:solidFill>
+          </a:ln>
+        </p:spPr>
+        <p:txBody>
+          <a:bodyPr wrap="square">
+            <a:spAutoFit/>
+          </a:bodyPr>
+          <a:lstStyle/>
+          <a:p>
+            <a:pPr algn="ctr"/>
+            <a:r>
+              <a:rPr lang="en-US" sz="2800" b="1" dirty="0">
+                <a:latin typeface="Courier New" panose="02070309020205020404" pitchFamily="49" charset="0"/>
+                <a:cs typeface="Courier New" panose="02070309020205020404" pitchFamily="49" charset="0"/>
+              </a:rPr>
+              <a:t>{ …, </a:t>
+            </a:r>
+            <a:r>
+              <a:rPr lang="en-US" sz="2800" b="1" dirty="0">
+                <a:solidFill>
+                  <a:srgbClr val="00B050"/>
+                </a:solidFill>
+                <a:latin typeface="Courier New" panose="02070309020205020404" pitchFamily="49" charset="0"/>
+                <a:cs typeface="Courier New" panose="02070309020205020404" pitchFamily="49" charset="0"/>
+              </a:rPr>
+              <a:t>latitude</a:t>
+            </a:r>
+            <a:r>
+              <a:rPr lang="en-US" sz="2800" b="1" dirty="0">
+                <a:latin typeface="Courier New" panose="02070309020205020404" pitchFamily="49" charset="0"/>
+                <a:cs typeface="Courier New" panose="02070309020205020404" pitchFamily="49" charset="0"/>
+              </a:rPr>
+              <a:t>: 48.47</a:t>
+            </a:r>
+            <a:r>
+              <a:rPr lang="ru-RU" sz="2800" b="1" dirty="0">
+                <a:latin typeface="Courier New" panose="02070309020205020404" pitchFamily="49" charset="0"/>
+                <a:cs typeface="Courier New" panose="02070309020205020404" pitchFamily="49" charset="0"/>
+              </a:rPr>
+              <a:t>67</a:t>
+            </a:r>
+            <a:r>
+              <a:rPr lang="en-US" sz="2800" b="1" dirty="0">
+                <a:latin typeface="Courier New" panose="02070309020205020404" pitchFamily="49" charset="0"/>
+                <a:cs typeface="Courier New" panose="02070309020205020404" pitchFamily="49" charset="0"/>
+              </a:rPr>
+              <a:t>, </a:t>
+            </a:r>
+            <a:r>
+              <a:rPr lang="en-US" sz="2800" b="1" dirty="0">
+                <a:solidFill>
+                  <a:srgbClr val="0070C0"/>
+                </a:solidFill>
+                <a:latin typeface="Courier New" panose="02070309020205020404" pitchFamily="49" charset="0"/>
+                <a:cs typeface="Courier New" panose="02070309020205020404" pitchFamily="49" charset="0"/>
+              </a:rPr>
+              <a:t>longitude</a:t>
+            </a:r>
+            <a:r>
+              <a:rPr lang="en-US" sz="2800" b="1" dirty="0">
+                <a:latin typeface="Courier New" panose="02070309020205020404" pitchFamily="49" charset="0"/>
+                <a:cs typeface="Courier New" panose="02070309020205020404" pitchFamily="49" charset="0"/>
+              </a:rPr>
+              <a:t>: 35.05</a:t>
+            </a:r>
+            <a:r>
+              <a:rPr lang="ru-RU" sz="2800" b="1" dirty="0">
+                <a:latin typeface="Courier New" panose="02070309020205020404" pitchFamily="49" charset="0"/>
+                <a:cs typeface="Courier New" panose="02070309020205020404" pitchFamily="49" charset="0"/>
+              </a:rPr>
+              <a:t>43</a:t>
+            </a:r>
+            <a:r>
+              <a:rPr lang="en-US" sz="2800" b="1" dirty="0">
+                <a:latin typeface="Courier New" panose="02070309020205020404" pitchFamily="49" charset="0"/>
+                <a:cs typeface="Courier New" panose="02070309020205020404" pitchFamily="49" charset="0"/>
+              </a:rPr>
+              <a:t>, … }; </a:t>
+            </a:r>
+            <a:endParaRPr lang="ru-RU" sz="2800" dirty="0">
+              <a:latin typeface="Courier New" panose="02070309020205020404" pitchFamily="49" charset="0"/>
+              <a:cs typeface="Courier New" panose="02070309020205020404" pitchFamily="49" charset="0"/>
+            </a:endParaRPr>
+          </a:p>
+        </p:txBody>
+      </p:sp>
     </p:spTree>
     <p:extLst>
       <p:ext uri="{BB962C8B-B14F-4D97-AF65-F5344CB8AC3E}">
-        <p14:creationId xmlns:p14="http://schemas.microsoft.com/office/powerpoint/2010/main" val="4127325237"/>
+        <p14:creationId xmlns:p14="http://schemas.microsoft.com/office/powerpoint/2010/main" val="3367502789"/>
       </p:ext>
     </p:extLst>
   </p:cSld>
@@ -5882,59 +6200,267 @@
       </p:grpSpPr>
       <p:sp>
         <p:nvSpPr>
-          <p:cNvPr id="5" name="Прямоугольник 4"/>
-          <p:cNvSpPr/>
+          <p:cNvPr id="3" name="TextBox 2"/>
+          <p:cNvSpPr txBox="1"/>
           <p:nvPr/>
         </p:nvSpPr>
         <p:spPr>
           <a:xfrm>
-            <a:off x="0" y="0"/>
-            <a:ext cx="12192000" cy="6858000"/>
+            <a:off x="0" y="467961"/>
+            <a:ext cx="12192000" cy="584775"/>
           </a:xfrm>
           <a:prstGeom prst="rect">
             <a:avLst/>
           </a:prstGeom>
-          <a:solidFill>
-            <a:schemeClr val="tx2">
-              <a:lumMod val="75000"/>
-            </a:schemeClr>
-          </a:solidFill>
+          <a:noFill/>
+        </p:spPr>
+        <p:txBody>
+          <a:bodyPr wrap="square" rtlCol="0">
+            <a:spAutoFit/>
+          </a:bodyPr>
+          <a:lstStyle/>
+          <a:p>
+            <a:pPr algn="ctr"/>
+            <a:r>
+              <a:rPr lang="ru-RU" sz="3200" b="1" dirty="0" err="1"/>
+              <a:t>Геолокация</a:t>
+            </a:r>
+            <a:r>
+              <a:rPr lang="en-US" sz="3200" b="1" dirty="0"/>
+              <a:t> </a:t>
+            </a:r>
+            <a:r>
+              <a:rPr lang="ru-RU" sz="3200" b="1" dirty="0"/>
+              <a:t>на практике</a:t>
+            </a:r>
+            <a:endParaRPr lang="uk-UA" sz="3200" i="1" dirty="0"/>
+          </a:p>
+        </p:txBody>
+      </p:sp>
+      <p:sp>
+        <p:nvSpPr>
+          <p:cNvPr id="13" name="Номер слайда 36"/>
+          <p:cNvSpPr txBox="1">
+            <a:spLocks/>
+          </p:cNvSpPr>
+          <p:nvPr/>
+        </p:nvSpPr>
+        <p:spPr>
+          <a:xfrm>
+            <a:off x="11136560" y="6121493"/>
+            <a:ext cx="648072" cy="432048"/>
+          </a:xfrm>
+          <a:prstGeom prst="roundRect">
+            <a:avLst/>
+          </a:prstGeom>
+          <a:ln w="25400" cap="flat" cmpd="sng" algn="ctr">
+            <a:solidFill>
+              <a:schemeClr val="tx2">
+                <a:lumMod val="60000"/>
+                <a:lumOff val="40000"/>
+              </a:schemeClr>
+            </a:solidFill>
+            <a:prstDash val="solid"/>
+          </a:ln>
         </p:spPr>
         <p:style>
           <a:lnRef idx="2">
-            <a:schemeClr val="accent1">
-              <a:shade val="50000"/>
-            </a:schemeClr>
+            <a:schemeClr val="accent1"/>
           </a:lnRef>
           <a:fillRef idx="1">
-            <a:schemeClr val="accent1"/>
+            <a:schemeClr val="lt1"/>
           </a:fillRef>
           <a:effectRef idx="0">
             <a:schemeClr val="accent1"/>
           </a:effectRef>
           <a:fontRef idx="minor">
-            <a:schemeClr val="lt1"/>
+            <a:schemeClr val="dk1"/>
           </a:fontRef>
         </p:style>
         <p:txBody>
-          <a:bodyPr rtlCol="0" anchor="ctr"/>
-          <a:lstStyle/>
-          <a:p>
-            <a:pPr algn="ctr"/>
-            <a:r>
-              <a:rPr lang="ru-RU" sz="6000" b="1" dirty="0"/>
-              <a:t>4</a:t>
-            </a:r>
-            <a:r>
-              <a:rPr lang="en-US" sz="6000" b="1" dirty="0"/>
+          <a:bodyPr vert="horz" lIns="91440" tIns="45720" rIns="91440" bIns="45720" rtlCol="0" anchor="ctr"/>
+          <a:lstStyle>
+            <a:defPPr>
+              <a:defRPr lang="uk-UA"/>
+            </a:defPPr>
+            <a:lvl1pPr marL="0" algn="l" defTabSz="914400" rtl="0" eaLnBrk="1" latinLnBrk="0" hangingPunct="1">
+              <a:defRPr sz="1800" kern="1200">
+                <a:solidFill>
+                  <a:schemeClr val="dk1"/>
+                </a:solidFill>
+                <a:latin typeface="+mn-lt"/>
+                <a:ea typeface="+mn-ea"/>
+                <a:cs typeface="+mn-cs"/>
+              </a:defRPr>
+            </a:lvl1pPr>
+            <a:lvl2pPr marL="457200" algn="l" defTabSz="914400" rtl="0" eaLnBrk="1" latinLnBrk="0" hangingPunct="1">
+              <a:defRPr sz="1800" kern="1200">
+                <a:solidFill>
+                  <a:schemeClr val="dk1"/>
+                </a:solidFill>
+                <a:latin typeface="+mn-lt"/>
+                <a:ea typeface="+mn-ea"/>
+                <a:cs typeface="+mn-cs"/>
+              </a:defRPr>
+            </a:lvl2pPr>
+            <a:lvl3pPr marL="914400" algn="l" defTabSz="914400" rtl="0" eaLnBrk="1" latinLnBrk="0" hangingPunct="1">
+              <a:defRPr sz="1800" kern="1200">
+                <a:solidFill>
+                  <a:schemeClr val="dk1"/>
+                </a:solidFill>
+                <a:latin typeface="+mn-lt"/>
+                <a:ea typeface="+mn-ea"/>
+                <a:cs typeface="+mn-cs"/>
+              </a:defRPr>
+            </a:lvl3pPr>
+            <a:lvl4pPr marL="1371600" algn="l" defTabSz="914400" rtl="0" eaLnBrk="1" latinLnBrk="0" hangingPunct="1">
+              <a:defRPr sz="1800" kern="1200">
+                <a:solidFill>
+                  <a:schemeClr val="dk1"/>
+                </a:solidFill>
+                <a:latin typeface="+mn-lt"/>
+                <a:ea typeface="+mn-ea"/>
+                <a:cs typeface="+mn-cs"/>
+              </a:defRPr>
+            </a:lvl4pPr>
+            <a:lvl5pPr marL="1828800" algn="l" defTabSz="914400" rtl="0" eaLnBrk="1" latinLnBrk="0" hangingPunct="1">
+              <a:defRPr sz="1800" kern="1200">
+                <a:solidFill>
+                  <a:schemeClr val="dk1"/>
+                </a:solidFill>
+                <a:latin typeface="+mn-lt"/>
+                <a:ea typeface="+mn-ea"/>
+                <a:cs typeface="+mn-cs"/>
+              </a:defRPr>
+            </a:lvl5pPr>
+            <a:lvl6pPr marL="2286000" algn="l" defTabSz="914400" rtl="0" eaLnBrk="1" latinLnBrk="0" hangingPunct="1">
+              <a:defRPr sz="1800" kern="1200">
+                <a:solidFill>
+                  <a:schemeClr val="dk1"/>
+                </a:solidFill>
+                <a:latin typeface="+mn-lt"/>
+                <a:ea typeface="+mn-ea"/>
+                <a:cs typeface="+mn-cs"/>
+              </a:defRPr>
+            </a:lvl6pPr>
+            <a:lvl7pPr marL="2743200" algn="l" defTabSz="914400" rtl="0" eaLnBrk="1" latinLnBrk="0" hangingPunct="1">
+              <a:defRPr sz="1800" kern="1200">
+                <a:solidFill>
+                  <a:schemeClr val="dk1"/>
+                </a:solidFill>
+                <a:latin typeface="+mn-lt"/>
+                <a:ea typeface="+mn-ea"/>
+                <a:cs typeface="+mn-cs"/>
+              </a:defRPr>
+            </a:lvl7pPr>
+            <a:lvl8pPr marL="3200400" algn="l" defTabSz="914400" rtl="0" eaLnBrk="1" latinLnBrk="0" hangingPunct="1">
+              <a:defRPr sz="1800" kern="1200">
+                <a:solidFill>
+                  <a:schemeClr val="dk1"/>
+                </a:solidFill>
+                <a:latin typeface="+mn-lt"/>
+                <a:ea typeface="+mn-ea"/>
+                <a:cs typeface="+mn-cs"/>
+              </a:defRPr>
+            </a:lvl8pPr>
+            <a:lvl9pPr marL="3657600" algn="l" defTabSz="914400" rtl="0" eaLnBrk="1" latinLnBrk="0" hangingPunct="1">
+              <a:defRPr sz="1800" kern="1200">
+                <a:solidFill>
+                  <a:schemeClr val="dk1"/>
+                </a:solidFill>
+                <a:latin typeface="+mn-lt"/>
+                <a:ea typeface="+mn-ea"/>
+                <a:cs typeface="+mn-cs"/>
+              </a:defRPr>
+            </a:lvl9pPr>
+          </a:lstStyle>
+          <a:p>
+            <a:pPr algn="ctr">
+              <a:defRPr/>
+            </a:pPr>
+            <a:fld id="{6389AA22-90B4-448C-8B6B-C699140D38B9}" type="slidenum">
+              <a:rPr lang="uk-UA" sz="2400" b="1">
+                <a:solidFill>
+                  <a:schemeClr val="bg1">
+                    <a:lumMod val="50000"/>
+                  </a:schemeClr>
+                </a:solidFill>
+              </a:rPr>
+              <a:pPr algn="ctr">
+                <a:defRPr/>
+              </a:pPr>
+              <a:t>13</a:t>
+            </a:fld>
+            <a:endParaRPr lang="uk-UA" sz="2400" b="1" dirty="0">
+              <a:solidFill>
+                <a:schemeClr val="bg1">
+                  <a:lumMod val="50000"/>
+                </a:schemeClr>
+              </a:solidFill>
+            </a:endParaRPr>
+          </a:p>
+        </p:txBody>
+      </p:sp>
+      <p:sp>
+        <p:nvSpPr>
+          <p:cNvPr id="7" name="TextBox 6"/>
+          <p:cNvSpPr txBox="1"/>
+          <p:nvPr/>
+        </p:nvSpPr>
+        <p:spPr>
+          <a:xfrm>
+            <a:off x="1343472" y="4318064"/>
+            <a:ext cx="10153128" cy="1631216"/>
+          </a:xfrm>
+          <a:prstGeom prst="rect">
+            <a:avLst/>
+          </a:prstGeom>
+          <a:noFill/>
+        </p:spPr>
+        <p:txBody>
+          <a:bodyPr wrap="square" rtlCol="0">
+            <a:spAutoFit/>
+          </a:bodyPr>
+          <a:lstStyle/>
+          <a:p>
+            <a:r>
+              <a:rPr lang="ru-RU" sz="2000" dirty="0"/>
+              <a:t>У браузера есть возможность узнать координаты пользователя на местности</a:t>
+            </a:r>
+            <a:r>
+              <a:rPr lang="en-US" sz="2000" dirty="0"/>
               <a:t>. </a:t>
             </a:r>
             <a:r>
-              <a:rPr lang="ru-RU" sz="6000" b="1" dirty="0"/>
-              <a:t>Геолокация и </a:t>
-            </a:r>
-            <a:r>
-              <a:rPr lang="en-US" sz="6000" b="1" dirty="0">
+              <a:rPr lang="ru-RU" sz="2000" dirty="0"/>
+              <a:t>Для этого мы можем воспользоваться методом </a:t>
+            </a:r>
+            <a:r>
+              <a:rPr lang="en-US" sz="2000" b="1" dirty="0" err="1"/>
+              <a:t>navigator.geolocation.getCurrentPosition</a:t>
+            </a:r>
+            <a:r>
+              <a:rPr lang="en-US" sz="2000" b="1" dirty="0"/>
+              <a:t>() </a:t>
+            </a:r>
+            <a:r>
+              <a:rPr lang="ru-RU" sz="2000" dirty="0"/>
+              <a:t>который</a:t>
+            </a:r>
+            <a:r>
+              <a:rPr lang="ru-RU" sz="2000" b="1" dirty="0"/>
+              <a:t> </a:t>
+            </a:r>
+            <a:r>
+              <a:rPr lang="ru-RU" sz="2000" dirty="0"/>
+              <a:t>принимает</a:t>
+            </a:r>
+            <a:r>
+              <a:rPr lang="ru-RU" sz="2000" b="1" dirty="0"/>
+              <a:t> </a:t>
+            </a:r>
+            <a:r>
+              <a:rPr lang="en-US" sz="2000" b="1" dirty="0">
                 <a:solidFill>
                   <a:schemeClr val="accent6">
                     <a:lumMod val="75000"/>
@@ -5944,21 +6470,150 @@
               <a:t>callback</a:t>
             </a:r>
             <a:r>
-              <a:rPr lang="en-US" sz="6000" b="1" dirty="0"/>
-              <a:t>’</a:t>
-            </a:r>
-            <a:r>
-              <a:rPr lang="ru-RU" sz="6000" b="1" dirty="0"/>
-              <a:t>и</a:t>
-            </a:r>
-            <a:endParaRPr lang="uk-UA" sz="6000" b="1" dirty="0"/>
-          </a:p>
-        </p:txBody>
-      </p:sp>
+              <a:rPr lang="en-US" sz="2000" b="1" dirty="0"/>
+              <a:t> </a:t>
+            </a:r>
+            <a:r>
+              <a:rPr lang="ru-RU" sz="2000" dirty="0"/>
+              <a:t>функции для получения координат и информации об ошибке</a:t>
+            </a:r>
+            <a:r>
+              <a:rPr lang="en-US" sz="2000" dirty="0"/>
+              <a:t>.</a:t>
+            </a:r>
+            <a:r>
+              <a:rPr lang="en-US" sz="2000" b="1" dirty="0"/>
+              <a:t> </a:t>
+            </a:r>
+            <a:r>
+              <a:rPr lang="ru-RU" sz="2000" dirty="0"/>
+              <a:t>Но важно </a:t>
+            </a:r>
+            <a:r>
+              <a:rPr lang="ru-RU" sz="2000" b="1" dirty="0">
+                <a:solidFill>
+                  <a:srgbClr val="00B050"/>
+                </a:solidFill>
+              </a:rPr>
+              <a:t>проверять поддерживает ли браузер </a:t>
+            </a:r>
+            <a:r>
+              <a:rPr lang="ru-RU" sz="2000" b="1" dirty="0" err="1">
+                <a:solidFill>
+                  <a:srgbClr val="00B050"/>
+                </a:solidFill>
+              </a:rPr>
+              <a:t>геолокацию</a:t>
+            </a:r>
+            <a:r>
+              <a:rPr lang="ru-RU" sz="2000" b="1" dirty="0">
+                <a:solidFill>
+                  <a:srgbClr val="00B050"/>
+                </a:solidFill>
+              </a:rPr>
+              <a:t> </a:t>
+            </a:r>
+            <a:r>
+              <a:rPr lang="ru-RU" sz="2000" dirty="0"/>
+              <a:t>проверяя наличие свойства </a:t>
+            </a:r>
+            <a:r>
+              <a:rPr lang="en-US" sz="2000" b="1" dirty="0"/>
+              <a:t>geolocation</a:t>
+            </a:r>
+            <a:r>
+              <a:rPr lang="en-US" sz="2000" dirty="0"/>
+              <a:t> </a:t>
+            </a:r>
+            <a:r>
+              <a:rPr lang="ru-RU" sz="2000" dirty="0"/>
+              <a:t>объекта </a:t>
+            </a:r>
+            <a:r>
+              <a:rPr lang="en-US" sz="2000" b="1" dirty="0"/>
+              <a:t>navigator</a:t>
+            </a:r>
+            <a:r>
+              <a:rPr lang="en-US" sz="2000" dirty="0"/>
+              <a:t>.</a:t>
+            </a:r>
+            <a:endParaRPr lang="uk-UA" sz="2000" dirty="0"/>
+          </a:p>
+        </p:txBody>
+      </p:sp>
+      <p:sp>
+        <p:nvSpPr>
+          <p:cNvPr id="4" name="Прямоугольник 3"/>
+          <p:cNvSpPr/>
+          <p:nvPr/>
+        </p:nvSpPr>
+        <p:spPr>
+          <a:xfrm>
+            <a:off x="0" y="6021288"/>
+            <a:ext cx="12192000" cy="369332"/>
+          </a:xfrm>
+          <a:prstGeom prst="rect">
+            <a:avLst/>
+          </a:prstGeom>
+        </p:spPr>
+        <p:txBody>
+          <a:bodyPr wrap="square">
+            <a:spAutoFit/>
+          </a:bodyPr>
+          <a:lstStyle/>
+          <a:p>
+            <a:pPr algn="ctr"/>
+            <a:r>
+              <a:rPr lang="ru-RU" b="1" dirty="0"/>
+              <a:t>Подробнее: </a:t>
+            </a:r>
+            <a:r>
+              <a:rPr lang="en-US" b="1" dirty="0">
+                <a:hlinkClick r:id="rId2"/>
+              </a:rPr>
+              <a:t>https://developer.mozilla.org/ru/docs/Web/API/Geolocation/getCurrentPosition</a:t>
+            </a:r>
+            <a:endParaRPr lang="ru-RU" b="1" dirty="0"/>
+          </a:p>
+        </p:txBody>
+      </p:sp>
+      <p:pic>
+        <p:nvPicPr>
+          <p:cNvPr id="5" name="Рисунок 4"/>
+          <p:cNvPicPr>
+            <a:picLocks noChangeAspect="1"/>
+          </p:cNvPicPr>
+          <p:nvPr/>
+        </p:nvPicPr>
+        <p:blipFill rotWithShape="1">
+          <a:blip r:embed="rId3"/>
+          <a:srcRect b="62887"/>
+          <a:stretch/>
+        </p:blipFill>
+        <p:spPr>
+          <a:xfrm>
+            <a:off x="1343472" y="1740956"/>
+            <a:ext cx="10153128" cy="2258884"/>
+          </a:xfrm>
+          <a:prstGeom prst="rect">
+            <a:avLst/>
+          </a:prstGeom>
+          <a:ln>
+            <a:noFill/>
+          </a:ln>
+          <a:effectLst>
+            <a:outerShdw blurRad="292100" dist="139700" dir="2700000" algn="tl" rotWithShape="0">
+              <a:srgbClr val="333333">
+                <a:alpha val="65000"/>
+              </a:srgbClr>
+            </a:outerShdw>
+          </a:effectLst>
+        </p:spPr>
+      </p:pic>
     </p:spTree>
     <p:extLst>
       <p:ext uri="{BB962C8B-B14F-4D97-AF65-F5344CB8AC3E}">
-        <p14:creationId xmlns:p14="http://schemas.microsoft.com/office/powerpoint/2010/main" val="4249968979"/>
+        <p14:creationId xmlns:p14="http://schemas.microsoft.com/office/powerpoint/2010/main" val="1829108304"/>
       </p:ext>
     </p:extLst>
   </p:cSld>
@@ -5987,42 +6642,7 @@
       </p:grpSpPr>
       <p:sp>
         <p:nvSpPr>
-          <p:cNvPr id="3" name="TextBox 2"/>
-          <p:cNvSpPr txBox="1"/>
-          <p:nvPr/>
-        </p:nvSpPr>
-        <p:spPr>
-          <a:xfrm>
-            <a:off x="0" y="188640"/>
-            <a:ext cx="12192000" cy="584775"/>
-          </a:xfrm>
-          <a:prstGeom prst="rect">
-            <a:avLst/>
-          </a:prstGeom>
-          <a:noFill/>
-        </p:spPr>
-        <p:txBody>
-          <a:bodyPr wrap="square" rtlCol="0">
-            <a:spAutoFit/>
-          </a:bodyPr>
-          <a:lstStyle/>
-          <a:p>
-            <a:pPr algn="ctr"/>
-            <a:r>
-              <a:rPr lang="ru-RU" sz="3200" b="1" dirty="0" err="1"/>
-              <a:t>Геолокация</a:t>
-            </a:r>
-            <a:r>
-              <a:rPr lang="ru-RU" sz="3200" b="1" dirty="0"/>
-              <a:t> в теории</a:t>
-            </a:r>
-            <a:endParaRPr lang="uk-UA" sz="3200" i="1" dirty="0"/>
-          </a:p>
-        </p:txBody>
-      </p:sp>
-      <p:sp>
-        <p:nvSpPr>
-          <p:cNvPr id="13" name="Номер слайда 36"/>
+          <p:cNvPr id="6" name="Номер слайда 36"/>
           <p:cNvSpPr txBox="1">
             <a:spLocks/>
           </p:cNvSpPr>
@@ -6030,7 +6650,7 @@
         </p:nvSpPr>
         <p:spPr>
           <a:xfrm>
-            <a:off x="11136560" y="6030281"/>
+            <a:off x="11064552" y="6093296"/>
             <a:ext cx="648072" cy="432048"/>
           </a:xfrm>
           <a:prstGeom prst="roundRect">
@@ -6062,101 +6682,7 @@
         </p:style>
         <p:txBody>
           <a:bodyPr vert="horz" lIns="91440" tIns="45720" rIns="91440" bIns="45720" rtlCol="0" anchor="ctr"/>
-          <a:lstStyle>
-            <a:defPPr>
-              <a:defRPr lang="uk-UA"/>
-            </a:defPPr>
-            <a:lvl1pPr marL="0" algn="l" defTabSz="914400" rtl="0" eaLnBrk="1" latinLnBrk="0" hangingPunct="1">
-              <a:defRPr sz="1800" kern="1200">
-                <a:solidFill>
-                  <a:schemeClr val="dk1"/>
-                </a:solidFill>
-                <a:latin typeface="+mn-lt"/>
-                <a:ea typeface="+mn-ea"/>
-                <a:cs typeface="+mn-cs"/>
-              </a:defRPr>
-            </a:lvl1pPr>
-            <a:lvl2pPr marL="457200" algn="l" defTabSz="914400" rtl="0" eaLnBrk="1" latinLnBrk="0" hangingPunct="1">
-              <a:defRPr sz="1800" kern="1200">
-                <a:solidFill>
-                  <a:schemeClr val="dk1"/>
-                </a:solidFill>
-                <a:latin typeface="+mn-lt"/>
-                <a:ea typeface="+mn-ea"/>
-                <a:cs typeface="+mn-cs"/>
-              </a:defRPr>
-            </a:lvl2pPr>
-            <a:lvl3pPr marL="914400" algn="l" defTabSz="914400" rtl="0" eaLnBrk="1" latinLnBrk="0" hangingPunct="1">
-              <a:defRPr sz="1800" kern="1200">
-                <a:solidFill>
-                  <a:schemeClr val="dk1"/>
-                </a:solidFill>
-                <a:latin typeface="+mn-lt"/>
-                <a:ea typeface="+mn-ea"/>
-                <a:cs typeface="+mn-cs"/>
-              </a:defRPr>
-            </a:lvl3pPr>
-            <a:lvl4pPr marL="1371600" algn="l" defTabSz="914400" rtl="0" eaLnBrk="1" latinLnBrk="0" hangingPunct="1">
-              <a:defRPr sz="1800" kern="1200">
-                <a:solidFill>
-                  <a:schemeClr val="dk1"/>
-                </a:solidFill>
-                <a:latin typeface="+mn-lt"/>
-                <a:ea typeface="+mn-ea"/>
-                <a:cs typeface="+mn-cs"/>
-              </a:defRPr>
-            </a:lvl4pPr>
-            <a:lvl5pPr marL="1828800" algn="l" defTabSz="914400" rtl="0" eaLnBrk="1" latinLnBrk="0" hangingPunct="1">
-              <a:defRPr sz="1800" kern="1200">
-                <a:solidFill>
-                  <a:schemeClr val="dk1"/>
-                </a:solidFill>
-                <a:latin typeface="+mn-lt"/>
-                <a:ea typeface="+mn-ea"/>
-                <a:cs typeface="+mn-cs"/>
-              </a:defRPr>
-            </a:lvl5pPr>
-            <a:lvl6pPr marL="2286000" algn="l" defTabSz="914400" rtl="0" eaLnBrk="1" latinLnBrk="0" hangingPunct="1">
-              <a:defRPr sz="1800" kern="1200">
-                <a:solidFill>
-                  <a:schemeClr val="dk1"/>
-                </a:solidFill>
-                <a:latin typeface="+mn-lt"/>
-                <a:ea typeface="+mn-ea"/>
-                <a:cs typeface="+mn-cs"/>
-              </a:defRPr>
-            </a:lvl6pPr>
-            <a:lvl7pPr marL="2743200" algn="l" defTabSz="914400" rtl="0" eaLnBrk="1" latinLnBrk="0" hangingPunct="1">
-              <a:defRPr sz="1800" kern="1200">
-                <a:solidFill>
-                  <a:schemeClr val="dk1"/>
-                </a:solidFill>
-                <a:latin typeface="+mn-lt"/>
-                <a:ea typeface="+mn-ea"/>
-                <a:cs typeface="+mn-cs"/>
-              </a:defRPr>
-            </a:lvl7pPr>
-            <a:lvl8pPr marL="3200400" algn="l" defTabSz="914400" rtl="0" eaLnBrk="1" latinLnBrk="0" hangingPunct="1">
-              <a:defRPr sz="1800" kern="1200">
-                <a:solidFill>
-                  <a:schemeClr val="dk1"/>
-                </a:solidFill>
-                <a:latin typeface="+mn-lt"/>
-                <a:ea typeface="+mn-ea"/>
-                <a:cs typeface="+mn-cs"/>
-              </a:defRPr>
-            </a:lvl8pPr>
-            <a:lvl9pPr marL="3657600" algn="l" defTabSz="914400" rtl="0" eaLnBrk="1" latinLnBrk="0" hangingPunct="1">
-              <a:defRPr sz="1800" kern="1200">
-                <a:solidFill>
-                  <a:schemeClr val="dk1"/>
-                </a:solidFill>
-                <a:latin typeface="+mn-lt"/>
-                <a:ea typeface="+mn-ea"/>
-                <a:cs typeface="+mn-cs"/>
-              </a:defRPr>
-            </a:lvl9pPr>
-          </a:lstStyle>
+          <a:lstStyle/>
           <a:p>
             <a:pPr algn="ctr">
               <a:defRPr/>
@@ -6184,140 +6710,51 @@
           </a:p>
         </p:txBody>
       </p:sp>
-      <p:pic>
-        <p:nvPicPr>
-          <p:cNvPr id="1026" name="Picture 2" descr="http://www.m-globe.ru/images2/pim3.jpg"/>
-          <p:cNvPicPr>
-            <a:picLocks noChangeAspect="1" noChangeArrowheads="1"/>
-          </p:cNvPicPr>
+      <p:sp>
+        <p:nvSpPr>
+          <p:cNvPr id="9" name="TextBox 8"/>
+          <p:cNvSpPr txBox="1"/>
           <p:nvPr/>
-        </p:nvPicPr>
-        <p:blipFill>
-          <a:blip r:embed="rId2">
-            <a:extLst>
-              <a:ext uri="{28A0092B-C50C-407E-A947-70E740481C1C}">
-                <a14:useLocalDpi xmlns:a14="http://schemas.microsoft.com/office/drawing/2010/main" val="0"/>
-              </a:ext>
-            </a:extLst>
-          </a:blip>
-          <a:srcRect/>
-          <a:stretch>
-            <a:fillRect/>
-          </a:stretch>
-        </p:blipFill>
-        <p:spPr bwMode="auto">
-          <a:xfrm>
-            <a:off x="2648973" y="1052736"/>
-            <a:ext cx="7182086" cy="2968596"/>
+        </p:nvSpPr>
+        <p:spPr>
+          <a:xfrm>
+            <a:off x="0" y="683985"/>
+            <a:ext cx="12191999" cy="584775"/>
           </a:xfrm>
           <a:prstGeom prst="rect">
             <a:avLst/>
           </a:prstGeom>
           <a:noFill/>
-          <a:extLst>
-            <a:ext uri="{909E8E84-426E-40DD-AFC4-6F175D3DCCD1}">
-              <a14:hiddenFill xmlns:a14="http://schemas.microsoft.com/office/drawing/2010/main">
-                <a:solidFill>
-                  <a:srgbClr val="FFFFFF"/>
-                </a:solidFill>
-              </a14:hiddenFill>
-            </a:ext>
-          </a:extLst>
-        </p:spPr>
-      </p:pic>
-      <p:sp>
-        <p:nvSpPr>
-          <p:cNvPr id="2" name="TextBox 1"/>
-          <p:cNvSpPr txBox="1"/>
-          <p:nvPr/>
-        </p:nvSpPr>
-        <p:spPr>
-          <a:xfrm>
-            <a:off x="7176120" y="4199746"/>
-            <a:ext cx="3521926" cy="523220"/>
-          </a:xfrm>
-          <a:prstGeom prst="rect">
-            <a:avLst/>
-          </a:prstGeom>
-          <a:noFill/>
-        </p:spPr>
-        <p:txBody>
-          <a:bodyPr wrap="none" rtlCol="0">
+        </p:spPr>
+        <p:txBody>
+          <a:bodyPr wrap="square" rtlCol="0">
             <a:spAutoFit/>
           </a:bodyPr>
           <a:lstStyle/>
           <a:p>
-            <a:r>
-              <a:rPr lang="ru-RU" sz="2800" b="1" dirty="0"/>
-              <a:t>Долгота =</a:t>
-            </a:r>
-            <a:r>
-              <a:rPr lang="en-US" sz="2800" b="1" dirty="0"/>
-              <a:t>=</a:t>
-            </a:r>
-            <a:r>
-              <a:rPr lang="ru-RU" sz="2800" b="1" dirty="0"/>
-              <a:t> </a:t>
-            </a:r>
-            <a:r>
-              <a:rPr lang="en-US" sz="2800" b="1" dirty="0"/>
-              <a:t>Longitude </a:t>
-            </a:r>
-            <a:endParaRPr lang="ru-RU" sz="2800" b="1" dirty="0"/>
-          </a:p>
-        </p:txBody>
-      </p:sp>
-      <p:sp>
-        <p:nvSpPr>
-          <p:cNvPr id="4" name="TextBox 3"/>
-          <p:cNvSpPr txBox="1"/>
-          <p:nvPr/>
-        </p:nvSpPr>
-        <p:spPr>
-          <a:xfrm>
-            <a:off x="2135560" y="4216732"/>
-            <a:ext cx="3161315" cy="523220"/>
-          </a:xfrm>
-          <a:prstGeom prst="rect">
-            <a:avLst/>
-          </a:prstGeom>
-          <a:noFill/>
-        </p:spPr>
-        <p:txBody>
-          <a:bodyPr wrap="none" rtlCol="0">
-            <a:spAutoFit/>
-          </a:bodyPr>
-          <a:lstStyle/>
-          <a:p>
-            <a:r>
-              <a:rPr lang="ru-RU" sz="2800" b="1" dirty="0"/>
-              <a:t>Широта </a:t>
-            </a:r>
-            <a:r>
-              <a:rPr lang="en-US" sz="2800" b="1" dirty="0"/>
-              <a:t>=</a:t>
-            </a:r>
-            <a:r>
-              <a:rPr lang="ru-RU" sz="2800" b="1" dirty="0"/>
-              <a:t>= </a:t>
-            </a:r>
-            <a:r>
-              <a:rPr lang="en-US" sz="2800" b="1" dirty="0"/>
-              <a:t>Latitude</a:t>
-            </a:r>
-          </a:p>
-        </p:txBody>
-      </p:sp>
-      <p:sp>
-        <p:nvSpPr>
-          <p:cNvPr id="10" name="Прямоугольник 9"/>
+            <a:pPr algn="ctr"/>
+            <a:r>
+              <a:rPr lang="ru-RU" sz="3200" b="1" dirty="0"/>
+              <a:t>Немного о статических карта на примере </a:t>
+            </a:r>
+            <a:r>
+              <a:rPr lang="en-US" sz="3200" b="1" dirty="0"/>
+              <a:t>Here Map </a:t>
+            </a:r>
+            <a:endParaRPr lang="ru-RU" sz="3200" b="1" dirty="0"/>
+          </a:p>
+        </p:txBody>
+      </p:sp>
+      <p:sp>
+        <p:nvSpPr>
+          <p:cNvPr id="3" name="Прямоугольник 2"/>
           <p:cNvSpPr/>
           <p:nvPr/>
         </p:nvSpPr>
         <p:spPr>
           <a:xfrm>
-            <a:off x="947428" y="5229200"/>
-            <a:ext cx="10585176" cy="523220"/>
+            <a:off x="1483464" y="1726553"/>
+            <a:ext cx="9289032" cy="646331"/>
           </a:xfrm>
           <a:prstGeom prst="rect">
             <a:avLst/>
@@ -6328,9 +6765,12 @@
               <a:lumOff val="80000"/>
             </a:schemeClr>
           </a:solidFill>
-          <a:ln>
+          <a:ln w="28575">
             <a:solidFill>
-              <a:srgbClr val="92D050"/>
+              <a:schemeClr val="accent6">
+                <a:lumMod val="60000"/>
+                <a:lumOff val="40000"/>
+              </a:schemeClr>
             </a:solidFill>
           </a:ln>
         </p:spPr>
@@ -6340,79 +6780,155 @@
           </a:bodyPr>
           <a:lstStyle/>
           <a:p>
+            <a:r>
+              <a:rPr lang="en-US" dirty="0"/>
+              <a:t>https://image.maps.api.here.com/mia/1.6/mapview?app_id=oZmMWRV4tAjQmgkxBvF0&amp;app_code=x5pKHqifhw1mnS_zBTIFsA&amp;z=</a:t>
+            </a:r>
+            <a:r>
+              <a:rPr lang="en-US" b="1" dirty="0"/>
+              <a:t>11</a:t>
+            </a:r>
+            <a:r>
+              <a:rPr lang="en-US" dirty="0"/>
+              <a:t>&amp;w=</a:t>
+            </a:r>
+            <a:r>
+              <a:rPr lang="en-US" b="1" dirty="0"/>
+              <a:t>600</a:t>
+            </a:r>
+            <a:r>
+              <a:rPr lang="en-US" dirty="0"/>
+              <a:t>&amp;h=</a:t>
+            </a:r>
+            <a:r>
+              <a:rPr lang="en-US" b="1" dirty="0"/>
+              <a:t>600</a:t>
+            </a:r>
+            <a:r>
+              <a:rPr lang="en-US" dirty="0"/>
+              <a:t>&amp;c=</a:t>
+            </a:r>
+            <a:r>
+              <a:rPr lang="en-US" b="1" dirty="0"/>
+              <a:t>48.4608,35.0501</a:t>
+            </a:r>
+          </a:p>
+        </p:txBody>
+      </p:sp>
+      <p:sp>
+        <p:nvSpPr>
+          <p:cNvPr id="7" name="TextBox 6"/>
+          <p:cNvSpPr txBox="1"/>
+          <p:nvPr/>
+        </p:nvSpPr>
+        <p:spPr>
+          <a:xfrm>
+            <a:off x="1415480" y="2892232"/>
+            <a:ext cx="7257032" cy="1569660"/>
+          </a:xfrm>
+          <a:prstGeom prst="rect">
+            <a:avLst/>
+          </a:prstGeom>
+          <a:noFill/>
+        </p:spPr>
+        <p:txBody>
+          <a:bodyPr wrap="square" rtlCol="0">
+            <a:spAutoFit/>
+          </a:bodyPr>
+          <a:lstStyle/>
+          <a:p>
+            <a:r>
+              <a:rPr lang="ru-RU" sz="2400" dirty="0"/>
+              <a:t>Сервис </a:t>
+            </a:r>
+            <a:r>
+              <a:rPr lang="en-US" sz="2400" b="1" dirty="0"/>
+              <a:t>Here Map </a:t>
+            </a:r>
+            <a:r>
+              <a:rPr lang="ru-RU" sz="2400" dirty="0"/>
+              <a:t>предоставляет возможность размещать на наших страницах картографические материалы, управляя позицией и масштабом отображения.</a:t>
+            </a:r>
+          </a:p>
+        </p:txBody>
+      </p:sp>
+      <p:sp>
+        <p:nvSpPr>
+          <p:cNvPr id="8" name="Прямоугольник 7"/>
+          <p:cNvSpPr/>
+          <p:nvPr/>
+        </p:nvSpPr>
+        <p:spPr>
+          <a:xfrm>
+            <a:off x="0" y="5085184"/>
+            <a:ext cx="12192000" cy="954107"/>
+          </a:xfrm>
+          <a:prstGeom prst="rect">
+            <a:avLst/>
+          </a:prstGeom>
+        </p:spPr>
+        <p:txBody>
+          <a:bodyPr wrap="square">
+            <a:spAutoFit/>
+          </a:bodyPr>
+          <a:lstStyle/>
+          <a:p>
             <a:pPr algn="ctr"/>
             <a:r>
+              <a:rPr lang="ru-RU" sz="2800" b="1" dirty="0"/>
+              <a:t>Вы можете воспользоваться шаблоном </a:t>
+            </a:r>
+            <a:br>
+              <a:rPr lang="ru-RU" sz="2800" b="1" dirty="0"/>
+            </a:br>
+            <a:r>
+              <a:rPr lang="ru-RU" sz="2800" b="1" dirty="0"/>
+              <a:t>в </a:t>
+            </a:r>
+            <a:r>
+              <a:rPr lang="ru-RU" sz="2800" b="1" dirty="0" err="1"/>
+              <a:t>репозитории</a:t>
+            </a:r>
+            <a:r>
+              <a:rPr lang="ru-RU" sz="2800" b="1" dirty="0"/>
+              <a:t> </a:t>
+            </a:r>
+            <a:r>
               <a:rPr lang="en-US" sz="2800" b="1" dirty="0">
-                <a:latin typeface="Courier New" panose="02070309020205020404" pitchFamily="49" charset="0"/>
-                <a:cs typeface="Courier New" panose="02070309020205020404" pitchFamily="49" charset="0"/>
+                <a:solidFill>
+                  <a:srgbClr val="00B050"/>
+                </a:solidFill>
               </a:rPr>
-              <a:t>{ …, </a:t>
+              <a:t>./</a:t>
+            </a:r>
+            <a:r>
+              <a:rPr lang="en-US" sz="2800" b="1" dirty="0" err="1">
+                <a:solidFill>
+                  <a:srgbClr val="00B050"/>
+                </a:solidFill>
+              </a:rPr>
+              <a:t>src</a:t>
             </a:r>
             <a:r>
               <a:rPr lang="en-US" sz="2800" b="1" dirty="0">
                 <a:solidFill>
                   <a:srgbClr val="00B050"/>
                 </a:solidFill>
-                <a:latin typeface="Courier New" panose="02070309020205020404" pitchFamily="49" charset="0"/>
-                <a:cs typeface="Courier New" panose="02070309020205020404" pitchFamily="49" charset="0"/>
               </a:rPr>
-              <a:t>latitude</a:t>
-            </a:r>
-            <a:r>
-              <a:rPr lang="en-US" sz="2800" b="1" dirty="0">
-                <a:latin typeface="Courier New" panose="02070309020205020404" pitchFamily="49" charset="0"/>
-                <a:cs typeface="Courier New" panose="02070309020205020404" pitchFamily="49" charset="0"/>
+              <a:t>/template-geolocation</a:t>
+            </a:r>
+            <a:r>
+              <a:rPr lang="ru-RU" sz="2800" b="1" dirty="0">
+                <a:solidFill>
+                  <a:srgbClr val="00B050"/>
+                </a:solidFill>
               </a:rPr>
-              <a:t>: 48.47</a:t>
-            </a:r>
-            <a:r>
-              <a:rPr lang="ru-RU" sz="2800" b="1" dirty="0">
-                <a:latin typeface="Courier New" panose="02070309020205020404" pitchFamily="49" charset="0"/>
-                <a:cs typeface="Courier New" panose="02070309020205020404" pitchFamily="49" charset="0"/>
-              </a:rPr>
-              <a:t>67</a:t>
-            </a:r>
-            <a:r>
-              <a:rPr lang="en-US" sz="2800" b="1" dirty="0">
-                <a:latin typeface="Courier New" panose="02070309020205020404" pitchFamily="49" charset="0"/>
-                <a:cs typeface="Courier New" panose="02070309020205020404" pitchFamily="49" charset="0"/>
-              </a:rPr>
-              <a:t>, </a:t>
-            </a:r>
-            <a:r>
-              <a:rPr lang="en-US" sz="2800" b="1" dirty="0">
-                <a:solidFill>
-                  <a:srgbClr val="0070C0"/>
-                </a:solidFill>
-                <a:latin typeface="Courier New" panose="02070309020205020404" pitchFamily="49" charset="0"/>
-                <a:cs typeface="Courier New" panose="02070309020205020404" pitchFamily="49" charset="0"/>
-              </a:rPr>
-              <a:t>longitude</a:t>
-            </a:r>
-            <a:r>
-              <a:rPr lang="en-US" sz="2800" b="1" dirty="0">
-                <a:latin typeface="Courier New" panose="02070309020205020404" pitchFamily="49" charset="0"/>
-                <a:cs typeface="Courier New" panose="02070309020205020404" pitchFamily="49" charset="0"/>
-              </a:rPr>
-              <a:t>: 35.05</a:t>
-            </a:r>
-            <a:r>
-              <a:rPr lang="ru-RU" sz="2800" b="1" dirty="0">
-                <a:latin typeface="Courier New" panose="02070309020205020404" pitchFamily="49" charset="0"/>
-                <a:cs typeface="Courier New" panose="02070309020205020404" pitchFamily="49" charset="0"/>
-              </a:rPr>
-              <a:t>43</a:t>
-            </a:r>
-            <a:r>
-              <a:rPr lang="en-US" sz="2800" b="1" dirty="0">
-                <a:latin typeface="Courier New" panose="02070309020205020404" pitchFamily="49" charset="0"/>
-                <a:cs typeface="Courier New" panose="02070309020205020404" pitchFamily="49" charset="0"/>
-              </a:rPr>
-              <a:t>, … }; </a:t>
-            </a:r>
-            <a:endParaRPr lang="ru-RU" sz="2800" dirty="0">
-              <a:latin typeface="Courier New" panose="02070309020205020404" pitchFamily="49" charset="0"/>
-              <a:cs typeface="Courier New" panose="02070309020205020404" pitchFamily="49" charset="0"/>
+              <a:t>/</a:t>
+            </a:r>
+            <a:endParaRPr lang="en-US" sz="2800" b="1" dirty="0">
+              <a:solidFill>
+                <a:srgbClr val="00B050"/>
+              </a:solidFill>
             </a:endParaRPr>
           </a:p>
         </p:txBody>
@@ -6420,7 +6936,7 @@
     </p:spTree>
     <p:extLst>
       <p:ext uri="{BB962C8B-B14F-4D97-AF65-F5344CB8AC3E}">
-        <p14:creationId xmlns:p14="http://schemas.microsoft.com/office/powerpoint/2010/main" val="3367502789"/>
+        <p14:creationId xmlns:p14="http://schemas.microsoft.com/office/powerpoint/2010/main" val="1948064184"/>
       </p:ext>
     </p:extLst>
   </p:cSld>
@@ -6449,420 +6965,65 @@
       </p:grpSpPr>
       <p:sp>
         <p:nvSpPr>
-          <p:cNvPr id="3" name="TextBox 2"/>
-          <p:cNvSpPr txBox="1"/>
+          <p:cNvPr id="5" name="Прямоугольник 4"/>
+          <p:cNvSpPr/>
           <p:nvPr/>
         </p:nvSpPr>
         <p:spPr>
           <a:xfrm>
-            <a:off x="0" y="467961"/>
-            <a:ext cx="12192000" cy="584775"/>
+            <a:off x="0" y="0"/>
+            <a:ext cx="12192000" cy="6858000"/>
           </a:xfrm>
           <a:prstGeom prst="rect">
             <a:avLst/>
           </a:prstGeom>
-          <a:noFill/>
-        </p:spPr>
-        <p:txBody>
-          <a:bodyPr wrap="square" rtlCol="0">
-            <a:spAutoFit/>
-          </a:bodyPr>
-          <a:lstStyle/>
-          <a:p>
-            <a:pPr algn="ctr"/>
-            <a:r>
-              <a:rPr lang="ru-RU" sz="3200" b="1" dirty="0" err="1"/>
-              <a:t>Геолокация</a:t>
-            </a:r>
-            <a:r>
-              <a:rPr lang="en-US" sz="3200" b="1" dirty="0"/>
-              <a:t> </a:t>
-            </a:r>
-            <a:r>
-              <a:rPr lang="ru-RU" sz="3200" b="1" dirty="0"/>
-              <a:t>на практике</a:t>
-            </a:r>
-            <a:endParaRPr lang="uk-UA" sz="3200" i="1" dirty="0"/>
-          </a:p>
-        </p:txBody>
-      </p:sp>
-      <p:sp>
-        <p:nvSpPr>
-          <p:cNvPr id="13" name="Номер слайда 36"/>
-          <p:cNvSpPr txBox="1">
-            <a:spLocks/>
-          </p:cNvSpPr>
-          <p:nvPr/>
-        </p:nvSpPr>
-        <p:spPr>
-          <a:xfrm>
-            <a:off x="11136560" y="6121493"/>
-            <a:ext cx="648072" cy="432048"/>
-          </a:xfrm>
-          <a:prstGeom prst="roundRect">
-            <a:avLst/>
-          </a:prstGeom>
-          <a:ln w="25400" cap="flat" cmpd="sng" algn="ctr">
-            <a:solidFill>
-              <a:schemeClr val="tx2">
-                <a:lumMod val="60000"/>
-                <a:lumOff val="40000"/>
-              </a:schemeClr>
-            </a:solidFill>
-            <a:prstDash val="solid"/>
-          </a:ln>
+          <a:solidFill>
+            <a:schemeClr val="tx2">
+              <a:lumMod val="75000"/>
+            </a:schemeClr>
+          </a:solidFill>
         </p:spPr>
         <p:style>
           <a:lnRef idx="2">
-            <a:schemeClr val="accent1"/>
+            <a:schemeClr val="accent1">
+              <a:shade val="50000"/>
+            </a:schemeClr>
           </a:lnRef>
           <a:fillRef idx="1">
-            <a:schemeClr val="lt1"/>
+            <a:schemeClr val="accent1"/>
           </a:fillRef>
           <a:effectRef idx="0">
             <a:schemeClr val="accent1"/>
           </a:effectRef>
           <a:fontRef idx="minor">
-            <a:schemeClr val="dk1"/>
+            <a:schemeClr val="lt1"/>
           </a:fontRef>
         </p:style>
         <p:txBody>
-          <a:bodyPr vert="horz" lIns="91440" tIns="45720" rIns="91440" bIns="45720" rtlCol="0" anchor="ctr"/>
-          <a:lstStyle>
-            <a:defPPr>
-              <a:defRPr lang="uk-UA"/>
-            </a:defPPr>
-            <a:lvl1pPr marL="0" algn="l" defTabSz="914400" rtl="0" eaLnBrk="1" latinLnBrk="0" hangingPunct="1">
-              <a:defRPr sz="1800" kern="1200">
-                <a:solidFill>
-                  <a:schemeClr val="dk1"/>
-                </a:solidFill>
-                <a:latin typeface="+mn-lt"/>
-                <a:ea typeface="+mn-ea"/>
-                <a:cs typeface="+mn-cs"/>
-              </a:defRPr>
-            </a:lvl1pPr>
-            <a:lvl2pPr marL="457200" algn="l" defTabSz="914400" rtl="0" eaLnBrk="1" latinLnBrk="0" hangingPunct="1">
-              <a:defRPr sz="1800" kern="1200">
-                <a:solidFill>
-                  <a:schemeClr val="dk1"/>
-                </a:solidFill>
-                <a:latin typeface="+mn-lt"/>
-                <a:ea typeface="+mn-ea"/>
-                <a:cs typeface="+mn-cs"/>
-              </a:defRPr>
-            </a:lvl2pPr>
-            <a:lvl3pPr marL="914400" algn="l" defTabSz="914400" rtl="0" eaLnBrk="1" latinLnBrk="0" hangingPunct="1">
-              <a:defRPr sz="1800" kern="1200">
-                <a:solidFill>
-                  <a:schemeClr val="dk1"/>
-                </a:solidFill>
-                <a:latin typeface="+mn-lt"/>
-                <a:ea typeface="+mn-ea"/>
-                <a:cs typeface="+mn-cs"/>
-              </a:defRPr>
-            </a:lvl3pPr>
-            <a:lvl4pPr marL="1371600" algn="l" defTabSz="914400" rtl="0" eaLnBrk="1" latinLnBrk="0" hangingPunct="1">
-              <a:defRPr sz="1800" kern="1200">
-                <a:solidFill>
-                  <a:schemeClr val="dk1"/>
-                </a:solidFill>
-                <a:latin typeface="+mn-lt"/>
-                <a:ea typeface="+mn-ea"/>
-                <a:cs typeface="+mn-cs"/>
-              </a:defRPr>
-            </a:lvl4pPr>
-            <a:lvl5pPr marL="1828800" algn="l" defTabSz="914400" rtl="0" eaLnBrk="1" latinLnBrk="0" hangingPunct="1">
-              <a:defRPr sz="1800" kern="1200">
-                <a:solidFill>
-                  <a:schemeClr val="dk1"/>
-                </a:solidFill>
-                <a:latin typeface="+mn-lt"/>
-                <a:ea typeface="+mn-ea"/>
-                <a:cs typeface="+mn-cs"/>
-              </a:defRPr>
-            </a:lvl5pPr>
-            <a:lvl6pPr marL="2286000" algn="l" defTabSz="914400" rtl="0" eaLnBrk="1" latinLnBrk="0" hangingPunct="1">
-              <a:defRPr sz="1800" kern="1200">
-                <a:solidFill>
-                  <a:schemeClr val="dk1"/>
-                </a:solidFill>
-                <a:latin typeface="+mn-lt"/>
-                <a:ea typeface="+mn-ea"/>
-                <a:cs typeface="+mn-cs"/>
-              </a:defRPr>
-            </a:lvl6pPr>
-            <a:lvl7pPr marL="2743200" algn="l" defTabSz="914400" rtl="0" eaLnBrk="1" latinLnBrk="0" hangingPunct="1">
-              <a:defRPr sz="1800" kern="1200">
-                <a:solidFill>
-                  <a:schemeClr val="dk1"/>
-                </a:solidFill>
-                <a:latin typeface="+mn-lt"/>
-                <a:ea typeface="+mn-ea"/>
-                <a:cs typeface="+mn-cs"/>
-              </a:defRPr>
-            </a:lvl7pPr>
-            <a:lvl8pPr marL="3200400" algn="l" defTabSz="914400" rtl="0" eaLnBrk="1" latinLnBrk="0" hangingPunct="1">
-              <a:defRPr sz="1800" kern="1200">
-                <a:solidFill>
-                  <a:schemeClr val="dk1"/>
-                </a:solidFill>
-                <a:latin typeface="+mn-lt"/>
-                <a:ea typeface="+mn-ea"/>
-                <a:cs typeface="+mn-cs"/>
-              </a:defRPr>
-            </a:lvl8pPr>
-            <a:lvl9pPr marL="3657600" algn="l" defTabSz="914400" rtl="0" eaLnBrk="1" latinLnBrk="0" hangingPunct="1">
-              <a:defRPr sz="1800" kern="1200">
-                <a:solidFill>
-                  <a:schemeClr val="dk1"/>
-                </a:solidFill>
-                <a:latin typeface="+mn-lt"/>
-                <a:ea typeface="+mn-ea"/>
-                <a:cs typeface="+mn-cs"/>
-              </a:defRPr>
-            </a:lvl9pPr>
-          </a:lstStyle>
-          <a:p>
-            <a:pPr algn="ctr">
-              <a:defRPr/>
-            </a:pPr>
-            <a:fld id="{6389AA22-90B4-448C-8B6B-C699140D38B9}" type="slidenum">
-              <a:rPr lang="uk-UA" sz="2400" b="1">
-                <a:solidFill>
-                  <a:schemeClr val="bg1">
-                    <a:lumMod val="50000"/>
-                  </a:schemeClr>
-                </a:solidFill>
-              </a:rPr>
-              <a:pPr algn="ctr">
-                <a:defRPr/>
-              </a:pPr>
-              <a:t>15</a:t>
-            </a:fld>
-            <a:endParaRPr lang="uk-UA" sz="2400" b="1" dirty="0">
-              <a:solidFill>
-                <a:schemeClr val="bg1">
-                  <a:lumMod val="50000"/>
-                </a:schemeClr>
-              </a:solidFill>
-            </a:endParaRPr>
-          </a:p>
-        </p:txBody>
-      </p:sp>
-      <p:sp>
-        <p:nvSpPr>
-          <p:cNvPr id="7" name="TextBox 6"/>
-          <p:cNvSpPr txBox="1"/>
-          <p:nvPr/>
-        </p:nvSpPr>
-        <p:spPr>
-          <a:xfrm>
-            <a:off x="1343472" y="4318064"/>
-            <a:ext cx="10153128" cy="1631216"/>
-          </a:xfrm>
-          <a:prstGeom prst="rect">
-            <a:avLst/>
-          </a:prstGeom>
-          <a:noFill/>
-        </p:spPr>
-        <p:txBody>
-          <a:bodyPr wrap="square" rtlCol="0">
-            <a:spAutoFit/>
-          </a:bodyPr>
-          <a:lstStyle/>
-          <a:p>
-            <a:r>
-              <a:rPr lang="ru-RU" sz="2000" dirty="0"/>
-              <a:t>У браузера есть возможность узнать координаты пользователя на местности</a:t>
-            </a:r>
-            <a:r>
-              <a:rPr lang="en-US" sz="2000" dirty="0"/>
-              <a:t>. </a:t>
-            </a:r>
-            <a:r>
-              <a:rPr lang="ru-RU" sz="2000" dirty="0"/>
-              <a:t>Для этого мы можем воспользоваться методом </a:t>
-            </a:r>
-            <a:r>
-              <a:rPr lang="en-US" sz="2000" b="1" dirty="0" err="1"/>
-              <a:t>navigator.geolocation.getCurrentPosition</a:t>
-            </a:r>
-            <a:r>
-              <a:rPr lang="en-US" sz="2000" b="1" dirty="0"/>
-              <a:t>() </a:t>
-            </a:r>
-            <a:r>
-              <a:rPr lang="ru-RU" sz="2000" dirty="0"/>
-              <a:t>который</a:t>
-            </a:r>
-            <a:r>
-              <a:rPr lang="ru-RU" sz="2000" b="1" dirty="0"/>
-              <a:t> </a:t>
-            </a:r>
-            <a:r>
-              <a:rPr lang="ru-RU" sz="2000" dirty="0"/>
-              <a:t>принимает</a:t>
-            </a:r>
-            <a:r>
-              <a:rPr lang="ru-RU" sz="2000" b="1" dirty="0"/>
-              <a:t> </a:t>
-            </a:r>
-            <a:r>
-              <a:rPr lang="en-US" sz="2000" b="1" dirty="0">
-                <a:solidFill>
-                  <a:schemeClr val="accent6">
-                    <a:lumMod val="75000"/>
-                  </a:schemeClr>
-                </a:solidFill>
-              </a:rPr>
-              <a:t>callback</a:t>
-            </a:r>
-            <a:r>
-              <a:rPr lang="en-US" sz="2000" b="1" dirty="0"/>
-              <a:t> </a:t>
-            </a:r>
-            <a:r>
-              <a:rPr lang="ru-RU" sz="2000" dirty="0"/>
-              <a:t>функции для получения координат и информации об ошибке</a:t>
-            </a:r>
-            <a:r>
-              <a:rPr lang="en-US" sz="2000" dirty="0"/>
-              <a:t>.</a:t>
-            </a:r>
-            <a:r>
-              <a:rPr lang="en-US" sz="2000" b="1" dirty="0"/>
-              <a:t> </a:t>
-            </a:r>
-            <a:r>
-              <a:rPr lang="ru-RU" sz="2000" dirty="0"/>
-              <a:t>Но важно </a:t>
-            </a:r>
-            <a:r>
-              <a:rPr lang="ru-RU" sz="2000" b="1" dirty="0">
-                <a:solidFill>
-                  <a:srgbClr val="00B050"/>
-                </a:solidFill>
-              </a:rPr>
-              <a:t>проверять поддерживает ли браузер </a:t>
-            </a:r>
-            <a:r>
-              <a:rPr lang="ru-RU" sz="2000" b="1" dirty="0" err="1">
-                <a:solidFill>
-                  <a:srgbClr val="00B050"/>
-                </a:solidFill>
-              </a:rPr>
-              <a:t>геолокацию</a:t>
-            </a:r>
-            <a:r>
-              <a:rPr lang="ru-RU" sz="2000" b="1" dirty="0">
-                <a:solidFill>
-                  <a:srgbClr val="00B050"/>
-                </a:solidFill>
-              </a:rPr>
-              <a:t> </a:t>
-            </a:r>
-            <a:r>
-              <a:rPr lang="ru-RU" sz="2000" dirty="0"/>
-              <a:t>проверяя наличие свойства </a:t>
-            </a:r>
-            <a:r>
-              <a:rPr lang="en-US" sz="2000" b="1" dirty="0"/>
-              <a:t>geolocation</a:t>
-            </a:r>
-            <a:r>
-              <a:rPr lang="en-US" sz="2000" dirty="0"/>
-              <a:t> </a:t>
-            </a:r>
-            <a:r>
-              <a:rPr lang="ru-RU" sz="2000" dirty="0"/>
-              <a:t>объекта </a:t>
-            </a:r>
-            <a:r>
-              <a:rPr lang="en-US" sz="2000" b="1" dirty="0"/>
-              <a:t>navigator</a:t>
-            </a:r>
-            <a:r>
-              <a:rPr lang="en-US" sz="2000" dirty="0"/>
-              <a:t>.</a:t>
-            </a:r>
-            <a:endParaRPr lang="uk-UA" sz="2000" dirty="0"/>
-          </a:p>
-        </p:txBody>
-      </p:sp>
-      <p:sp>
-        <p:nvSpPr>
-          <p:cNvPr id="4" name="Прямоугольник 3"/>
-          <p:cNvSpPr/>
-          <p:nvPr/>
-        </p:nvSpPr>
-        <p:spPr>
-          <a:xfrm>
-            <a:off x="0" y="6021288"/>
-            <a:ext cx="12192000" cy="369332"/>
-          </a:xfrm>
-          <a:prstGeom prst="rect">
-            <a:avLst/>
-          </a:prstGeom>
-        </p:spPr>
-        <p:txBody>
-          <a:bodyPr wrap="square">
-            <a:spAutoFit/>
-          </a:bodyPr>
+          <a:bodyPr rtlCol="0" anchor="ctr"/>
           <a:lstStyle/>
           <a:p>
             <a:pPr algn="ctr"/>
             <a:r>
-              <a:rPr lang="ru-RU" b="1" dirty="0"/>
-              <a:t>Подробнее: </a:t>
-            </a:r>
-            <a:r>
-              <a:rPr lang="en-US" b="1" dirty="0">
-                <a:hlinkClick r:id="rId2"/>
-              </a:rPr>
-              <a:t>https://developer.mozilla.org/ru/docs/Web/API/Geolocation/getCurrentPosition</a:t>
-            </a:r>
-            <a:endParaRPr lang="ru-RU" b="1" dirty="0"/>
-          </a:p>
-        </p:txBody>
-      </p:sp>
-      <p:pic>
-        <p:nvPicPr>
-          <p:cNvPr id="5" name="Рисунок 4"/>
-          <p:cNvPicPr>
-            <a:picLocks noChangeAspect="1"/>
-          </p:cNvPicPr>
-          <p:nvPr/>
-        </p:nvPicPr>
-        <p:blipFill rotWithShape="1">
-          <a:blip r:embed="rId3"/>
-          <a:srcRect b="62887"/>
-          <a:stretch/>
-        </p:blipFill>
-        <p:spPr>
-          <a:xfrm>
-            <a:off x="1343472" y="1740956"/>
-            <a:ext cx="10153128" cy="2258884"/>
-          </a:xfrm>
-          <a:prstGeom prst="rect">
-            <a:avLst/>
-          </a:prstGeom>
-          <a:ln>
-            <a:noFill/>
-          </a:ln>
-          <a:effectLst>
-            <a:outerShdw blurRad="292100" dist="139700" dir="2700000" algn="tl" rotWithShape="0">
-              <a:srgbClr val="333333">
-                <a:alpha val="65000"/>
-              </a:srgbClr>
-            </a:outerShdw>
-          </a:effectLst>
-        </p:spPr>
-      </p:pic>
+              <a:rPr lang="en-US" sz="6000" b="1" dirty="0"/>
+              <a:t>4</a:t>
+            </a:r>
+            <a:r>
+              <a:rPr lang="ru-RU" sz="6000" b="1" dirty="0"/>
+              <a:t>. Цикл событий / </a:t>
+            </a:r>
+            <a:r>
+              <a:rPr lang="en-US" sz="6000" b="1" dirty="0"/>
+              <a:t>Event Loop</a:t>
+            </a:r>
+            <a:endParaRPr lang="uk-UA" sz="6000" b="1" dirty="0"/>
+          </a:p>
+        </p:txBody>
+      </p:sp>
     </p:spTree>
     <p:extLst>
       <p:ext uri="{BB962C8B-B14F-4D97-AF65-F5344CB8AC3E}">
-        <p14:creationId xmlns:p14="http://schemas.microsoft.com/office/powerpoint/2010/main" val="1829108304"/>
+        <p14:creationId xmlns:p14="http://schemas.microsoft.com/office/powerpoint/2010/main" val="2214832522"/>
       </p:ext>
     </p:extLst>
   </p:cSld>
@@ -6899,7 +7060,7 @@
         </p:nvSpPr>
         <p:spPr>
           <a:xfrm>
-            <a:off x="11064552" y="6093296"/>
+            <a:off x="11280576" y="6165305"/>
             <a:ext cx="648072" cy="432048"/>
           </a:xfrm>
           <a:prstGeom prst="roundRect">
@@ -6961,14 +7122,14 @@
       </p:sp>
       <p:sp>
         <p:nvSpPr>
-          <p:cNvPr id="9" name="TextBox 8"/>
+          <p:cNvPr id="15" name="TextBox 14"/>
           <p:cNvSpPr txBox="1"/>
           <p:nvPr/>
         </p:nvSpPr>
         <p:spPr>
           <a:xfrm>
-            <a:off x="0" y="683985"/>
-            <a:ext cx="12191999" cy="584775"/>
+            <a:off x="7667308" y="5313982"/>
+            <a:ext cx="3973308" cy="923330"/>
           </a:xfrm>
           <a:prstGeom prst="rect">
             <a:avLst/>
@@ -6981,99 +7142,74 @@
           </a:bodyPr>
           <a:lstStyle/>
           <a:p>
-            <a:pPr algn="ctr"/>
-            <a:r>
-              <a:rPr lang="ru-RU" sz="3200" b="1" dirty="0"/>
-              <a:t>Немного о статических карта на примере </a:t>
-            </a:r>
-            <a:r>
-              <a:rPr lang="en-US" sz="3200" b="1" dirty="0"/>
-              <a:t>Here Map </a:t>
-            </a:r>
-            <a:endParaRPr lang="ru-RU" sz="3200" b="1" dirty="0"/>
-          </a:p>
-        </p:txBody>
-      </p:sp>
-      <p:sp>
-        <p:nvSpPr>
-          <p:cNvPr id="3" name="Прямоугольник 2"/>
-          <p:cNvSpPr/>
-          <p:nvPr/>
-        </p:nvSpPr>
-        <p:spPr>
-          <a:xfrm>
-            <a:off x="1483464" y="1726553"/>
-            <a:ext cx="9289032" cy="646331"/>
-          </a:xfrm>
-          <a:prstGeom prst="rect">
-            <a:avLst/>
-          </a:prstGeom>
-          <a:solidFill>
-            <a:schemeClr val="accent3">
-              <a:lumMod val="20000"/>
-              <a:lumOff val="80000"/>
-            </a:schemeClr>
-          </a:solidFill>
-          <a:ln w="28575">
-            <a:solidFill>
-              <a:schemeClr val="accent6">
-                <a:lumMod val="60000"/>
-                <a:lumOff val="40000"/>
-              </a:schemeClr>
-            </a:solidFill>
-          </a:ln>
-        </p:spPr>
-        <p:txBody>
-          <a:bodyPr wrap="square">
-            <a:spAutoFit/>
+            <a:r>
+              <a:rPr lang="ru-RU" b="1" dirty="0"/>
+              <a:t>Подробнее:</a:t>
+            </a:r>
+            <a:r>
+              <a:rPr lang="en-US" b="1" dirty="0"/>
+              <a:t> </a:t>
+            </a:r>
+            <a:r>
+              <a:rPr lang="en-US" b="1" dirty="0">
+                <a:hlinkClick r:id="rId2"/>
+              </a:rPr>
+              <a:t>https://youtu.be/j4_9BZezSUA</a:t>
+            </a:r>
+            <a:endParaRPr lang="ru-RU" b="1" dirty="0"/>
+          </a:p>
+          <a:p>
+            <a:r>
+              <a:rPr lang="ru-RU" i="1" dirty="0"/>
+              <a:t>Тут докладчик еще более странный…</a:t>
+            </a:r>
+          </a:p>
+        </p:txBody>
+      </p:sp>
+      <p:sp>
+        <p:nvSpPr>
+          <p:cNvPr id="16" name="Заголовок 6"/>
+          <p:cNvSpPr>
+            <a:spLocks noGrp="1"/>
+          </p:cNvSpPr>
+          <p:nvPr>
+            <p:ph type="title"/>
+          </p:nvPr>
+        </p:nvSpPr>
+        <p:spPr>
+          <a:xfrm>
+            <a:off x="7321870" y="404664"/>
+            <a:ext cx="4870130" cy="720080"/>
+          </a:xfrm>
+        </p:spPr>
+        <p:txBody>
+          <a:bodyPr>
+            <a:noAutofit/>
           </a:bodyPr>
           <a:lstStyle/>
           <a:p>
             <a:r>
-              <a:rPr lang="en-US" dirty="0"/>
-              <a:t>https://image.maps.api.here.com/mia/1.6/mapview?app_id=oZmMWRV4tAjQmgkxBvF0&amp;app_code=x5pKHqifhw1mnS_zBTIFsA&amp;z=</a:t>
-            </a:r>
-            <a:r>
-              <a:rPr lang="en-US" b="1" dirty="0"/>
-              <a:t>11</a:t>
-            </a:r>
-            <a:r>
-              <a:rPr lang="en-US" dirty="0"/>
-              <a:t>&amp;w=</a:t>
-            </a:r>
-            <a:r>
-              <a:rPr lang="en-US" b="1" dirty="0"/>
-              <a:t>600</a:t>
-            </a:r>
-            <a:r>
-              <a:rPr lang="en-US" dirty="0"/>
-              <a:t>&amp;h=</a:t>
-            </a:r>
-            <a:r>
-              <a:rPr lang="en-US" b="1" dirty="0"/>
-              <a:t>600</a:t>
-            </a:r>
-            <a:r>
-              <a:rPr lang="en-US" dirty="0"/>
-              <a:t>&amp;c=</a:t>
-            </a:r>
-            <a:r>
-              <a:rPr lang="en-US" b="1" dirty="0"/>
-              <a:t>48.4608,35.0501</a:t>
-            </a:r>
-          </a:p>
-        </p:txBody>
-      </p:sp>
-      <p:sp>
-        <p:nvSpPr>
-          <p:cNvPr id="7" name="TextBox 6"/>
+              <a:rPr lang="ru-RU" sz="4000" b="1" dirty="0"/>
+              <a:t> </a:t>
+            </a:r>
+            <a:r>
+              <a:rPr lang="en-US" sz="4000" b="1" dirty="0"/>
+              <a:t>Event Loop</a:t>
+            </a:r>
+            <a:endParaRPr lang="ru-RU" sz="4000" b="1" dirty="0"/>
+          </a:p>
+        </p:txBody>
+      </p:sp>
+      <p:sp>
+        <p:nvSpPr>
+          <p:cNvPr id="2" name="TextBox 1"/>
           <p:cNvSpPr txBox="1"/>
           <p:nvPr/>
         </p:nvSpPr>
         <p:spPr>
           <a:xfrm>
-            <a:off x="1415480" y="2892232"/>
-            <a:ext cx="7257032" cy="1569660"/>
+            <a:off x="7661628" y="1452840"/>
+            <a:ext cx="4267020" cy="3416320"/>
           </a:xfrm>
           <a:prstGeom prst="rect">
             <a:avLst/>
@@ -7087,105 +7223,123 @@
           <a:lstStyle/>
           <a:p>
             <a:r>
+              <a:rPr lang="en-US" sz="2400" b="1" dirty="0"/>
+              <a:t>JavaScript</a:t>
+            </a:r>
+            <a:r>
+              <a:rPr lang="en-US" sz="2400" dirty="0"/>
+              <a:t> </a:t>
+            </a:r>
+            <a:r>
               <a:rPr lang="ru-RU" sz="2400" dirty="0"/>
-              <a:t>Сервис </a:t>
+              <a:t>однопоточный язык программирования, но тем не менее нам доступны асинхронные инструменты. Доступны они за счёт функционирования механизма </a:t>
             </a:r>
             <a:r>
               <a:rPr lang="en-US" sz="2400" b="1" dirty="0"/>
-              <a:t>Here Map </a:t>
+              <a:t>Event Loop </a:t>
             </a:r>
             <a:r>
               <a:rPr lang="ru-RU" sz="2400" dirty="0"/>
-              <a:t>предоставляет возможность размещать на наших страницах картографические материалы, управляя позицией и масштабом отображения.</a:t>
-            </a:r>
-          </a:p>
-        </p:txBody>
-      </p:sp>
-      <p:sp>
-        <p:nvSpPr>
-          <p:cNvPr id="8" name="Прямоугольник 7"/>
-          <p:cNvSpPr/>
+              <a:t>(или </a:t>
+            </a:r>
+            <a:r>
+              <a:rPr lang="ru-RU" sz="2400" b="1" dirty="0">
+                <a:solidFill>
+                  <a:srgbClr val="00B050"/>
+                </a:solidFill>
+              </a:rPr>
+              <a:t>цикла событий</a:t>
+            </a:r>
+            <a:r>
+              <a:rPr lang="ru-RU" sz="2400" dirty="0"/>
+              <a:t>, но </a:t>
+            </a:r>
+            <a:r>
+              <a:rPr lang="ru-RU" sz="2400" b="1" dirty="0">
+                <a:solidFill>
+                  <a:schemeClr val="accent6">
+                    <a:lumMod val="75000"/>
+                  </a:schemeClr>
+                </a:solidFill>
+              </a:rPr>
+              <a:t>не стоит путать с событиями </a:t>
+            </a:r>
+            <a:r>
+              <a:rPr lang="en-US" sz="2400" b="1" dirty="0">
+                <a:solidFill>
+                  <a:schemeClr val="accent6">
+                    <a:lumMod val="75000"/>
+                  </a:schemeClr>
+                </a:solidFill>
+              </a:rPr>
+              <a:t>DOM</a:t>
+            </a:r>
+            <a:r>
+              <a:rPr lang="ru-RU" sz="2400" dirty="0"/>
+              <a:t>)</a:t>
+            </a:r>
+            <a:r>
+              <a:rPr lang="en-US" sz="2400" dirty="0"/>
+              <a:t>.</a:t>
+            </a:r>
+            <a:endParaRPr lang="ru-RU" sz="2400" dirty="0"/>
+          </a:p>
+        </p:txBody>
+      </p:sp>
+      <p:pic>
+        <p:nvPicPr>
+          <p:cNvPr id="1026" name="Picture 2" descr="Результат пошуку зображень за запитом event loop javascript&quot;"/>
+          <p:cNvPicPr>
+            <a:picLocks noChangeAspect="1" noChangeArrowheads="1"/>
+          </p:cNvPicPr>
           <p:nvPr/>
-        </p:nvSpPr>
-        <p:spPr>
-          <a:xfrm>
-            <a:off x="0" y="5085184"/>
-            <a:ext cx="12192000" cy="954107"/>
+        </p:nvPicPr>
+        <p:blipFill>
+          <a:blip r:embed="rId3">
+            <a:extLst>
+              <a:ext uri="{28A0092B-C50C-407E-A947-70E740481C1C}">
+                <a14:useLocalDpi xmlns:a14="http://schemas.microsoft.com/office/drawing/2010/main" val="0"/>
+              </a:ext>
+            </a:extLst>
+          </a:blip>
+          <a:srcRect/>
+          <a:stretch>
+            <a:fillRect/>
+          </a:stretch>
+        </p:blipFill>
+        <p:spPr bwMode="auto">
+          <a:xfrm>
+            <a:off x="18356" y="0"/>
+            <a:ext cx="7303514" cy="6858000"/>
           </a:xfrm>
           <a:prstGeom prst="rect">
             <a:avLst/>
           </a:prstGeom>
-        </p:spPr>
-        <p:txBody>
-          <a:bodyPr wrap="square">
-            <a:spAutoFit/>
-          </a:bodyPr>
-          <a:lstStyle/>
-          <a:p>
-            <a:pPr algn="ctr"/>
-            <a:r>
-              <a:rPr lang="ru-RU" sz="2800" b="1" dirty="0"/>
-              <a:t>Вы можете воспользоваться шаблоном </a:t>
-            </a:r>
-            <a:br>
-              <a:rPr lang="ru-RU" sz="2800" b="1" dirty="0"/>
-            </a:br>
-            <a:r>
-              <a:rPr lang="ru-RU" sz="2800" b="1" dirty="0"/>
-              <a:t>в </a:t>
-            </a:r>
-            <a:r>
-              <a:rPr lang="ru-RU" sz="2800" b="1" dirty="0" err="1"/>
-              <a:t>репозитории</a:t>
-            </a:r>
-            <a:r>
-              <a:rPr lang="ru-RU" sz="2800" b="1" dirty="0"/>
-              <a:t> </a:t>
-            </a:r>
-            <a:r>
-              <a:rPr lang="en-US" sz="2800" b="1" dirty="0">
-                <a:solidFill>
-                  <a:srgbClr val="00B050"/>
-                </a:solidFill>
-              </a:rPr>
-              <a:t>./</a:t>
-            </a:r>
-            <a:r>
-              <a:rPr lang="en-US" sz="2800" b="1" dirty="0" err="1">
-                <a:solidFill>
-                  <a:srgbClr val="00B050"/>
-                </a:solidFill>
-              </a:rPr>
-              <a:t>src</a:t>
-            </a:r>
-            <a:r>
-              <a:rPr lang="en-US" sz="2800" b="1" dirty="0">
-                <a:solidFill>
-                  <a:srgbClr val="00B050"/>
-                </a:solidFill>
-              </a:rPr>
-              <a:t>/template-geolocation</a:t>
-            </a:r>
-            <a:r>
-              <a:rPr lang="ru-RU" sz="2800" b="1" dirty="0">
-                <a:solidFill>
-                  <a:srgbClr val="00B050"/>
-                </a:solidFill>
-              </a:rPr>
-              <a:t>/</a:t>
-            </a:r>
-            <a:endParaRPr lang="en-US" sz="2800" b="1" dirty="0">
-              <a:solidFill>
-                <a:srgbClr val="00B050"/>
-              </a:solidFill>
-            </a:endParaRPr>
-          </a:p>
-        </p:txBody>
-      </p:sp>
+          <a:ln>
+            <a:noFill/>
+          </a:ln>
+          <a:effectLst>
+            <a:outerShdw blurRad="292100" dist="139700" dir="2700000" algn="tl" rotWithShape="0">
+              <a:srgbClr val="333333">
+                <a:alpha val="65000"/>
+              </a:srgbClr>
+            </a:outerShdw>
+          </a:effectLst>
+          <a:extLst>
+            <a:ext uri="{909E8E84-426E-40DD-AFC4-6F175D3DCCD1}">
+              <a14:hiddenFill xmlns:a14="http://schemas.microsoft.com/office/drawing/2010/main">
+                <a:solidFill>
+                  <a:srgbClr val="FFFFFF"/>
+                </a:solidFill>
+              </a14:hiddenFill>
+            </a:ext>
+          </a:extLst>
+        </p:spPr>
+      </p:pic>
     </p:spTree>
     <p:extLst>
       <p:ext uri="{BB962C8B-B14F-4D97-AF65-F5344CB8AC3E}">
-        <p14:creationId xmlns:p14="http://schemas.microsoft.com/office/powerpoint/2010/main" val="1948064184"/>
+        <p14:creationId xmlns:p14="http://schemas.microsoft.com/office/powerpoint/2010/main" val="3227964026"/>
       </p:ext>
     </p:extLst>
   </p:cSld>
@@ -7262,20 +7416,45 @@
               <a:t>. </a:t>
             </a:r>
             <a:r>
+              <a:rPr lang="en-US" sz="7200" b="1" dirty="0">
+                <a:solidFill>
+                  <a:srgbClr val="FFFF00"/>
+                </a:solidFill>
+              </a:rPr>
+              <a:t>AJAX</a:t>
+            </a:r>
+            <a:r>
+              <a:rPr lang="en-US" sz="7200" b="1" dirty="0"/>
+              <a:t>  </a:t>
+            </a:r>
+            <a:r>
               <a:rPr lang="ru-RU" sz="7200" b="1" dirty="0"/>
-              <a:t>Объект </a:t>
-            </a:r>
-            <a:r>
-              <a:rPr lang="en-US" sz="7200" b="1" dirty="0"/>
-              <a:t>Promise</a:t>
-            </a:r>
+              <a:t>и функция </a:t>
+            </a:r>
+            <a:r>
+              <a:rPr lang="en-US" sz="7200" b="1" dirty="0">
+                <a:solidFill>
+                  <a:schemeClr val="accent6">
+                    <a:lumMod val="75000"/>
+                  </a:schemeClr>
+                </a:solidFill>
+              </a:rPr>
+              <a:t>fetch() </a:t>
+            </a:r>
+            <a:endParaRPr lang="ru-RU" sz="7200" b="1" dirty="0">
+              <a:solidFill>
+                <a:schemeClr val="accent6">
+                  <a:lumMod val="75000"/>
+                </a:schemeClr>
+              </a:solidFill>
+            </a:endParaRPr>
           </a:p>
         </p:txBody>
       </p:sp>
     </p:spTree>
     <p:extLst>
       <p:ext uri="{BB962C8B-B14F-4D97-AF65-F5344CB8AC3E}">
-        <p14:creationId xmlns:p14="http://schemas.microsoft.com/office/powerpoint/2010/main" val="1996300760"/>
+        <p14:creationId xmlns:p14="http://schemas.microsoft.com/office/powerpoint/2010/main" val="555069178"/>
       </p:ext>
     </p:extLst>
   </p:cSld>
@@ -7304,7 +7483,73 @@
       </p:grpSpPr>
       <p:sp>
         <p:nvSpPr>
-          <p:cNvPr id="6" name="Номер слайда 36"/>
+          <p:cNvPr id="3" name="Прямоугольник 2"/>
+          <p:cNvSpPr/>
+          <p:nvPr/>
+        </p:nvSpPr>
+        <p:spPr>
+          <a:xfrm>
+            <a:off x="7463729" y="3729405"/>
+            <a:ext cx="4465411" cy="2092881"/>
+          </a:xfrm>
+          <a:prstGeom prst="rect">
+            <a:avLst/>
+          </a:prstGeom>
+        </p:spPr>
+        <p:txBody>
+          <a:bodyPr wrap="square">
+            <a:spAutoFit/>
+          </a:bodyPr>
+          <a:lstStyle/>
+          <a:p>
+            <a:r>
+              <a:rPr lang="ru-RU" sz="2600" dirty="0"/>
+              <a:t>Идея заложенная в </a:t>
+            </a:r>
+            <a:r>
+              <a:rPr lang="en-US" sz="2600" b="1" dirty="0"/>
+              <a:t>AJAX</a:t>
+            </a:r>
+            <a:r>
+              <a:rPr lang="ru-RU" sz="2600" dirty="0"/>
+              <a:t> –  не перезагружая страницу, запросить (или передать) у сервера новые данные и использовать их в документе.</a:t>
+            </a:r>
+            <a:endParaRPr lang="uk-UA" sz="2600" dirty="0"/>
+          </a:p>
+        </p:txBody>
+      </p:sp>
+      <p:pic>
+        <p:nvPicPr>
+          <p:cNvPr id="13314" name="Picture 2" descr="http://gemsres.com/story/feb07/338111/fig1.jpg"/>
+          <p:cNvPicPr>
+            <a:picLocks noChangeAspect="1" noChangeArrowheads="1"/>
+          </p:cNvPicPr>
+          <p:nvPr/>
+        </p:nvPicPr>
+        <p:blipFill>
+          <a:blip r:embed="rId2" cstate="print"/>
+          <a:srcRect b="11991"/>
+          <a:stretch>
+            <a:fillRect/>
+          </a:stretch>
+        </p:blipFill>
+        <p:spPr bwMode="auto">
+          <a:xfrm>
+            <a:off x="1074195" y="1484784"/>
+            <a:ext cx="5600177" cy="4854726"/>
+          </a:xfrm>
+          <a:prstGeom prst="rect">
+            <a:avLst/>
+          </a:prstGeom>
+          <a:noFill/>
+          <a:ln w="28575">
+            <a:noFill/>
+          </a:ln>
+        </p:spPr>
+      </p:pic>
+      <p:sp>
+        <p:nvSpPr>
+          <p:cNvPr id="4" name="Номер слайда 36"/>
           <p:cNvSpPr txBox="1">
             <a:spLocks/>
           </p:cNvSpPr>
@@ -7312,7 +7557,7 @@
         </p:nvSpPr>
         <p:spPr>
           <a:xfrm>
-            <a:off x="11352584" y="6288631"/>
+            <a:off x="11208568" y="6123486"/>
             <a:ext cx="648072" cy="432048"/>
           </a:xfrm>
           <a:prstGeom prst="roundRect">
@@ -7344,7 +7589,101 @@
         </p:style>
         <p:txBody>
           <a:bodyPr vert="horz" lIns="91440" tIns="45720" rIns="91440" bIns="45720" rtlCol="0" anchor="ctr"/>
-          <a:lstStyle/>
+          <a:lstStyle>
+            <a:defPPr>
+              <a:defRPr lang="uk-UA"/>
+            </a:defPPr>
+            <a:lvl1pPr marL="0" algn="l" defTabSz="914400" rtl="0" eaLnBrk="1" latinLnBrk="0" hangingPunct="1">
+              <a:defRPr sz="1800" kern="1200">
+                <a:solidFill>
+                  <a:schemeClr val="dk1"/>
+                </a:solidFill>
+                <a:latin typeface="+mn-lt"/>
+                <a:ea typeface="+mn-ea"/>
+                <a:cs typeface="+mn-cs"/>
+              </a:defRPr>
+            </a:lvl1pPr>
+            <a:lvl2pPr marL="457200" algn="l" defTabSz="914400" rtl="0" eaLnBrk="1" latinLnBrk="0" hangingPunct="1">
+              <a:defRPr sz="1800" kern="1200">
+                <a:solidFill>
+                  <a:schemeClr val="dk1"/>
+                </a:solidFill>
+                <a:latin typeface="+mn-lt"/>
+                <a:ea typeface="+mn-ea"/>
+                <a:cs typeface="+mn-cs"/>
+              </a:defRPr>
+            </a:lvl2pPr>
+            <a:lvl3pPr marL="914400" algn="l" defTabSz="914400" rtl="0" eaLnBrk="1" latinLnBrk="0" hangingPunct="1">
+              <a:defRPr sz="1800" kern="1200">
+                <a:solidFill>
+                  <a:schemeClr val="dk1"/>
+                </a:solidFill>
+                <a:latin typeface="+mn-lt"/>
+                <a:ea typeface="+mn-ea"/>
+                <a:cs typeface="+mn-cs"/>
+              </a:defRPr>
+            </a:lvl3pPr>
+            <a:lvl4pPr marL="1371600" algn="l" defTabSz="914400" rtl="0" eaLnBrk="1" latinLnBrk="0" hangingPunct="1">
+              <a:defRPr sz="1800" kern="1200">
+                <a:solidFill>
+                  <a:schemeClr val="dk1"/>
+                </a:solidFill>
+                <a:latin typeface="+mn-lt"/>
+                <a:ea typeface="+mn-ea"/>
+                <a:cs typeface="+mn-cs"/>
+              </a:defRPr>
+            </a:lvl4pPr>
+            <a:lvl5pPr marL="1828800" algn="l" defTabSz="914400" rtl="0" eaLnBrk="1" latinLnBrk="0" hangingPunct="1">
+              <a:defRPr sz="1800" kern="1200">
+                <a:solidFill>
+                  <a:schemeClr val="dk1"/>
+                </a:solidFill>
+                <a:latin typeface="+mn-lt"/>
+                <a:ea typeface="+mn-ea"/>
+                <a:cs typeface="+mn-cs"/>
+              </a:defRPr>
+            </a:lvl5pPr>
+            <a:lvl6pPr marL="2286000" algn="l" defTabSz="914400" rtl="0" eaLnBrk="1" latinLnBrk="0" hangingPunct="1">
+              <a:defRPr sz="1800" kern="1200">
+                <a:solidFill>
+                  <a:schemeClr val="dk1"/>
+                </a:solidFill>
+                <a:latin typeface="+mn-lt"/>
+                <a:ea typeface="+mn-ea"/>
+                <a:cs typeface="+mn-cs"/>
+              </a:defRPr>
+            </a:lvl6pPr>
+            <a:lvl7pPr marL="2743200" algn="l" defTabSz="914400" rtl="0" eaLnBrk="1" latinLnBrk="0" hangingPunct="1">
+              <a:defRPr sz="1800" kern="1200">
+                <a:solidFill>
+                  <a:schemeClr val="dk1"/>
+                </a:solidFill>
+                <a:latin typeface="+mn-lt"/>
+                <a:ea typeface="+mn-ea"/>
+                <a:cs typeface="+mn-cs"/>
+              </a:defRPr>
+            </a:lvl7pPr>
+            <a:lvl8pPr marL="3200400" algn="l" defTabSz="914400" rtl="0" eaLnBrk="1" latinLnBrk="0" hangingPunct="1">
+              <a:defRPr sz="1800" kern="1200">
+                <a:solidFill>
+                  <a:schemeClr val="dk1"/>
+                </a:solidFill>
+                <a:latin typeface="+mn-lt"/>
+                <a:ea typeface="+mn-ea"/>
+                <a:cs typeface="+mn-cs"/>
+              </a:defRPr>
+            </a:lvl8pPr>
+            <a:lvl9pPr marL="3657600" algn="l" defTabSz="914400" rtl="0" eaLnBrk="1" latinLnBrk="0" hangingPunct="1">
+              <a:defRPr sz="1800" kern="1200">
+                <a:solidFill>
+                  <a:schemeClr val="dk1"/>
+                </a:solidFill>
+                <a:latin typeface="+mn-lt"/>
+                <a:ea typeface="+mn-ea"/>
+                <a:cs typeface="+mn-cs"/>
+              </a:defRPr>
+            </a:lvl9pPr>
+          </a:lstStyle>
           <a:p>
             <a:pPr algn="ctr">
               <a:defRPr/>
@@ -7372,51 +7711,40 @@
           </a:p>
         </p:txBody>
       </p:sp>
-      <p:sp>
-        <p:nvSpPr>
-          <p:cNvPr id="5" name="TextBox 4"/>
-          <p:cNvSpPr txBox="1"/>
+      <p:pic>
+        <p:nvPicPr>
+          <p:cNvPr id="5" name="Picture 2" descr="http://pld.name/wp-content/uploads/2012/06/ajax.jpg"/>
+          <p:cNvPicPr>
+            <a:picLocks noChangeAspect="1" noChangeArrowheads="1"/>
+          </p:cNvPicPr>
           <p:nvPr/>
-        </p:nvSpPr>
-        <p:spPr>
-          <a:xfrm>
-            <a:off x="0" y="404664"/>
-            <a:ext cx="12192000" cy="646331"/>
+        </p:nvPicPr>
+        <p:blipFill rotWithShape="1">
+          <a:blip r:embed="rId3" cstate="print"/>
+          <a:srcRect l="10908" t="8007" r="9793" b="9609"/>
+          <a:stretch/>
+        </p:blipFill>
+        <p:spPr bwMode="auto">
+          <a:xfrm>
+            <a:off x="7464152" y="1415260"/>
+            <a:ext cx="4032448" cy="2085748"/>
           </a:xfrm>
           <a:prstGeom prst="rect">
             <a:avLst/>
           </a:prstGeom>
           <a:noFill/>
         </p:spPr>
-        <p:txBody>
-          <a:bodyPr wrap="square" rtlCol="0">
-            <a:spAutoFit/>
-          </a:bodyPr>
-          <a:lstStyle/>
-          <a:p>
-            <a:pPr algn="ctr"/>
-            <a:r>
-              <a:rPr lang="ru-RU" sz="3600" b="1" dirty="0"/>
-              <a:t>Объект </a:t>
-            </a:r>
-            <a:r>
-              <a:rPr lang="en-US" sz="3600" b="1" dirty="0"/>
-              <a:t>Promise</a:t>
-            </a:r>
-            <a:endParaRPr lang="ru-RU" sz="3200" b="1" dirty="0"/>
-          </a:p>
-        </p:txBody>
-      </p:sp>
-      <p:sp>
-        <p:nvSpPr>
-          <p:cNvPr id="2" name="TextBox 1"/>
+      </p:pic>
+      <p:sp>
+        <p:nvSpPr>
+          <p:cNvPr id="6" name="TextBox 5"/>
           <p:cNvSpPr txBox="1"/>
           <p:nvPr/>
         </p:nvSpPr>
         <p:spPr>
           <a:xfrm>
-            <a:off x="7824192" y="1386484"/>
-            <a:ext cx="4026076" cy="3970318"/>
+            <a:off x="0" y="283295"/>
+            <a:ext cx="12192000" cy="769441"/>
           </a:xfrm>
           <a:prstGeom prst="rect">
             <a:avLst/>
@@ -7429,193 +7757,100 @@
           </a:bodyPr>
           <a:lstStyle/>
           <a:p>
-            <a:r>
-              <a:rPr lang="en-US" b="1" dirty="0"/>
-              <a:t>Promise</a:t>
-            </a:r>
-            <a:r>
-              <a:rPr lang="en-US" dirty="0"/>
-              <a:t> – </a:t>
-            </a:r>
-            <a:r>
-              <a:rPr lang="ru-RU" dirty="0"/>
-              <a:t>механизм</a:t>
-            </a:r>
-            <a:r>
-              <a:rPr lang="en-US" dirty="0"/>
-              <a:t> </a:t>
-            </a:r>
-            <a:r>
-              <a:rPr lang="ru-RU" dirty="0"/>
-              <a:t>позволяющий писать асинхронный код последовательно (насколько это возможно), избегая вложенности </a:t>
-            </a:r>
-            <a:r>
-              <a:rPr lang="en-US" b="1" dirty="0"/>
-              <a:t>callback</a:t>
-            </a:r>
-            <a:r>
-              <a:rPr lang="en-US" dirty="0"/>
-              <a:t>’</a:t>
-            </a:r>
-            <a:r>
-              <a:rPr lang="ru-RU" dirty="0" err="1"/>
-              <a:t>ов</a:t>
-            </a:r>
-            <a:r>
-              <a:rPr lang="ru-RU" dirty="0"/>
-              <a:t>. </a:t>
-            </a:r>
-            <a:r>
-              <a:rPr lang="en-US" b="1" dirty="0"/>
-              <a:t>Promise</a:t>
-            </a:r>
-            <a:r>
-              <a:rPr lang="en-US" dirty="0"/>
-              <a:t> </a:t>
-            </a:r>
-            <a:r>
-              <a:rPr lang="ru-RU" dirty="0"/>
-              <a:t>– объект который принимает функцию, в которой запускается асинхронная операция, при помощи параметров функции есть возможность из асинхронного кода сообщить об успешном или не успешном завершении операции (параметры </a:t>
-            </a:r>
-            <a:r>
-              <a:rPr lang="en-US" b="1" dirty="0"/>
-              <a:t>resolve</a:t>
-            </a:r>
-            <a:r>
-              <a:rPr lang="en-US" dirty="0"/>
-              <a:t>, </a:t>
-            </a:r>
-            <a:r>
-              <a:rPr lang="en-US" b="1" dirty="0"/>
-              <a:t>reject</a:t>
-            </a:r>
-            <a:r>
-              <a:rPr lang="en-US" dirty="0"/>
-              <a:t> – </a:t>
-            </a:r>
-            <a:r>
-              <a:rPr lang="ru-RU" dirty="0"/>
-              <a:t>функции вызов которых приведёт к завершению работы </a:t>
-            </a:r>
-            <a:r>
-              <a:rPr lang="en-US" b="1" dirty="0" err="1"/>
-              <a:t>Primise</a:t>
-            </a:r>
-            <a:r>
-              <a:rPr lang="en-US" b="1" dirty="0"/>
-              <a:t>’</a:t>
-            </a:r>
-            <a:r>
-              <a:rPr lang="ru-RU" dirty="0"/>
-              <a:t>а).</a:t>
-            </a:r>
-          </a:p>
-        </p:txBody>
-      </p:sp>
-      <p:sp>
-        <p:nvSpPr>
-          <p:cNvPr id="3" name="Прямоугольник 2"/>
-          <p:cNvSpPr/>
+            <a:pPr algn="ctr"/>
+            <a:r>
+              <a:rPr lang="en-US" sz="4400" b="1" dirty="0">
+                <a:solidFill>
+                  <a:srgbClr val="0070C0"/>
+                </a:solidFill>
+              </a:rPr>
+              <a:t>A</a:t>
+            </a:r>
+            <a:r>
+              <a:rPr lang="en-US" sz="4400" b="1" dirty="0"/>
+              <a:t>synchronous </a:t>
+            </a:r>
+            <a:r>
+              <a:rPr lang="en-US" sz="4400" b="1" dirty="0">
+                <a:solidFill>
+                  <a:srgbClr val="0070C0"/>
+                </a:solidFill>
+              </a:rPr>
+              <a:t>J</a:t>
+            </a:r>
+            <a:r>
+              <a:rPr lang="en-US" sz="4400" b="1" dirty="0"/>
+              <a:t>avaScript </a:t>
+            </a:r>
+            <a:r>
+              <a:rPr lang="en-US" sz="4400" b="1" dirty="0">
+                <a:solidFill>
+                  <a:srgbClr val="0070C0"/>
+                </a:solidFill>
+              </a:rPr>
+              <a:t>A</a:t>
+            </a:r>
+            <a:r>
+              <a:rPr lang="en-US" sz="4400" b="1" dirty="0"/>
+              <a:t>nd </a:t>
+            </a:r>
+            <a:r>
+              <a:rPr lang="en-US" sz="4400" b="1" dirty="0">
+                <a:solidFill>
+                  <a:srgbClr val="0070C0"/>
+                </a:solidFill>
+              </a:rPr>
+              <a:t>X</a:t>
+            </a:r>
+            <a:r>
+              <a:rPr lang="en-US" sz="4400" b="1" dirty="0"/>
+              <a:t>ML</a:t>
+            </a:r>
+            <a:endParaRPr lang="ru-RU" sz="4400" b="1" dirty="0"/>
+          </a:p>
+        </p:txBody>
+      </p:sp>
+      <p:cxnSp>
+        <p:nvCxnSpPr>
+          <p:cNvPr id="7" name="Прямая соединительная линия 6"/>
+          <p:cNvCxnSpPr/>
           <p:nvPr/>
-        </p:nvSpPr>
-        <p:spPr>
-          <a:xfrm>
-            <a:off x="3566653" y="5786100"/>
-            <a:ext cx="184731" cy="523220"/>
-          </a:xfrm>
-          <a:prstGeom prst="rect">
+        </p:nvCxnSpPr>
+        <p:spPr>
+          <a:xfrm>
+            <a:off x="7032104" y="1628800"/>
+            <a:ext cx="0" cy="4824536"/>
+          </a:xfrm>
+          <a:prstGeom prst="line">
             <a:avLst/>
           </a:prstGeom>
-        </p:spPr>
-        <p:txBody>
-          <a:bodyPr wrap="none">
-            <a:spAutoFit/>
-          </a:bodyPr>
-          <a:lstStyle/>
-          <a:p>
-            <a:endParaRPr lang="ru-RU" sz="2800" b="1" dirty="0"/>
-          </a:p>
-        </p:txBody>
-      </p:sp>
-      <p:pic>
-        <p:nvPicPr>
-          <p:cNvPr id="7" name="Рисунок 6"/>
-          <p:cNvPicPr>
-            <a:picLocks noChangeAspect="1"/>
-          </p:cNvPicPr>
-          <p:nvPr/>
-        </p:nvPicPr>
-        <p:blipFill>
-          <a:blip r:embed="rId2"/>
-          <a:stretch>
-            <a:fillRect/>
-          </a:stretch>
-        </p:blipFill>
-        <p:spPr>
-          <a:xfrm>
-            <a:off x="335360" y="1340768"/>
-            <a:ext cx="7104536" cy="4032448"/>
-          </a:xfrm>
-          <a:prstGeom prst="rect">
-            <a:avLst/>
-          </a:prstGeom>
-          <a:ln>
-            <a:noFill/>
+          <a:ln w="19050">
+            <a:solidFill>
+              <a:schemeClr val="bg1">
+                <a:lumMod val="85000"/>
+              </a:schemeClr>
+            </a:solidFill>
           </a:ln>
-          <a:effectLst>
-            <a:outerShdw blurRad="292100" dist="139700" dir="2700000" algn="tl" rotWithShape="0">
-              <a:srgbClr val="333333">
-                <a:alpha val="65000"/>
-              </a:srgbClr>
-            </a:outerShdw>
-          </a:effectLst>
-        </p:spPr>
-      </p:pic>
-      <p:sp>
-        <p:nvSpPr>
-          <p:cNvPr id="8" name="TextBox 7"/>
-          <p:cNvSpPr txBox="1"/>
-          <p:nvPr/>
-        </p:nvSpPr>
-        <p:spPr>
-          <a:xfrm>
-            <a:off x="11759" y="5877272"/>
-            <a:ext cx="12192000" cy="461665"/>
-          </a:xfrm>
-          <a:prstGeom prst="rect">
-            <a:avLst/>
-          </a:prstGeom>
-          <a:noFill/>
-        </p:spPr>
-        <p:txBody>
-          <a:bodyPr wrap="square" rtlCol="0">
-            <a:spAutoFit/>
-          </a:bodyPr>
-          <a:lstStyle/>
-          <a:p>
-            <a:pPr algn="ctr"/>
-            <a:r>
-              <a:rPr lang="ru-RU" sz="2400" b="1" dirty="0"/>
-              <a:t>Подробнее:</a:t>
-            </a:r>
-            <a:r>
-              <a:rPr lang="en-US" sz="2400" b="1" dirty="0"/>
-              <a:t> </a:t>
-            </a:r>
-            <a:r>
-              <a:rPr lang="en-US" sz="2400" b="1" dirty="0">
-                <a:hlinkClick r:id="rId3"/>
-              </a:rPr>
-              <a:t>https://learn.javascript.ru/promise/</a:t>
-            </a:r>
-            <a:endParaRPr lang="ru-RU" sz="2400" b="1" dirty="0"/>
-          </a:p>
-        </p:txBody>
-      </p:sp>
+        </p:spPr>
+        <p:style>
+          <a:lnRef idx="1">
+            <a:schemeClr val="accent1"/>
+          </a:lnRef>
+          <a:fillRef idx="0">
+            <a:schemeClr val="accent1"/>
+          </a:fillRef>
+          <a:effectRef idx="0">
+            <a:schemeClr val="accent1"/>
+          </a:effectRef>
+          <a:fontRef idx="minor">
+            <a:schemeClr val="tx1"/>
+          </a:fontRef>
+        </p:style>
+      </p:cxnSp>
     </p:spTree>
     <p:extLst>
       <p:ext uri="{BB962C8B-B14F-4D97-AF65-F5344CB8AC3E}">
-        <p14:creationId xmlns:p14="http://schemas.microsoft.com/office/powerpoint/2010/main" val="2636876839"/>
+        <p14:creationId xmlns:p14="http://schemas.microsoft.com/office/powerpoint/2010/main" val="755735449"/>
       </p:ext>
     </p:extLst>
   </p:cSld>
@@ -7644,367 +7879,68 @@
       </p:grpSpPr>
       <p:sp>
         <p:nvSpPr>
-          <p:cNvPr id="6" name="Номер слайда 36"/>
-          <p:cNvSpPr txBox="1">
-            <a:spLocks/>
-          </p:cNvSpPr>
+          <p:cNvPr id="5" name="Прямоугольник 4"/>
+          <p:cNvSpPr/>
           <p:nvPr/>
         </p:nvSpPr>
         <p:spPr>
           <a:xfrm>
-            <a:off x="11352584" y="6288631"/>
-            <a:ext cx="648072" cy="432048"/>
-          </a:xfrm>
-          <a:prstGeom prst="roundRect">
+            <a:off x="0" y="0"/>
+            <a:ext cx="12192000" cy="6858000"/>
+          </a:xfrm>
+          <a:prstGeom prst="rect">
             <a:avLst/>
           </a:prstGeom>
-          <a:ln w="25400" cap="flat" cmpd="sng" algn="ctr">
-            <a:solidFill>
-              <a:schemeClr val="tx2">
-                <a:lumMod val="60000"/>
-                <a:lumOff val="40000"/>
-              </a:schemeClr>
-            </a:solidFill>
-            <a:prstDash val="solid"/>
-          </a:ln>
+          <a:solidFill>
+            <a:schemeClr val="tx2">
+              <a:lumMod val="75000"/>
+            </a:schemeClr>
+          </a:solidFill>
         </p:spPr>
         <p:style>
           <a:lnRef idx="2">
-            <a:schemeClr val="accent1"/>
+            <a:schemeClr val="accent1">
+              <a:shade val="50000"/>
+            </a:schemeClr>
           </a:lnRef>
           <a:fillRef idx="1">
-            <a:schemeClr val="lt1"/>
+            <a:schemeClr val="accent1"/>
           </a:fillRef>
           <a:effectRef idx="0">
             <a:schemeClr val="accent1"/>
           </a:effectRef>
           <a:fontRef idx="minor">
-            <a:schemeClr val="dk1"/>
+            <a:schemeClr val="lt1"/>
           </a:fontRef>
         </p:style>
         <p:txBody>
-          <a:bodyPr vert="horz" lIns="91440" tIns="45720" rIns="91440" bIns="45720" rtlCol="0" anchor="ctr"/>
-          <a:lstStyle/>
-          <a:p>
-            <a:pPr algn="ctr">
-              <a:defRPr/>
-            </a:pPr>
-            <a:fld id="{6389AA22-90B4-448C-8B6B-C699140D38B9}" type="slidenum">
-              <a:rPr lang="uk-UA" sz="2400" b="1">
-                <a:solidFill>
-                  <a:schemeClr val="bg1">
-                    <a:lumMod val="50000"/>
-                  </a:schemeClr>
-                </a:solidFill>
-              </a:rPr>
-              <a:pPr algn="ctr">
-                <a:defRPr/>
-              </a:pPr>
-              <a:t>19</a:t>
-            </a:fld>
-            <a:endParaRPr lang="uk-UA" sz="2400" b="1" dirty="0">
-              <a:solidFill>
-                <a:schemeClr val="bg1">
-                  <a:lumMod val="50000"/>
-                </a:schemeClr>
-              </a:solidFill>
-            </a:endParaRPr>
-          </a:p>
-        </p:txBody>
-      </p:sp>
-      <p:sp>
-        <p:nvSpPr>
-          <p:cNvPr id="5" name="TextBox 4"/>
-          <p:cNvSpPr txBox="1"/>
-          <p:nvPr/>
-        </p:nvSpPr>
-        <p:spPr>
-          <a:xfrm>
-            <a:off x="0" y="332656"/>
-            <a:ext cx="12192000" cy="646331"/>
-          </a:xfrm>
-          <a:prstGeom prst="rect">
-            <a:avLst/>
-          </a:prstGeom>
-          <a:noFill/>
-        </p:spPr>
-        <p:txBody>
-          <a:bodyPr wrap="square" rtlCol="0">
-            <a:spAutoFit/>
-          </a:bodyPr>
+          <a:bodyPr rtlCol="0" anchor="ctr"/>
           <a:lstStyle/>
           <a:p>
             <a:pPr algn="ctr"/>
             <a:r>
-              <a:rPr lang="ru-RU" sz="3600" b="1" dirty="0"/>
+              <a:rPr lang="ru-RU" sz="7200" b="1" dirty="0"/>
+              <a:t>6</a:t>
+            </a:r>
+            <a:r>
+              <a:rPr lang="en-US" sz="7200" b="1" dirty="0"/>
+              <a:t>. </a:t>
+            </a:r>
+            <a:r>
+              <a:rPr lang="ru-RU" sz="7200" b="1" dirty="0"/>
               <a:t>Объект </a:t>
             </a:r>
             <a:r>
-              <a:rPr lang="en-US" sz="3600" b="1" dirty="0"/>
+              <a:rPr lang="en-US" sz="7200" b="1" dirty="0"/>
               <a:t>Promise</a:t>
             </a:r>
-            <a:endParaRPr lang="ru-RU" sz="3200" b="1" dirty="0"/>
-          </a:p>
-        </p:txBody>
-      </p:sp>
-      <p:sp>
-        <p:nvSpPr>
-          <p:cNvPr id="2" name="TextBox 1"/>
-          <p:cNvSpPr txBox="1"/>
-          <p:nvPr/>
-        </p:nvSpPr>
-        <p:spPr>
-          <a:xfrm>
-            <a:off x="7680176" y="980728"/>
-            <a:ext cx="4511824" cy="5016758"/>
-          </a:xfrm>
-          <a:prstGeom prst="rect">
-            <a:avLst/>
-          </a:prstGeom>
-          <a:noFill/>
-        </p:spPr>
-        <p:txBody>
-          <a:bodyPr wrap="square" rtlCol="0">
-            <a:spAutoFit/>
-          </a:bodyPr>
-          <a:lstStyle/>
-          <a:p>
-            <a:r>
-              <a:rPr lang="ru-RU" sz="2000" dirty="0"/>
-              <a:t>У объекта </a:t>
-            </a:r>
-            <a:r>
-              <a:rPr lang="en-US" sz="2000" b="1" dirty="0"/>
-              <a:t>Promise</a:t>
-            </a:r>
-            <a:r>
-              <a:rPr lang="ru-RU" sz="2000" dirty="0"/>
-              <a:t> есть 3 полезных метода для возможности зарегистрировать функции на случай успешного завершения </a:t>
-            </a:r>
-            <a:r>
-              <a:rPr lang="en-US" sz="2000" b="1" dirty="0"/>
-              <a:t>Promise’</a:t>
-            </a:r>
-            <a:r>
-              <a:rPr lang="ru-RU" sz="2000" dirty="0"/>
-              <a:t>а, для случая завершения с ошибкой, и для ситуации когда код нужно выполнить как бы </a:t>
-            </a:r>
-            <a:r>
-              <a:rPr lang="en-US" sz="2000" b="1" dirty="0"/>
-              <a:t>Promise</a:t>
-            </a:r>
-            <a:r>
-              <a:rPr lang="en-US" sz="2000" dirty="0"/>
-              <a:t> </a:t>
-            </a:r>
-            <a:r>
-              <a:rPr lang="ru-RU" sz="2000" dirty="0"/>
-              <a:t>не завершился (успешно или нет). Эти методы соответственно </a:t>
-            </a:r>
-            <a:r>
-              <a:rPr lang="en-US" sz="2000" dirty="0"/>
-              <a:t>.</a:t>
-            </a:r>
-            <a:r>
-              <a:rPr lang="en-US" sz="2000" b="1" dirty="0"/>
-              <a:t>then()</a:t>
-            </a:r>
-            <a:r>
-              <a:rPr lang="en-US" sz="2000" dirty="0"/>
-              <a:t>,</a:t>
-            </a:r>
-            <a:r>
-              <a:rPr lang="en-US" sz="2000" b="1" dirty="0"/>
-              <a:t> .catch() </a:t>
-            </a:r>
-            <a:r>
-              <a:rPr lang="ru-RU" sz="2000" dirty="0"/>
-              <a:t>и </a:t>
-            </a:r>
-            <a:r>
-              <a:rPr lang="en-US" sz="2000" b="1" dirty="0"/>
-              <a:t>finally()</a:t>
-            </a:r>
-            <a:r>
-              <a:rPr lang="en-US" sz="2000" dirty="0"/>
-              <a:t>.</a:t>
-            </a:r>
-            <a:r>
-              <a:rPr lang="ru-RU" sz="2000" dirty="0"/>
-              <a:t> Эти методы могут быть вызваны цепочкой т.к. эти методы возвращают ссылку на сами </a:t>
-            </a:r>
-            <a:r>
-              <a:rPr lang="en-US" sz="2000" b="1" dirty="0"/>
-              <a:t>Promise</a:t>
-            </a:r>
-            <a:r>
-              <a:rPr lang="en-US" sz="2000" dirty="0"/>
-              <a:t>.</a:t>
-            </a:r>
-            <a:r>
-              <a:rPr lang="ru-RU" sz="2000" dirty="0"/>
-              <a:t> Функция переданная </a:t>
-            </a:r>
-            <a:r>
-              <a:rPr lang="en-US" sz="2000" b="1" dirty="0"/>
-              <a:t>.then() </a:t>
-            </a:r>
-            <a:r>
-              <a:rPr lang="ru-RU" sz="2000" dirty="0"/>
-              <a:t>может вернуть</a:t>
-            </a:r>
-            <a:r>
-              <a:rPr lang="en-US" sz="2000" dirty="0"/>
-              <a:t> </a:t>
-            </a:r>
-            <a:r>
-              <a:rPr lang="ru-RU" sz="2000" dirty="0"/>
-              <a:t>результат (в </a:t>
-            </a:r>
-            <a:r>
-              <a:rPr lang="ru-RU" sz="2000" dirty="0" err="1"/>
-              <a:t>т.ч</a:t>
-            </a:r>
-            <a:r>
-              <a:rPr lang="ru-RU" sz="2000" dirty="0"/>
-              <a:t>. другой </a:t>
-            </a:r>
-            <a:r>
-              <a:rPr lang="en-US" sz="2000" dirty="0"/>
-              <a:t>Promise</a:t>
-            </a:r>
-            <a:r>
-              <a:rPr lang="ru-RU" sz="2000" dirty="0"/>
-              <a:t>)</a:t>
-            </a:r>
-            <a:r>
-              <a:rPr lang="en-US" sz="2000" dirty="0"/>
-              <a:t> </a:t>
-            </a:r>
-            <a:r>
-              <a:rPr lang="ru-RU" sz="2000" dirty="0"/>
-              <a:t>и цепочка может опять включать </a:t>
-            </a:r>
-            <a:r>
-              <a:rPr lang="en-US" sz="2000" b="1" dirty="0"/>
-              <a:t>.then()</a:t>
-            </a:r>
-            <a:r>
-              <a:rPr lang="ru-RU" sz="2000" dirty="0"/>
-              <a:t> для его обработки</a:t>
-            </a:r>
-            <a:r>
-              <a:rPr lang="en-US" sz="2000" dirty="0"/>
-              <a:t>.</a:t>
-            </a:r>
-            <a:endParaRPr lang="ru-RU" sz="2000" dirty="0"/>
-          </a:p>
-        </p:txBody>
-      </p:sp>
-      <p:sp>
-        <p:nvSpPr>
-          <p:cNvPr id="3" name="Прямоугольник 2"/>
-          <p:cNvSpPr/>
-          <p:nvPr/>
-        </p:nvSpPr>
-        <p:spPr>
-          <a:xfrm>
-            <a:off x="3566653" y="5786100"/>
-            <a:ext cx="184731" cy="523220"/>
-          </a:xfrm>
-          <a:prstGeom prst="rect">
-            <a:avLst/>
-          </a:prstGeom>
-        </p:spPr>
-        <p:txBody>
-          <a:bodyPr wrap="none">
-            <a:spAutoFit/>
-          </a:bodyPr>
-          <a:lstStyle/>
-          <a:p>
-            <a:endParaRPr lang="ru-RU" sz="2800" b="1" dirty="0"/>
-          </a:p>
-        </p:txBody>
-      </p:sp>
-      <p:sp>
-        <p:nvSpPr>
-          <p:cNvPr id="8" name="TextBox 7"/>
-          <p:cNvSpPr txBox="1"/>
-          <p:nvPr/>
-        </p:nvSpPr>
-        <p:spPr>
-          <a:xfrm>
-            <a:off x="11759" y="6135687"/>
-            <a:ext cx="12192000" cy="461665"/>
-          </a:xfrm>
-          <a:prstGeom prst="rect">
-            <a:avLst/>
-          </a:prstGeom>
-          <a:noFill/>
-        </p:spPr>
-        <p:txBody>
-          <a:bodyPr wrap="square" rtlCol="0">
-            <a:spAutoFit/>
-          </a:bodyPr>
-          <a:lstStyle/>
-          <a:p>
-            <a:pPr algn="ctr"/>
-            <a:r>
-              <a:rPr lang="ru-RU" sz="2400" b="1" dirty="0"/>
-              <a:t>Подробнее:</a:t>
-            </a:r>
-            <a:r>
-              <a:rPr lang="en-US" sz="2400" b="1" dirty="0"/>
-              <a:t> </a:t>
-            </a:r>
-            <a:r>
-              <a:rPr lang="en-US" sz="2400" b="1" dirty="0">
-                <a:hlinkClick r:id="rId2"/>
-              </a:rPr>
-              <a:t>https://learn.javascript.ru/promise/</a:t>
-            </a:r>
-            <a:endParaRPr lang="ru-RU" sz="2400" b="1" dirty="0"/>
-          </a:p>
-        </p:txBody>
-      </p:sp>
-      <p:pic>
-        <p:nvPicPr>
-          <p:cNvPr id="4" name="Рисунок 3"/>
-          <p:cNvPicPr>
-            <a:picLocks noChangeAspect="1"/>
-          </p:cNvPicPr>
-          <p:nvPr/>
-        </p:nvPicPr>
-        <p:blipFill>
-          <a:blip r:embed="rId3"/>
-          <a:stretch>
-            <a:fillRect/>
-          </a:stretch>
-        </p:blipFill>
-        <p:spPr>
-          <a:xfrm>
-            <a:off x="623392" y="1547939"/>
-            <a:ext cx="6872660" cy="3741217"/>
-          </a:xfrm>
-          <a:prstGeom prst="rect">
-            <a:avLst/>
-          </a:prstGeom>
-          <a:ln>
-            <a:noFill/>
-          </a:ln>
-          <a:effectLst>
-            <a:outerShdw blurRad="292100" dist="139700" dir="2700000" algn="tl" rotWithShape="0">
-              <a:srgbClr val="333333">
-                <a:alpha val="65000"/>
-              </a:srgbClr>
-            </a:outerShdw>
-          </a:effectLst>
-        </p:spPr>
-      </p:pic>
+          </a:p>
+        </p:txBody>
+      </p:sp>
     </p:spTree>
     <p:extLst>
       <p:ext uri="{BB962C8B-B14F-4D97-AF65-F5344CB8AC3E}">
-        <p14:creationId xmlns:p14="http://schemas.microsoft.com/office/powerpoint/2010/main" val="3371418139"/>
+        <p14:creationId xmlns:p14="http://schemas.microsoft.com/office/powerpoint/2010/main" val="1996300760"/>
       </p:ext>
     </p:extLst>
   </p:cSld>
@@ -8120,7 +8056,7 @@
         </p:nvSpPr>
         <p:spPr>
           <a:xfrm>
-            <a:off x="11280576" y="6117802"/>
+            <a:off x="11352584" y="6288631"/>
             <a:ext cx="648072" cy="432048"/>
           </a:xfrm>
           <a:prstGeom prst="roundRect">
@@ -8188,8 +8124,8 @@
         </p:nvSpPr>
         <p:spPr>
           <a:xfrm>
-            <a:off x="0" y="251937"/>
-            <a:ext cx="12192000" cy="584775"/>
+            <a:off x="0" y="404664"/>
+            <a:ext cx="12192000" cy="646331"/>
           </a:xfrm>
           <a:prstGeom prst="rect">
             <a:avLst/>
@@ -8204,11 +8140,11 @@
           <a:p>
             <a:pPr algn="ctr"/>
             <a:r>
-              <a:rPr lang="ru-RU" sz="3200" b="1" dirty="0"/>
-              <a:t>Жизненный путь </a:t>
-            </a:r>
-            <a:r>
-              <a:rPr lang="en-US" sz="3200" b="1" dirty="0"/>
+              <a:rPr lang="ru-RU" sz="3600" b="1" dirty="0"/>
+              <a:t>Объект </a:t>
+            </a:r>
+            <a:r>
+              <a:rPr lang="en-US" sz="3600" b="1" dirty="0"/>
               <a:t>Promise</a:t>
             </a:r>
             <a:endParaRPr lang="ru-RU" sz="3200" b="1" dirty="0"/>
@@ -8223,8 +8159,8 @@
         </p:nvSpPr>
         <p:spPr>
           <a:xfrm>
-            <a:off x="1847528" y="5601434"/>
-            <a:ext cx="8852860" cy="707886"/>
+            <a:off x="7824192" y="1386484"/>
+            <a:ext cx="4026076" cy="3970318"/>
           </a:xfrm>
           <a:prstGeom prst="rect">
             <a:avLst/>
@@ -8237,98 +8173,193 @@
           </a:bodyPr>
           <a:lstStyle/>
           <a:p>
-            <a:pPr algn="ctr"/>
-            <a:r>
-              <a:rPr lang="ru-RU" sz="2000" dirty="0"/>
-              <a:t>Жизненный путь </a:t>
-            </a:r>
-            <a:r>
-              <a:rPr lang="en-US" sz="2000" b="1" dirty="0"/>
+            <a:r>
+              <a:rPr lang="en-US" b="1" dirty="0"/>
               <a:t>Promise</a:t>
             </a:r>
             <a:r>
-              <a:rPr lang="en-US" sz="2000" dirty="0"/>
+              <a:rPr lang="en-US" dirty="0"/>
+              <a:t> – </a:t>
+            </a:r>
+            <a:r>
+              <a:rPr lang="ru-RU" dirty="0"/>
+              <a:t>механизм</a:t>
+            </a:r>
+            <a:r>
+              <a:rPr lang="en-US" dirty="0"/>
               <a:t> </a:t>
             </a:r>
             <a:r>
-              <a:rPr lang="ru-RU" sz="2000" dirty="0"/>
-              <a:t>всегда завершается одним из двух состояний: </a:t>
-            </a:r>
-            <a:br>
-              <a:rPr lang="ru-RU" sz="2000" dirty="0"/>
-            </a:br>
-            <a:r>
-              <a:rPr lang="en-US" sz="2000" b="1" dirty="0"/>
-              <a:t>Fulfilled</a:t>
-            </a:r>
-            <a:r>
-              <a:rPr lang="en-US" sz="2000" dirty="0"/>
+              <a:rPr lang="ru-RU" dirty="0"/>
+              <a:t>позволяющий писать асинхронный код последовательно (насколько это возможно), избегая вложенности </a:t>
+            </a:r>
+            <a:r>
+              <a:rPr lang="en-US" b="1" dirty="0"/>
+              <a:t>callback</a:t>
+            </a:r>
+            <a:r>
+              <a:rPr lang="en-US" dirty="0"/>
+              <a:t>’</a:t>
+            </a:r>
+            <a:r>
+              <a:rPr lang="ru-RU" dirty="0" err="1"/>
+              <a:t>ов</a:t>
+            </a:r>
+            <a:r>
+              <a:rPr lang="ru-RU" dirty="0"/>
+              <a:t>. </a:t>
+            </a:r>
+            <a:r>
+              <a:rPr lang="en-US" b="1" dirty="0"/>
+              <a:t>Promise</a:t>
+            </a:r>
+            <a:r>
+              <a:rPr lang="en-US" dirty="0"/>
+              <a:t> </a:t>
+            </a:r>
+            <a:r>
+              <a:rPr lang="ru-RU" dirty="0"/>
+              <a:t>– объект который принимает функцию, в которой запускается асинхронная операция, при помощи параметров функции есть возможность из асинхронного кода сообщить об успешном или не успешном завершении операции (параметры </a:t>
+            </a:r>
+            <a:r>
+              <a:rPr lang="en-US" b="1" dirty="0"/>
+              <a:t>resolve</a:t>
+            </a:r>
+            <a:r>
+              <a:rPr lang="en-US" dirty="0"/>
+              <a:t>, </a:t>
+            </a:r>
+            <a:r>
+              <a:rPr lang="en-US" b="1" dirty="0"/>
+              <a:t>reject</a:t>
+            </a:r>
+            <a:r>
+              <a:rPr lang="en-US" dirty="0"/>
               <a:t> – </a:t>
             </a:r>
             <a:r>
-              <a:rPr lang="ru-RU" sz="2000" dirty="0"/>
-              <a:t>успешное завершение, либо </a:t>
-            </a:r>
-            <a:r>
-              <a:rPr lang="en-US" sz="2000" b="1" dirty="0"/>
-              <a:t>Rejected</a:t>
-            </a:r>
-            <a:r>
-              <a:rPr lang="en-US" sz="2000" dirty="0"/>
-              <a:t> </a:t>
-            </a:r>
-            <a:r>
-              <a:rPr lang="ru-RU" sz="2000" dirty="0"/>
-              <a:t>– неудачное завершение.</a:t>
-            </a:r>
+              <a:rPr lang="ru-RU" dirty="0"/>
+              <a:t>функции вызов которых приведёт к завершению работы </a:t>
+            </a:r>
+            <a:r>
+              <a:rPr lang="en-US" b="1" dirty="0" err="1"/>
+              <a:t>Primise</a:t>
+            </a:r>
+            <a:r>
+              <a:rPr lang="en-US" b="1" dirty="0"/>
+              <a:t>’</a:t>
+            </a:r>
+            <a:r>
+              <a:rPr lang="ru-RU" dirty="0"/>
+              <a:t>а).</a:t>
+            </a:r>
+          </a:p>
+        </p:txBody>
+      </p:sp>
+      <p:sp>
+        <p:nvSpPr>
+          <p:cNvPr id="3" name="Прямоугольник 2"/>
+          <p:cNvSpPr/>
+          <p:nvPr/>
+        </p:nvSpPr>
+        <p:spPr>
+          <a:xfrm>
+            <a:off x="3566653" y="5786100"/>
+            <a:ext cx="184731" cy="523220"/>
+          </a:xfrm>
+          <a:prstGeom prst="rect">
+            <a:avLst/>
+          </a:prstGeom>
+        </p:spPr>
+        <p:txBody>
+          <a:bodyPr wrap="none">
+            <a:spAutoFit/>
+          </a:bodyPr>
+          <a:lstStyle/>
+          <a:p>
+            <a:endParaRPr lang="ru-RU" sz="2800" b="1" dirty="0"/>
           </a:p>
         </p:txBody>
       </p:sp>
       <p:pic>
         <p:nvPicPr>
-          <p:cNvPr id="7" name="Picture 2" descr="https://idiotwu.me/content/images/2015/03/promise-onFulfilled_onRejected.png"/>
+          <p:cNvPr id="7" name="Рисунок 6"/>
           <p:cNvPicPr>
-            <a:picLocks noChangeAspect="1" noChangeArrowheads="1"/>
+            <a:picLocks noChangeAspect="1"/>
           </p:cNvPicPr>
           <p:nvPr/>
         </p:nvPicPr>
         <p:blipFill>
-          <a:blip r:embed="rId2">
-            <a:extLst>
-              <a:ext uri="{28A0092B-C50C-407E-A947-70E740481C1C}">
-                <a14:useLocalDpi xmlns:a14="http://schemas.microsoft.com/office/drawing/2010/main" val="0"/>
-              </a:ext>
-            </a:extLst>
-          </a:blip>
-          <a:srcRect/>
+          <a:blip r:embed="rId2"/>
           <a:stretch>
             <a:fillRect/>
           </a:stretch>
         </p:blipFill>
-        <p:spPr bwMode="auto">
-          <a:xfrm>
-            <a:off x="2328943" y="980728"/>
-            <a:ext cx="7890030" cy="4239760"/>
+        <p:spPr>
+          <a:xfrm>
+            <a:off x="335360" y="1340768"/>
+            <a:ext cx="7104536" cy="4032448"/>
+          </a:xfrm>
+          <a:prstGeom prst="rect">
+            <a:avLst/>
+          </a:prstGeom>
+          <a:ln>
+            <a:noFill/>
+          </a:ln>
+          <a:effectLst>
+            <a:outerShdw blurRad="292100" dist="139700" dir="2700000" algn="tl" rotWithShape="0">
+              <a:srgbClr val="333333">
+                <a:alpha val="65000"/>
+              </a:srgbClr>
+            </a:outerShdw>
+          </a:effectLst>
+        </p:spPr>
+      </p:pic>
+      <p:sp>
+        <p:nvSpPr>
+          <p:cNvPr id="8" name="TextBox 7"/>
+          <p:cNvSpPr txBox="1"/>
+          <p:nvPr/>
+        </p:nvSpPr>
+        <p:spPr>
+          <a:xfrm>
+            <a:off x="11759" y="5877272"/>
+            <a:ext cx="12192000" cy="461665"/>
           </a:xfrm>
           <a:prstGeom prst="rect">
             <a:avLst/>
           </a:prstGeom>
           <a:noFill/>
-          <a:extLst>
-            <a:ext uri="{909E8E84-426E-40DD-AFC4-6F175D3DCCD1}">
-              <a14:hiddenFill xmlns:a14="http://schemas.microsoft.com/office/drawing/2010/main">
-                <a:solidFill>
-                  <a:srgbClr val="FFFFFF"/>
-                </a:solidFill>
-              </a14:hiddenFill>
-            </a:ext>
-          </a:extLst>
-        </p:spPr>
-      </p:pic>
+        </p:spPr>
+        <p:txBody>
+          <a:bodyPr wrap="square" rtlCol="0">
+            <a:spAutoFit/>
+          </a:bodyPr>
+          <a:lstStyle/>
+          <a:p>
+            <a:pPr algn="ctr"/>
+            <a:r>
+              <a:rPr lang="ru-RU" sz="2400" b="1" dirty="0"/>
+              <a:t>Подробнее:</a:t>
+            </a:r>
+            <a:r>
+              <a:rPr lang="en-US" sz="2400" b="1" dirty="0"/>
+              <a:t> </a:t>
+            </a:r>
+            <a:r>
+              <a:rPr lang="en-US" sz="2400" b="1" dirty="0">
+                <a:hlinkClick r:id="rId3"/>
+              </a:rPr>
+              <a:t>https://learn.javascript.ru/promise/</a:t>
+            </a:r>
+            <a:endParaRPr lang="ru-RU" sz="2400" b="1" dirty="0"/>
+          </a:p>
+        </p:txBody>
+      </p:sp>
     </p:spTree>
     <p:extLst>
       <p:ext uri="{BB962C8B-B14F-4D97-AF65-F5344CB8AC3E}">
-        <p14:creationId xmlns:p14="http://schemas.microsoft.com/office/powerpoint/2010/main" val="3004122313"/>
+        <p14:creationId xmlns:p14="http://schemas.microsoft.com/office/powerpoint/2010/main" val="2636876839"/>
       </p:ext>
     </p:extLst>
   </p:cSld>
@@ -8357,82 +8388,367 @@
       </p:grpSpPr>
       <p:sp>
         <p:nvSpPr>
-          <p:cNvPr id="5" name="Прямоугольник 4"/>
-          <p:cNvSpPr/>
+          <p:cNvPr id="6" name="Номер слайда 36"/>
+          <p:cNvSpPr txBox="1">
+            <a:spLocks/>
+          </p:cNvSpPr>
           <p:nvPr/>
         </p:nvSpPr>
         <p:spPr>
           <a:xfrm>
-            <a:off x="0" y="0"/>
-            <a:ext cx="12192000" cy="6858000"/>
-          </a:xfrm>
-          <a:prstGeom prst="rect">
+            <a:off x="11352584" y="6288631"/>
+            <a:ext cx="648072" cy="432048"/>
+          </a:xfrm>
+          <a:prstGeom prst="roundRect">
             <a:avLst/>
           </a:prstGeom>
-          <a:solidFill>
-            <a:schemeClr val="tx2">
-              <a:lumMod val="75000"/>
-            </a:schemeClr>
-          </a:solidFill>
+          <a:ln w="25400" cap="flat" cmpd="sng" algn="ctr">
+            <a:solidFill>
+              <a:schemeClr val="tx2">
+                <a:lumMod val="60000"/>
+                <a:lumOff val="40000"/>
+              </a:schemeClr>
+            </a:solidFill>
+            <a:prstDash val="solid"/>
+          </a:ln>
         </p:spPr>
         <p:style>
           <a:lnRef idx="2">
-            <a:schemeClr val="accent1">
-              <a:shade val="50000"/>
-            </a:schemeClr>
+            <a:schemeClr val="accent1"/>
           </a:lnRef>
           <a:fillRef idx="1">
-            <a:schemeClr val="accent1"/>
+            <a:schemeClr val="lt1"/>
           </a:fillRef>
           <a:effectRef idx="0">
             <a:schemeClr val="accent1"/>
           </a:effectRef>
           <a:fontRef idx="minor">
-            <a:schemeClr val="lt1"/>
+            <a:schemeClr val="dk1"/>
           </a:fontRef>
         </p:style>
         <p:txBody>
-          <a:bodyPr rtlCol="0" anchor="ctr"/>
+          <a:bodyPr vert="horz" lIns="91440" tIns="45720" rIns="91440" bIns="45720" rtlCol="0" anchor="ctr"/>
+          <a:lstStyle/>
+          <a:p>
+            <a:pPr algn="ctr">
+              <a:defRPr/>
+            </a:pPr>
+            <a:fld id="{6389AA22-90B4-448C-8B6B-C699140D38B9}" type="slidenum">
+              <a:rPr lang="uk-UA" sz="2400" b="1">
+                <a:solidFill>
+                  <a:schemeClr val="bg1">
+                    <a:lumMod val="50000"/>
+                  </a:schemeClr>
+                </a:solidFill>
+              </a:rPr>
+              <a:pPr algn="ctr">
+                <a:defRPr/>
+              </a:pPr>
+              <a:t>21</a:t>
+            </a:fld>
+            <a:endParaRPr lang="uk-UA" sz="2400" b="1" dirty="0">
+              <a:solidFill>
+                <a:schemeClr val="bg1">
+                  <a:lumMod val="50000"/>
+                </a:schemeClr>
+              </a:solidFill>
+            </a:endParaRPr>
+          </a:p>
+        </p:txBody>
+      </p:sp>
+      <p:sp>
+        <p:nvSpPr>
+          <p:cNvPr id="5" name="TextBox 4"/>
+          <p:cNvSpPr txBox="1"/>
+          <p:nvPr/>
+        </p:nvSpPr>
+        <p:spPr>
+          <a:xfrm>
+            <a:off x="0" y="332656"/>
+            <a:ext cx="12192000" cy="646331"/>
+          </a:xfrm>
+          <a:prstGeom prst="rect">
+            <a:avLst/>
+          </a:prstGeom>
+          <a:noFill/>
+        </p:spPr>
+        <p:txBody>
+          <a:bodyPr wrap="square" rtlCol="0">
+            <a:spAutoFit/>
+          </a:bodyPr>
           <a:lstStyle/>
           <a:p>
             <a:pPr algn="ctr"/>
             <a:r>
-              <a:rPr lang="en-US" sz="8000" b="1" dirty="0"/>
-              <a:t>6</a:t>
-            </a:r>
-            <a:r>
-              <a:rPr lang="ru-RU" sz="8000" b="1" dirty="0"/>
-              <a:t>. </a:t>
-            </a:r>
-            <a:r>
-              <a:rPr lang="en-US" sz="8000" b="1" dirty="0" err="1">
-                <a:solidFill>
-                  <a:schemeClr val="accent6">
-                    <a:lumMod val="75000"/>
-                  </a:schemeClr>
-                </a:solidFill>
+              <a:rPr lang="ru-RU" sz="3600" b="1" dirty="0"/>
+              <a:t>Объект </a:t>
+            </a:r>
+            <a:r>
+              <a:rPr lang="en-US" sz="3600" b="1" dirty="0"/>
+              <a:t>Promise</a:t>
+            </a:r>
+            <a:endParaRPr lang="ru-RU" sz="3200" b="1" dirty="0"/>
+          </a:p>
+        </p:txBody>
+      </p:sp>
+      <p:sp>
+        <p:nvSpPr>
+          <p:cNvPr id="2" name="TextBox 1"/>
+          <p:cNvSpPr txBox="1"/>
+          <p:nvPr/>
+        </p:nvSpPr>
+        <p:spPr>
+          <a:xfrm>
+            <a:off x="7680176" y="980728"/>
+            <a:ext cx="4511824" cy="5016758"/>
+          </a:xfrm>
+          <a:prstGeom prst="rect">
+            <a:avLst/>
+          </a:prstGeom>
+          <a:noFill/>
+        </p:spPr>
+        <p:txBody>
+          <a:bodyPr wrap="square" rtlCol="0">
+            <a:spAutoFit/>
+          </a:bodyPr>
+          <a:lstStyle/>
+          <a:p>
+            <a:r>
+              <a:rPr lang="ru-RU" sz="2000" dirty="0"/>
+              <a:t>У объекта </a:t>
+            </a:r>
+            <a:r>
+              <a:rPr lang="en-US" sz="2000" b="1" dirty="0"/>
+              <a:t>Promise</a:t>
+            </a:r>
+            <a:r>
+              <a:rPr lang="ru-RU" sz="2000" dirty="0"/>
+              <a:t> есть 3 полезных метода для возможности зарегистрировать функции на случай успешного завершения </a:t>
+            </a:r>
+            <a:r>
+              <a:rPr lang="en-US" sz="2000" b="1" dirty="0"/>
+              <a:t>Promise’</a:t>
+            </a:r>
+            <a:r>
+              <a:rPr lang="ru-RU" sz="2000" dirty="0"/>
+              <a:t>а, для случая завершения с ошибкой, и для ситуации когда код нужно выполнить как бы </a:t>
+            </a:r>
+            <a:r>
+              <a:rPr lang="en-US" sz="2000" b="1" dirty="0"/>
+              <a:t>Promise</a:t>
+            </a:r>
+            <a:r>
+              <a:rPr lang="en-US" sz="2000" dirty="0"/>
+              <a:t> </a:t>
+            </a:r>
+            <a:r>
+              <a:rPr lang="ru-RU" sz="2000" dirty="0"/>
+              <a:t>не завершился (успешно или нет). Эти методы соответственно </a:t>
+            </a:r>
+            <a:r>
+              <a:rPr lang="en-US" sz="2000" dirty="0"/>
+              <a:t>.</a:t>
+            </a:r>
+            <a:r>
+              <a:rPr lang="en-US" sz="2000" b="1" dirty="0"/>
+              <a:t>then()</a:t>
+            </a:r>
+            <a:r>
+              <a:rPr lang="en-US" sz="2000" dirty="0"/>
+              <a:t>,</a:t>
+            </a:r>
+            <a:r>
+              <a:rPr lang="en-US" sz="2000" b="1" dirty="0"/>
+              <a:t> .catch() </a:t>
+            </a:r>
+            <a:r>
+              <a:rPr lang="ru-RU" sz="2000" dirty="0"/>
+              <a:t>и </a:t>
+            </a:r>
+            <a:r>
+              <a:rPr lang="en-US" sz="2000" b="1" dirty="0"/>
+              <a:t>finally()</a:t>
+            </a:r>
+            <a:r>
+              <a:rPr lang="en-US" sz="2000" dirty="0"/>
+              <a:t>.</a:t>
+            </a:r>
+            <a:r>
+              <a:rPr lang="ru-RU" sz="2000" dirty="0"/>
+              <a:t> Эти методы могут быть вызваны цепочкой т.к. эти методы возвращают ссылку на сами </a:t>
+            </a:r>
+            <a:r>
+              <a:rPr lang="en-US" sz="2000" b="1" dirty="0"/>
+              <a:t>Promise</a:t>
+            </a:r>
+            <a:r>
+              <a:rPr lang="en-US" sz="2000" dirty="0"/>
+              <a:t>.</a:t>
+            </a:r>
+            <a:r>
+              <a:rPr lang="ru-RU" sz="2000" dirty="0"/>
+              <a:t> Функция переданная </a:t>
+            </a:r>
+            <a:r>
+              <a:rPr lang="en-US" sz="2000" b="1" dirty="0"/>
+              <a:t>.then() </a:t>
+            </a:r>
+            <a:r>
+              <a:rPr lang="ru-RU" sz="2000" dirty="0"/>
+              <a:t>может вернуть</a:t>
+            </a:r>
+            <a:r>
+              <a:rPr lang="en-US" sz="2000" dirty="0"/>
+              <a:t> </a:t>
+            </a:r>
+            <a:r>
+              <a:rPr lang="ru-RU" sz="2000" dirty="0"/>
+              <a:t>результат (в </a:t>
+            </a:r>
+            <a:r>
+              <a:rPr lang="ru-RU" sz="2000" dirty="0" err="1"/>
+              <a:t>т.ч</a:t>
+            </a:r>
+            <a:r>
+              <a:rPr lang="ru-RU" sz="2000" dirty="0"/>
+              <a:t>. другой </a:t>
+            </a:r>
+            <a:r>
+              <a:rPr lang="en-US" sz="2000" dirty="0"/>
+              <a:t>Promise</a:t>
+            </a:r>
+            <a:r>
+              <a:rPr lang="ru-RU" sz="2000" dirty="0"/>
+              <a:t>)</a:t>
+            </a:r>
+            <a:r>
+              <a:rPr lang="en-US" sz="2000" dirty="0"/>
+              <a:t> </a:t>
+            </a:r>
+            <a:r>
+              <a:rPr lang="ru-RU" sz="2000" dirty="0"/>
+              <a:t>и цепочка может опять включать </a:t>
+            </a:r>
+            <a:r>
+              <a:rPr lang="en-US" sz="2000" b="1" dirty="0"/>
+              <a:t>.then()</a:t>
+            </a:r>
+            <a:r>
+              <a:rPr lang="ru-RU" sz="2000" dirty="0"/>
+              <a:t> для его обработки</a:t>
+            </a:r>
+            <a:r>
+              <a:rPr lang="en-US" sz="2000" dirty="0"/>
+              <a:t>.</a:t>
+            </a:r>
+            <a:endParaRPr lang="ru-RU" sz="2000" dirty="0"/>
+          </a:p>
+        </p:txBody>
+      </p:sp>
+      <p:sp>
+        <p:nvSpPr>
+          <p:cNvPr id="3" name="Прямоугольник 2"/>
+          <p:cNvSpPr/>
+          <p:nvPr/>
+        </p:nvSpPr>
+        <p:spPr>
+          <a:xfrm>
+            <a:off x="3566653" y="5786100"/>
+            <a:ext cx="184731" cy="523220"/>
+          </a:xfrm>
+          <a:prstGeom prst="rect">
+            <a:avLst/>
+          </a:prstGeom>
+        </p:spPr>
+        <p:txBody>
+          <a:bodyPr wrap="none">
+            <a:spAutoFit/>
+          </a:bodyPr>
+          <a:lstStyle/>
+          <a:p>
+            <a:endParaRPr lang="ru-RU" sz="2800" b="1" dirty="0"/>
+          </a:p>
+        </p:txBody>
+      </p:sp>
+      <p:sp>
+        <p:nvSpPr>
+          <p:cNvPr id="8" name="TextBox 7"/>
+          <p:cNvSpPr txBox="1"/>
+          <p:nvPr/>
+        </p:nvSpPr>
+        <p:spPr>
+          <a:xfrm>
+            <a:off x="11759" y="6135687"/>
+            <a:ext cx="12192000" cy="461665"/>
+          </a:xfrm>
+          <a:prstGeom prst="rect">
+            <a:avLst/>
+          </a:prstGeom>
+          <a:noFill/>
+        </p:spPr>
+        <p:txBody>
+          <a:bodyPr wrap="square" rtlCol="0">
+            <a:spAutoFit/>
+          </a:bodyPr>
+          <a:lstStyle/>
+          <a:p>
+            <a:pPr algn="ctr"/>
+            <a:r>
+              <a:rPr lang="ru-RU" sz="2400" b="1" dirty="0"/>
+              <a:t>Подробнее:</a:t>
+            </a:r>
+            <a:r>
+              <a:rPr lang="en-US" sz="2400" b="1" dirty="0"/>
+              <a:t> </a:t>
+            </a:r>
+            <a:r>
+              <a:rPr lang="en-US" sz="2400" b="1" dirty="0">
+                <a:hlinkClick r:id="rId2"/>
               </a:rPr>
-              <a:t>async</a:t>
-            </a:r>
-            <a:r>
-              <a:rPr lang="en-US" sz="8000" b="1" dirty="0"/>
-              <a:t>/</a:t>
-            </a:r>
-            <a:r>
-              <a:rPr lang="en-US" sz="8000" b="1" dirty="0">
-                <a:solidFill>
-                  <a:srgbClr val="00B0F0"/>
-                </a:solidFill>
-              </a:rPr>
-              <a:t>await</a:t>
-            </a:r>
-          </a:p>
-        </p:txBody>
-      </p:sp>
+              <a:t>https://learn.javascript.ru/promise/</a:t>
+            </a:r>
+            <a:endParaRPr lang="ru-RU" sz="2400" b="1" dirty="0"/>
+          </a:p>
+        </p:txBody>
+      </p:sp>
+      <p:pic>
+        <p:nvPicPr>
+          <p:cNvPr id="4" name="Рисунок 3"/>
+          <p:cNvPicPr>
+            <a:picLocks noChangeAspect="1"/>
+          </p:cNvPicPr>
+          <p:nvPr/>
+        </p:nvPicPr>
+        <p:blipFill>
+          <a:blip r:embed="rId3"/>
+          <a:stretch>
+            <a:fillRect/>
+          </a:stretch>
+        </p:blipFill>
+        <p:spPr>
+          <a:xfrm>
+            <a:off x="623392" y="1547939"/>
+            <a:ext cx="6872660" cy="3741217"/>
+          </a:xfrm>
+          <a:prstGeom prst="rect">
+            <a:avLst/>
+          </a:prstGeom>
+          <a:ln>
+            <a:noFill/>
+          </a:ln>
+          <a:effectLst>
+            <a:outerShdw blurRad="292100" dist="139700" dir="2700000" algn="tl" rotWithShape="0">
+              <a:srgbClr val="333333">
+                <a:alpha val="65000"/>
+              </a:srgbClr>
+            </a:outerShdw>
+          </a:effectLst>
+        </p:spPr>
+      </p:pic>
     </p:spTree>
     <p:extLst>
       <p:ext uri="{BB962C8B-B14F-4D97-AF65-F5344CB8AC3E}">
-        <p14:creationId xmlns:p14="http://schemas.microsoft.com/office/powerpoint/2010/main" val="3045335102"/>
+        <p14:creationId xmlns:p14="http://schemas.microsoft.com/office/powerpoint/2010/main" val="3371418139"/>
       </p:ext>
     </p:extLst>
   </p:cSld>
@@ -8469,7 +8785,7 @@
         </p:nvSpPr>
         <p:spPr>
           <a:xfrm>
-            <a:off x="11208568" y="6165304"/>
+            <a:off x="11280576" y="6117802"/>
             <a:ext cx="648072" cy="432048"/>
           </a:xfrm>
           <a:prstGeom prst="roundRect">
@@ -8531,13 +8847,13 @@
       </p:sp>
       <p:sp>
         <p:nvSpPr>
-          <p:cNvPr id="4" name="TextBox 3"/>
+          <p:cNvPr id="5" name="TextBox 4"/>
           <p:cNvSpPr txBox="1"/>
           <p:nvPr/>
         </p:nvSpPr>
         <p:spPr>
           <a:xfrm>
-            <a:off x="0" y="323945"/>
+            <a:off x="0" y="251937"/>
             <a:ext cx="12192000" cy="584775"/>
           </a:xfrm>
           <a:prstGeom prst="rect">
@@ -8553,24 +8869,12 @@
           <a:p>
             <a:pPr algn="ctr"/>
             <a:r>
-              <a:rPr lang="en-US" sz="3200" b="1" dirty="0" err="1"/>
-              <a:t>async</a:t>
+              <a:rPr lang="ru-RU" sz="3200" b="1" dirty="0"/>
+              <a:t>Жизненный путь </a:t>
             </a:r>
             <a:r>
               <a:rPr lang="en-US" sz="3200" b="1" dirty="0"/>
-              <a:t>/await </a:t>
-            </a:r>
-            <a:r>
-              <a:rPr lang="ru-RU" sz="3200" b="1" dirty="0"/>
-              <a:t>– упрощение кода </a:t>
-            </a:r>
-            <a:r>
-              <a:rPr lang="en-US" sz="3200" b="1" dirty="0"/>
-              <a:t>Promise’</a:t>
-            </a:r>
-            <a:r>
-              <a:rPr lang="ru-RU" sz="3200" b="1" dirty="0" err="1"/>
-              <a:t>ов</a:t>
+              <a:t>Promise</a:t>
             </a:r>
             <a:endParaRPr lang="ru-RU" sz="3200" b="1" dirty="0"/>
           </a:p>
@@ -8578,14 +8882,14 @@
       </p:sp>
       <p:sp>
         <p:nvSpPr>
-          <p:cNvPr id="5" name="TextBox 4"/>
+          <p:cNvPr id="2" name="TextBox 1"/>
           <p:cNvSpPr txBox="1"/>
           <p:nvPr/>
         </p:nvSpPr>
         <p:spPr>
           <a:xfrm>
-            <a:off x="7248128" y="1196752"/>
-            <a:ext cx="4608512" cy="4401205"/>
+            <a:off x="1847528" y="5601434"/>
+            <a:ext cx="8852860" cy="707886"/>
           </a:xfrm>
           <a:prstGeom prst="rect">
             <a:avLst/>
@@ -8598,21 +8902,10 @@
           </a:bodyPr>
           <a:lstStyle/>
           <a:p>
-            <a:r>
-              <a:rPr lang="en-US" sz="2000" b="1" dirty="0" err="1"/>
-              <a:t>async</a:t>
-            </a:r>
-            <a:r>
-              <a:rPr lang="en-US" sz="2000" b="1" dirty="0"/>
-              <a:t>/await </a:t>
-            </a:r>
-            <a:r>
-              <a:rPr lang="en-US" sz="2000" dirty="0"/>
-              <a:t>– </a:t>
-            </a:r>
+            <a:pPr algn="ctr"/>
             <a:r>
               <a:rPr lang="ru-RU" sz="2000" dirty="0"/>
-              <a:t>надстройка над </a:t>
+              <a:t>Жизненный путь </a:t>
             </a:r>
             <a:r>
               <a:rPr lang="en-US" sz="2000" b="1" dirty="0"/>
@@ -8624,20 +8917,14 @@
             </a:r>
             <a:r>
               <a:rPr lang="ru-RU" sz="2000" dirty="0"/>
-              <a:t>позволяющая писать код в полностью привычном синхронном стиле, при этом откладывая ожидания завершения операций до тех пор пока её результат действительно понадобиться</a:t>
-            </a:r>
-            <a:r>
-              <a:rPr lang="en-US" sz="2000" dirty="0"/>
-              <a:t>;</a:t>
-            </a:r>
-          </a:p>
-          <a:p>
-            <a:endParaRPr lang="ru-RU" sz="2000" dirty="0"/>
-          </a:p>
-          <a:p>
-            <a:r>
-              <a:rPr lang="en-US" sz="2000" b="1" dirty="0" err="1"/>
-              <a:t>async</a:t>
+              <a:t>всегда завершается одним из двух состояний: </a:t>
+            </a:r>
+            <a:br>
+              <a:rPr lang="ru-RU" sz="2000" dirty="0"/>
+            </a:br>
+            <a:r>
+              <a:rPr lang="en-US" sz="2000" b="1" dirty="0"/>
+              <a:t>Fulfilled</a:t>
             </a:r>
             <a:r>
               <a:rPr lang="en-US" sz="2000" dirty="0"/>
@@ -8645,213 +8932,68 @@
             </a:r>
             <a:r>
               <a:rPr lang="ru-RU" sz="2000" dirty="0"/>
-              <a:t>отмечает функцию как асинхронную (результат такой функции оборачивается в </a:t>
+              <a:t>успешное завершение, либо </a:t>
             </a:r>
             <a:r>
               <a:rPr lang="en-US" sz="2000" b="1" dirty="0"/>
-              <a:t>Promise</a:t>
+              <a:t>Rejected</a:t>
+            </a:r>
+            <a:r>
+              <a:rPr lang="en-US" sz="2000" dirty="0"/>
+              <a:t> </a:t>
             </a:r>
             <a:r>
               <a:rPr lang="ru-RU" sz="2000" dirty="0"/>
-              <a:t>)</a:t>
-            </a:r>
-            <a:r>
-              <a:rPr lang="en-US" sz="2000" dirty="0"/>
-              <a:t>;</a:t>
-            </a:r>
-          </a:p>
-          <a:p>
-            <a:endParaRPr lang="en-US" sz="2000" dirty="0"/>
-          </a:p>
-          <a:p>
-            <a:r>
-              <a:rPr lang="en-US" sz="2000" b="1" dirty="0"/>
-              <a:t>await</a:t>
-            </a:r>
-            <a:r>
-              <a:rPr lang="en-US" sz="2000" dirty="0"/>
-              <a:t> – </a:t>
-            </a:r>
-            <a:r>
-              <a:rPr lang="ru-RU" sz="2000" dirty="0"/>
-              <a:t>при вызову асинхронных функций указывает, что не нужно ждать результата сейчас</a:t>
-            </a:r>
-          </a:p>
-        </p:txBody>
-      </p:sp>
-      <p:sp>
-        <p:nvSpPr>
-          <p:cNvPr id="8" name="TextBox 6"/>
-          <p:cNvSpPr txBox="1"/>
+              <a:t>– неудачное завершение.</a:t>
+            </a:r>
+          </a:p>
+        </p:txBody>
+      </p:sp>
+      <p:pic>
+        <p:nvPicPr>
+          <p:cNvPr id="7" name="Picture 2" descr="https://idiotwu.me/content/images/2015/03/promise-onFulfilled_onRejected.png"/>
+          <p:cNvPicPr>
+            <a:picLocks noChangeAspect="1" noChangeArrowheads="1"/>
+          </p:cNvPicPr>
           <p:nvPr/>
-        </p:nvSpPr>
-        <p:spPr>
-          <a:xfrm>
-            <a:off x="0" y="6021288"/>
-            <a:ext cx="12192000" cy="461665"/>
+        </p:nvPicPr>
+        <p:blipFill>
+          <a:blip r:embed="rId2">
+            <a:extLst>
+              <a:ext uri="{28A0092B-C50C-407E-A947-70E740481C1C}">
+                <a14:useLocalDpi xmlns:a14="http://schemas.microsoft.com/office/drawing/2010/main" val="0"/>
+              </a:ext>
+            </a:extLst>
+          </a:blip>
+          <a:srcRect/>
+          <a:stretch>
+            <a:fillRect/>
+          </a:stretch>
+        </p:blipFill>
+        <p:spPr bwMode="auto">
+          <a:xfrm>
+            <a:off x="2328943" y="980728"/>
+            <a:ext cx="7890030" cy="4239760"/>
           </a:xfrm>
           <a:prstGeom prst="rect">
             <a:avLst/>
           </a:prstGeom>
           <a:noFill/>
-        </p:spPr>
-        <p:txBody>
-          <a:bodyPr wrap="square" rtlCol="0">
-            <a:spAutoFit/>
-          </a:bodyPr>
-          <a:lstStyle>
-            <a:defPPr>
-              <a:defRPr lang="uk-UA"/>
-            </a:defPPr>
-            <a:lvl1pPr marL="0" algn="l" defTabSz="914400" rtl="0" eaLnBrk="1" latinLnBrk="0" hangingPunct="1">
-              <a:defRPr sz="1800" kern="1200">
-                <a:solidFill>
-                  <a:schemeClr val="tx1"/>
-                </a:solidFill>
-                <a:latin typeface="+mn-lt"/>
-                <a:ea typeface="+mn-ea"/>
-                <a:cs typeface="+mn-cs"/>
-              </a:defRPr>
-            </a:lvl1pPr>
-            <a:lvl2pPr marL="457200" algn="l" defTabSz="914400" rtl="0" eaLnBrk="1" latinLnBrk="0" hangingPunct="1">
-              <a:defRPr sz="1800" kern="1200">
-                <a:solidFill>
-                  <a:schemeClr val="tx1"/>
-                </a:solidFill>
-                <a:latin typeface="+mn-lt"/>
-                <a:ea typeface="+mn-ea"/>
-                <a:cs typeface="+mn-cs"/>
-              </a:defRPr>
-            </a:lvl2pPr>
-            <a:lvl3pPr marL="914400" algn="l" defTabSz="914400" rtl="0" eaLnBrk="1" latinLnBrk="0" hangingPunct="1">
-              <a:defRPr sz="1800" kern="1200">
-                <a:solidFill>
-                  <a:schemeClr val="tx1"/>
-                </a:solidFill>
-                <a:latin typeface="+mn-lt"/>
-                <a:ea typeface="+mn-ea"/>
-                <a:cs typeface="+mn-cs"/>
-              </a:defRPr>
-            </a:lvl3pPr>
-            <a:lvl4pPr marL="1371600" algn="l" defTabSz="914400" rtl="0" eaLnBrk="1" latinLnBrk="0" hangingPunct="1">
-              <a:defRPr sz="1800" kern="1200">
-                <a:solidFill>
-                  <a:schemeClr val="tx1"/>
-                </a:solidFill>
-                <a:latin typeface="+mn-lt"/>
-                <a:ea typeface="+mn-ea"/>
-                <a:cs typeface="+mn-cs"/>
-              </a:defRPr>
-            </a:lvl4pPr>
-            <a:lvl5pPr marL="1828800" algn="l" defTabSz="914400" rtl="0" eaLnBrk="1" latinLnBrk="0" hangingPunct="1">
-              <a:defRPr sz="1800" kern="1200">
-                <a:solidFill>
-                  <a:schemeClr val="tx1"/>
-                </a:solidFill>
-                <a:latin typeface="+mn-lt"/>
-                <a:ea typeface="+mn-ea"/>
-                <a:cs typeface="+mn-cs"/>
-              </a:defRPr>
-            </a:lvl5pPr>
-            <a:lvl6pPr marL="2286000" algn="l" defTabSz="914400" rtl="0" eaLnBrk="1" latinLnBrk="0" hangingPunct="1">
-              <a:defRPr sz="1800" kern="1200">
-                <a:solidFill>
-                  <a:schemeClr val="tx1"/>
-                </a:solidFill>
-                <a:latin typeface="+mn-lt"/>
-                <a:ea typeface="+mn-ea"/>
-                <a:cs typeface="+mn-cs"/>
-              </a:defRPr>
-            </a:lvl6pPr>
-            <a:lvl7pPr marL="2743200" algn="l" defTabSz="914400" rtl="0" eaLnBrk="1" latinLnBrk="0" hangingPunct="1">
-              <a:defRPr sz="1800" kern="1200">
-                <a:solidFill>
-                  <a:schemeClr val="tx1"/>
-                </a:solidFill>
-                <a:latin typeface="+mn-lt"/>
-                <a:ea typeface="+mn-ea"/>
-                <a:cs typeface="+mn-cs"/>
-              </a:defRPr>
-            </a:lvl7pPr>
-            <a:lvl8pPr marL="3200400" algn="l" defTabSz="914400" rtl="0" eaLnBrk="1" latinLnBrk="0" hangingPunct="1">
-              <a:defRPr sz="1800" kern="1200">
-                <a:solidFill>
-                  <a:schemeClr val="tx1"/>
-                </a:solidFill>
-                <a:latin typeface="+mn-lt"/>
-                <a:ea typeface="+mn-ea"/>
-                <a:cs typeface="+mn-cs"/>
-              </a:defRPr>
-            </a:lvl8pPr>
-            <a:lvl9pPr marL="3657600" algn="l" defTabSz="914400" rtl="0" eaLnBrk="1" latinLnBrk="0" hangingPunct="1">
-              <a:defRPr sz="1800" kern="1200">
-                <a:solidFill>
-                  <a:schemeClr val="tx1"/>
-                </a:solidFill>
-                <a:latin typeface="+mn-lt"/>
-                <a:ea typeface="+mn-ea"/>
-                <a:cs typeface="+mn-cs"/>
-              </a:defRPr>
-            </a:lvl9pPr>
-          </a:lstStyle>
-          <a:p>
-            <a:pPr algn="ctr"/>
-            <a:r>
-              <a:rPr lang="ru-RU" sz="2400" b="1" dirty="0"/>
-              <a:t>Подробнее:</a:t>
-            </a:r>
-            <a:r>
-              <a:rPr lang="en-US" sz="2400" b="1" dirty="0"/>
-              <a:t> </a:t>
-            </a:r>
-            <a:r>
-              <a:rPr lang="en-US" sz="2400" b="1" dirty="0">
-                <a:hlinkClick r:id="rId2"/>
-              </a:rPr>
-              <a:t>https://learn.javascript.ru/async-await</a:t>
-            </a:r>
-            <a:endParaRPr lang="ru-RU" sz="2400" b="1" dirty="0"/>
-          </a:p>
-        </p:txBody>
-      </p:sp>
-      <p:pic>
-        <p:nvPicPr>
-          <p:cNvPr id="2" name="Рисунок 1"/>
-          <p:cNvPicPr>
-            <a:picLocks noChangeAspect="1"/>
-          </p:cNvPicPr>
-          <p:nvPr/>
-        </p:nvPicPr>
-        <p:blipFill>
-          <a:blip r:embed="rId3"/>
-          <a:stretch>
-            <a:fillRect/>
-          </a:stretch>
-        </p:blipFill>
-        <p:spPr>
-          <a:xfrm>
-            <a:off x="551384" y="1628800"/>
-            <a:ext cx="6443352" cy="3542127"/>
-          </a:xfrm>
-          <a:prstGeom prst="rect">
-            <a:avLst/>
-          </a:prstGeom>
-          <a:ln>
-            <a:noFill/>
-          </a:ln>
-          <a:effectLst>
-            <a:outerShdw blurRad="292100" dist="139700" dir="2700000" algn="tl" rotWithShape="0">
-              <a:srgbClr val="333333">
-                <a:alpha val="65000"/>
-              </a:srgbClr>
-            </a:outerShdw>
-          </a:effectLst>
+          <a:extLst>
+            <a:ext uri="{909E8E84-426E-40DD-AFC4-6F175D3DCCD1}">
+              <a14:hiddenFill xmlns:a14="http://schemas.microsoft.com/office/drawing/2010/main">
+                <a:solidFill>
+                  <a:srgbClr val="FFFFFF"/>
+                </a:solidFill>
+              </a14:hiddenFill>
+            </a:ext>
+          </a:extLst>
         </p:spPr>
       </p:pic>
     </p:spTree>
     <p:extLst>
       <p:ext uri="{BB962C8B-B14F-4D97-AF65-F5344CB8AC3E}">
-        <p14:creationId xmlns:p14="http://schemas.microsoft.com/office/powerpoint/2010/main" val="1451308632"/>
+        <p14:creationId xmlns:p14="http://schemas.microsoft.com/office/powerpoint/2010/main" val="3004122313"/>
       </p:ext>
     </p:extLst>
   </p:cSld>
@@ -8920,55 +9062,38 @@
           <a:p>
             <a:pPr algn="ctr"/>
             <a:r>
-              <a:rPr lang="en-US" sz="7200" b="1" dirty="0"/>
-              <a:t>7. fetch() </a:t>
-            </a:r>
-            <a:endParaRPr lang="ru-RU" sz="7200" b="1" dirty="0"/>
-          </a:p>
-          <a:p>
-            <a:pPr algn="ctr"/>
-            <a:r>
-              <a:rPr lang="en-US" sz="4400" b="1" dirty="0">
-                <a:solidFill>
-                  <a:srgbClr val="FFFF00"/>
-                </a:solidFill>
-              </a:rPr>
-              <a:t>AJAX</a:t>
-            </a:r>
-            <a:r>
-              <a:rPr lang="en-US" sz="4400" b="1" dirty="0"/>
-              <a:t> </a:t>
-            </a:r>
-            <a:r>
-              <a:rPr lang="ru-RU" sz="4400" b="1" dirty="0"/>
-              <a:t>на </a:t>
-            </a:r>
-            <a:r>
-              <a:rPr lang="en-US" sz="4400" b="1" dirty="0">
+              <a:rPr lang="ru-RU" sz="8000" b="1" dirty="0"/>
+              <a:t>7. </a:t>
+            </a:r>
+            <a:r>
+              <a:rPr lang="en-US" sz="8000" b="1" dirty="0" err="1">
                 <a:solidFill>
                   <a:schemeClr val="accent6">
                     <a:lumMod val="75000"/>
                   </a:schemeClr>
                 </a:solidFill>
               </a:rPr>
-              <a:t>Promise</a:t>
-            </a:r>
-            <a:r>
-              <a:rPr lang="en-US" sz="4400" b="1" dirty="0"/>
-              <a:t>’</a:t>
-            </a:r>
-            <a:r>
-              <a:rPr lang="ru-RU" sz="4400" b="1" dirty="0"/>
-              <a:t>ах</a:t>
-            </a:r>
-            <a:endParaRPr lang="uk-UA" sz="4400" b="1" dirty="0"/>
+              <a:t>async</a:t>
+            </a:r>
+            <a:r>
+              <a:rPr lang="en-US" sz="8000" b="1" dirty="0"/>
+              <a:t>/</a:t>
+            </a:r>
+            <a:r>
+              <a:rPr lang="en-US" sz="8000" b="1" dirty="0">
+                <a:solidFill>
+                  <a:srgbClr val="00B0F0"/>
+                </a:solidFill>
+              </a:rPr>
+              <a:t>await</a:t>
+            </a:r>
           </a:p>
         </p:txBody>
       </p:sp>
     </p:spTree>
     <p:extLst>
       <p:ext uri="{BB962C8B-B14F-4D97-AF65-F5344CB8AC3E}">
-        <p14:creationId xmlns:p14="http://schemas.microsoft.com/office/powerpoint/2010/main" val="3316522765"/>
+        <p14:creationId xmlns:p14="http://schemas.microsoft.com/office/powerpoint/2010/main" val="3045335102"/>
       </p:ext>
     </p:extLst>
   </p:cSld>
@@ -8997,73 +9122,7 @@
       </p:grpSpPr>
       <p:sp>
         <p:nvSpPr>
-          <p:cNvPr id="3" name="Прямоугольник 2"/>
-          <p:cNvSpPr/>
-          <p:nvPr/>
-        </p:nvSpPr>
-        <p:spPr>
-          <a:xfrm>
-            <a:off x="7463729" y="3729405"/>
-            <a:ext cx="4465411" cy="2092881"/>
-          </a:xfrm>
-          <a:prstGeom prst="rect">
-            <a:avLst/>
-          </a:prstGeom>
-        </p:spPr>
-        <p:txBody>
-          <a:bodyPr wrap="square">
-            <a:spAutoFit/>
-          </a:bodyPr>
-          <a:lstStyle/>
-          <a:p>
-            <a:r>
-              <a:rPr lang="ru-RU" sz="2600" dirty="0"/>
-              <a:t>Идея заложенная в </a:t>
-            </a:r>
-            <a:r>
-              <a:rPr lang="en-US" sz="2600" b="1" dirty="0"/>
-              <a:t>AJAX</a:t>
-            </a:r>
-            <a:r>
-              <a:rPr lang="ru-RU" sz="2600" dirty="0"/>
-              <a:t> –  не перезагружая страницу, запросить (или передать) у сервера новые данные и использовать их в документе.</a:t>
-            </a:r>
-            <a:endParaRPr lang="uk-UA" sz="2600" dirty="0"/>
-          </a:p>
-        </p:txBody>
-      </p:sp>
-      <p:pic>
-        <p:nvPicPr>
-          <p:cNvPr id="13314" name="Picture 2" descr="http://gemsres.com/story/feb07/338111/fig1.jpg"/>
-          <p:cNvPicPr>
-            <a:picLocks noChangeAspect="1" noChangeArrowheads="1"/>
-          </p:cNvPicPr>
-          <p:nvPr/>
-        </p:nvPicPr>
-        <p:blipFill>
-          <a:blip r:embed="rId2" cstate="print"/>
-          <a:srcRect b="11991"/>
-          <a:stretch>
-            <a:fillRect/>
-          </a:stretch>
-        </p:blipFill>
-        <p:spPr bwMode="auto">
-          <a:xfrm>
-            <a:off x="1074195" y="1484784"/>
-            <a:ext cx="5600177" cy="4854726"/>
-          </a:xfrm>
-          <a:prstGeom prst="rect">
-            <a:avLst/>
-          </a:prstGeom>
-          <a:noFill/>
-          <a:ln w="28575">
-            <a:noFill/>
-          </a:ln>
-        </p:spPr>
-      </p:pic>
-      <p:sp>
-        <p:nvSpPr>
-          <p:cNvPr id="4" name="Номер слайда 36"/>
+          <p:cNvPr id="6" name="Номер слайда 36"/>
           <p:cNvSpPr txBox="1">
             <a:spLocks/>
           </p:cNvSpPr>
@@ -9071,7 +9130,7 @@
         </p:nvSpPr>
         <p:spPr>
           <a:xfrm>
-            <a:off x="11208568" y="6123486"/>
+            <a:off x="11208568" y="6165304"/>
             <a:ext cx="648072" cy="432048"/>
           </a:xfrm>
           <a:prstGeom prst="roundRect">
@@ -9103,101 +9162,7 @@
         </p:style>
         <p:txBody>
           <a:bodyPr vert="horz" lIns="91440" tIns="45720" rIns="91440" bIns="45720" rtlCol="0" anchor="ctr"/>
-          <a:lstStyle>
-            <a:defPPr>
-              <a:defRPr lang="uk-UA"/>
-            </a:defPPr>
-            <a:lvl1pPr marL="0" algn="l" defTabSz="914400" rtl="0" eaLnBrk="1" latinLnBrk="0" hangingPunct="1">
-              <a:defRPr sz="1800" kern="1200">
-                <a:solidFill>
-                  <a:schemeClr val="dk1"/>
-                </a:solidFill>
-                <a:latin typeface="+mn-lt"/>
-                <a:ea typeface="+mn-ea"/>
-                <a:cs typeface="+mn-cs"/>
-              </a:defRPr>
-            </a:lvl1pPr>
-            <a:lvl2pPr marL="457200" algn="l" defTabSz="914400" rtl="0" eaLnBrk="1" latinLnBrk="0" hangingPunct="1">
-              <a:defRPr sz="1800" kern="1200">
-                <a:solidFill>
-                  <a:schemeClr val="dk1"/>
-                </a:solidFill>
-                <a:latin typeface="+mn-lt"/>
-                <a:ea typeface="+mn-ea"/>
-                <a:cs typeface="+mn-cs"/>
-              </a:defRPr>
-            </a:lvl2pPr>
-            <a:lvl3pPr marL="914400" algn="l" defTabSz="914400" rtl="0" eaLnBrk="1" latinLnBrk="0" hangingPunct="1">
-              <a:defRPr sz="1800" kern="1200">
-                <a:solidFill>
-                  <a:schemeClr val="dk1"/>
-                </a:solidFill>
-                <a:latin typeface="+mn-lt"/>
-                <a:ea typeface="+mn-ea"/>
-                <a:cs typeface="+mn-cs"/>
-              </a:defRPr>
-            </a:lvl3pPr>
-            <a:lvl4pPr marL="1371600" algn="l" defTabSz="914400" rtl="0" eaLnBrk="1" latinLnBrk="0" hangingPunct="1">
-              <a:defRPr sz="1800" kern="1200">
-                <a:solidFill>
-                  <a:schemeClr val="dk1"/>
-                </a:solidFill>
-                <a:latin typeface="+mn-lt"/>
-                <a:ea typeface="+mn-ea"/>
-                <a:cs typeface="+mn-cs"/>
-              </a:defRPr>
-            </a:lvl4pPr>
-            <a:lvl5pPr marL="1828800" algn="l" defTabSz="914400" rtl="0" eaLnBrk="1" latinLnBrk="0" hangingPunct="1">
-              <a:defRPr sz="1800" kern="1200">
-                <a:solidFill>
-                  <a:schemeClr val="dk1"/>
-                </a:solidFill>
-                <a:latin typeface="+mn-lt"/>
-                <a:ea typeface="+mn-ea"/>
-                <a:cs typeface="+mn-cs"/>
-              </a:defRPr>
-            </a:lvl5pPr>
-            <a:lvl6pPr marL="2286000" algn="l" defTabSz="914400" rtl="0" eaLnBrk="1" latinLnBrk="0" hangingPunct="1">
-              <a:defRPr sz="1800" kern="1200">
-                <a:solidFill>
-                  <a:schemeClr val="dk1"/>
-                </a:solidFill>
-                <a:latin typeface="+mn-lt"/>
-                <a:ea typeface="+mn-ea"/>
-                <a:cs typeface="+mn-cs"/>
-              </a:defRPr>
-            </a:lvl6pPr>
-            <a:lvl7pPr marL="2743200" algn="l" defTabSz="914400" rtl="0" eaLnBrk="1" latinLnBrk="0" hangingPunct="1">
-              <a:defRPr sz="1800" kern="1200">
-                <a:solidFill>
-                  <a:schemeClr val="dk1"/>
-                </a:solidFill>
-                <a:latin typeface="+mn-lt"/>
-                <a:ea typeface="+mn-ea"/>
-                <a:cs typeface="+mn-cs"/>
-              </a:defRPr>
-            </a:lvl7pPr>
-            <a:lvl8pPr marL="3200400" algn="l" defTabSz="914400" rtl="0" eaLnBrk="1" latinLnBrk="0" hangingPunct="1">
-              <a:defRPr sz="1800" kern="1200">
-                <a:solidFill>
-                  <a:schemeClr val="dk1"/>
-                </a:solidFill>
-                <a:latin typeface="+mn-lt"/>
-                <a:ea typeface="+mn-ea"/>
-                <a:cs typeface="+mn-cs"/>
-              </a:defRPr>
-            </a:lvl8pPr>
-            <a:lvl9pPr marL="3657600" algn="l" defTabSz="914400" rtl="0" eaLnBrk="1" latinLnBrk="0" hangingPunct="1">
-              <a:defRPr sz="1800" kern="1200">
-                <a:solidFill>
-                  <a:schemeClr val="dk1"/>
-                </a:solidFill>
-                <a:latin typeface="+mn-lt"/>
-                <a:ea typeface="+mn-ea"/>
-                <a:cs typeface="+mn-cs"/>
-              </a:defRPr>
-            </a:lvl9pPr>
-          </a:lstStyle>
+          <a:lstStyle/>
           <a:p>
             <a:pPr algn="ctr">
               <a:defRPr/>
@@ -9225,40 +9190,63 @@
           </a:p>
         </p:txBody>
       </p:sp>
-      <p:pic>
-        <p:nvPicPr>
-          <p:cNvPr id="5" name="Picture 2" descr="http://pld.name/wp-content/uploads/2012/06/ajax.jpg"/>
-          <p:cNvPicPr>
-            <a:picLocks noChangeAspect="1" noChangeArrowheads="1"/>
-          </p:cNvPicPr>
+      <p:sp>
+        <p:nvSpPr>
+          <p:cNvPr id="4" name="TextBox 3"/>
+          <p:cNvSpPr txBox="1"/>
           <p:nvPr/>
-        </p:nvPicPr>
-        <p:blipFill rotWithShape="1">
-          <a:blip r:embed="rId3" cstate="print"/>
-          <a:srcRect l="10908" t="8007" r="9793" b="9609"/>
-          <a:stretch/>
-        </p:blipFill>
-        <p:spPr bwMode="auto">
-          <a:xfrm>
-            <a:off x="7464152" y="1415260"/>
-            <a:ext cx="4032448" cy="2085748"/>
+        </p:nvSpPr>
+        <p:spPr>
+          <a:xfrm>
+            <a:off x="0" y="323945"/>
+            <a:ext cx="12192000" cy="584775"/>
           </a:xfrm>
           <a:prstGeom prst="rect">
             <a:avLst/>
           </a:prstGeom>
           <a:noFill/>
         </p:spPr>
-      </p:pic>
-      <p:sp>
-        <p:nvSpPr>
-          <p:cNvPr id="6" name="TextBox 5"/>
+        <p:txBody>
+          <a:bodyPr wrap="square" rtlCol="0">
+            <a:spAutoFit/>
+          </a:bodyPr>
+          <a:lstStyle/>
+          <a:p>
+            <a:pPr algn="ctr"/>
+            <a:r>
+              <a:rPr lang="en-US" sz="3200" b="1" dirty="0" err="1"/>
+              <a:t>async</a:t>
+            </a:r>
+            <a:r>
+              <a:rPr lang="en-US" sz="3200" b="1" dirty="0"/>
+              <a:t>/await </a:t>
+            </a:r>
+            <a:r>
+              <a:rPr lang="ru-RU" sz="3200" b="1" dirty="0"/>
+              <a:t>– упрощение кода </a:t>
+            </a:r>
+            <a:r>
+              <a:rPr lang="en-US" sz="3200" b="1" dirty="0"/>
+              <a:t>Promise’</a:t>
+            </a:r>
+            <a:r>
+              <a:rPr lang="ru-RU" sz="3200" b="1" dirty="0" err="1"/>
+              <a:t>ов</a:t>
+            </a:r>
+            <a:endParaRPr lang="ru-RU" sz="3200" b="1" dirty="0"/>
+          </a:p>
+        </p:txBody>
+      </p:sp>
+      <p:sp>
+        <p:nvSpPr>
+          <p:cNvPr id="5" name="TextBox 4"/>
           <p:cNvSpPr txBox="1"/>
           <p:nvPr/>
         </p:nvSpPr>
         <p:spPr>
           <a:xfrm>
-            <a:off x="0" y="283295"/>
-            <a:ext cx="12192000" cy="769441"/>
+            <a:off x="7248128" y="1196752"/>
+            <a:ext cx="4608512" cy="4401205"/>
           </a:xfrm>
           <a:prstGeom prst="rect">
             <a:avLst/>
@@ -9271,100 +9259,260 @@
           </a:bodyPr>
           <a:lstStyle/>
           <a:p>
-            <a:pPr algn="ctr"/>
-            <a:r>
-              <a:rPr lang="en-US" sz="4400" b="1" dirty="0">
-                <a:solidFill>
-                  <a:srgbClr val="0070C0"/>
-                </a:solidFill>
-              </a:rPr>
-              <a:t>A</a:t>
-            </a:r>
-            <a:r>
-              <a:rPr lang="en-US" sz="4400" b="1" dirty="0"/>
-              <a:t>synchronous </a:t>
-            </a:r>
-            <a:r>
-              <a:rPr lang="en-US" sz="4400" b="1" dirty="0">
-                <a:solidFill>
-                  <a:srgbClr val="0070C0"/>
-                </a:solidFill>
-              </a:rPr>
-              <a:t>J</a:t>
-            </a:r>
-            <a:r>
-              <a:rPr lang="en-US" sz="4400" b="1" dirty="0"/>
-              <a:t>avaScript </a:t>
-            </a:r>
-            <a:r>
-              <a:rPr lang="en-US" sz="4400" b="1" dirty="0">
-                <a:solidFill>
-                  <a:srgbClr val="0070C0"/>
-                </a:solidFill>
-              </a:rPr>
-              <a:t>A</a:t>
-            </a:r>
-            <a:r>
-              <a:rPr lang="en-US" sz="4400" b="1" dirty="0"/>
-              <a:t>nd </a:t>
-            </a:r>
-            <a:r>
-              <a:rPr lang="en-US" sz="4400" b="1" dirty="0">
-                <a:solidFill>
-                  <a:srgbClr val="0070C0"/>
-                </a:solidFill>
-              </a:rPr>
-              <a:t>X</a:t>
-            </a:r>
-            <a:r>
-              <a:rPr lang="en-US" sz="4400" b="1" dirty="0"/>
-              <a:t>ML</a:t>
-            </a:r>
-            <a:endParaRPr lang="ru-RU" sz="4400" b="1" dirty="0"/>
-          </a:p>
-        </p:txBody>
-      </p:sp>
-      <p:cxnSp>
-        <p:nvCxnSpPr>
-          <p:cNvPr id="7" name="Прямая соединительная линия 6"/>
-          <p:cNvCxnSpPr/>
+            <a:r>
+              <a:rPr lang="en-US" sz="2000" b="1" dirty="0" err="1"/>
+              <a:t>async</a:t>
+            </a:r>
+            <a:r>
+              <a:rPr lang="en-US" sz="2000" b="1" dirty="0"/>
+              <a:t>/await </a:t>
+            </a:r>
+            <a:r>
+              <a:rPr lang="en-US" sz="2000" dirty="0"/>
+              <a:t>– </a:t>
+            </a:r>
+            <a:r>
+              <a:rPr lang="ru-RU" sz="2000" dirty="0"/>
+              <a:t>надстройка над </a:t>
+            </a:r>
+            <a:r>
+              <a:rPr lang="en-US" sz="2000" b="1" dirty="0"/>
+              <a:t>Promise</a:t>
+            </a:r>
+            <a:r>
+              <a:rPr lang="en-US" sz="2000" dirty="0"/>
+              <a:t> </a:t>
+            </a:r>
+            <a:r>
+              <a:rPr lang="ru-RU" sz="2000" dirty="0"/>
+              <a:t>позволяющая писать код в полностью привычном синхронном стиле, при этом откладывая ожидания завершения операций до тех пор пока её результат действительно понадобиться</a:t>
+            </a:r>
+            <a:r>
+              <a:rPr lang="en-US" sz="2000" dirty="0"/>
+              <a:t>;</a:t>
+            </a:r>
+          </a:p>
+          <a:p>
+            <a:endParaRPr lang="ru-RU" sz="2000" dirty="0"/>
+          </a:p>
+          <a:p>
+            <a:r>
+              <a:rPr lang="en-US" sz="2000" b="1" dirty="0" err="1"/>
+              <a:t>async</a:t>
+            </a:r>
+            <a:r>
+              <a:rPr lang="en-US" sz="2000" dirty="0"/>
+              <a:t> – </a:t>
+            </a:r>
+            <a:r>
+              <a:rPr lang="ru-RU" sz="2000" dirty="0"/>
+              <a:t>отмечает функцию как асинхронную (результат такой функции оборачивается в </a:t>
+            </a:r>
+            <a:r>
+              <a:rPr lang="en-US" sz="2000" b="1" dirty="0"/>
+              <a:t>Promise</a:t>
+            </a:r>
+            <a:r>
+              <a:rPr lang="ru-RU" sz="2000" dirty="0"/>
+              <a:t>)</a:t>
+            </a:r>
+            <a:r>
+              <a:rPr lang="en-US" sz="2000" dirty="0"/>
+              <a:t>;</a:t>
+            </a:r>
+          </a:p>
+          <a:p>
+            <a:endParaRPr lang="en-US" sz="2000" dirty="0"/>
+          </a:p>
+          <a:p>
+            <a:r>
+              <a:rPr lang="en-US" sz="2000" b="1" dirty="0"/>
+              <a:t>await</a:t>
+            </a:r>
+            <a:r>
+              <a:rPr lang="en-US" sz="2000" dirty="0"/>
+              <a:t> – </a:t>
+            </a:r>
+            <a:r>
+              <a:rPr lang="ru-RU" sz="2000" dirty="0"/>
+              <a:t>при вызову асинхронных функций указывает, что не нужно ждать результата сейчас</a:t>
+            </a:r>
+          </a:p>
+        </p:txBody>
+      </p:sp>
+      <p:sp>
+        <p:nvSpPr>
+          <p:cNvPr id="8" name="TextBox 6"/>
+          <p:cNvSpPr txBox="1"/>
           <p:nvPr/>
-        </p:nvCxnSpPr>
-        <p:spPr>
-          <a:xfrm>
-            <a:off x="7032104" y="1628800"/>
-            <a:ext cx="0" cy="4824536"/>
-          </a:xfrm>
-          <a:prstGeom prst="line">
+        </p:nvSpPr>
+        <p:spPr>
+          <a:xfrm>
+            <a:off x="0" y="6021288"/>
+            <a:ext cx="12192000" cy="461665"/>
+          </a:xfrm>
+          <a:prstGeom prst="rect">
             <a:avLst/>
           </a:prstGeom>
-          <a:ln w="19050">
-            <a:solidFill>
-              <a:schemeClr val="bg1">
-                <a:lumMod val="85000"/>
-              </a:schemeClr>
-            </a:solidFill>
+          <a:noFill/>
+        </p:spPr>
+        <p:txBody>
+          <a:bodyPr wrap="square" rtlCol="0">
+            <a:spAutoFit/>
+          </a:bodyPr>
+          <a:lstStyle>
+            <a:defPPr>
+              <a:defRPr lang="uk-UA"/>
+            </a:defPPr>
+            <a:lvl1pPr marL="0" algn="l" defTabSz="914400" rtl="0" eaLnBrk="1" latinLnBrk="0" hangingPunct="1">
+              <a:defRPr sz="1800" kern="1200">
+                <a:solidFill>
+                  <a:schemeClr val="tx1"/>
+                </a:solidFill>
+                <a:latin typeface="+mn-lt"/>
+                <a:ea typeface="+mn-ea"/>
+                <a:cs typeface="+mn-cs"/>
+              </a:defRPr>
+            </a:lvl1pPr>
+            <a:lvl2pPr marL="457200" algn="l" defTabSz="914400" rtl="0" eaLnBrk="1" latinLnBrk="0" hangingPunct="1">
+              <a:defRPr sz="1800" kern="1200">
+                <a:solidFill>
+                  <a:schemeClr val="tx1"/>
+                </a:solidFill>
+                <a:latin typeface="+mn-lt"/>
+                <a:ea typeface="+mn-ea"/>
+                <a:cs typeface="+mn-cs"/>
+              </a:defRPr>
+            </a:lvl2pPr>
+            <a:lvl3pPr marL="914400" algn="l" defTabSz="914400" rtl="0" eaLnBrk="1" latinLnBrk="0" hangingPunct="1">
+              <a:defRPr sz="1800" kern="1200">
+                <a:solidFill>
+                  <a:schemeClr val="tx1"/>
+                </a:solidFill>
+                <a:latin typeface="+mn-lt"/>
+                <a:ea typeface="+mn-ea"/>
+                <a:cs typeface="+mn-cs"/>
+              </a:defRPr>
+            </a:lvl3pPr>
+            <a:lvl4pPr marL="1371600" algn="l" defTabSz="914400" rtl="0" eaLnBrk="1" latinLnBrk="0" hangingPunct="1">
+              <a:defRPr sz="1800" kern="1200">
+                <a:solidFill>
+                  <a:schemeClr val="tx1"/>
+                </a:solidFill>
+                <a:latin typeface="+mn-lt"/>
+                <a:ea typeface="+mn-ea"/>
+                <a:cs typeface="+mn-cs"/>
+              </a:defRPr>
+            </a:lvl4pPr>
+            <a:lvl5pPr marL="1828800" algn="l" defTabSz="914400" rtl="0" eaLnBrk="1" latinLnBrk="0" hangingPunct="1">
+              <a:defRPr sz="1800" kern="1200">
+                <a:solidFill>
+                  <a:schemeClr val="tx1"/>
+                </a:solidFill>
+                <a:latin typeface="+mn-lt"/>
+                <a:ea typeface="+mn-ea"/>
+                <a:cs typeface="+mn-cs"/>
+              </a:defRPr>
+            </a:lvl5pPr>
+            <a:lvl6pPr marL="2286000" algn="l" defTabSz="914400" rtl="0" eaLnBrk="1" latinLnBrk="0" hangingPunct="1">
+              <a:defRPr sz="1800" kern="1200">
+                <a:solidFill>
+                  <a:schemeClr val="tx1"/>
+                </a:solidFill>
+                <a:latin typeface="+mn-lt"/>
+                <a:ea typeface="+mn-ea"/>
+                <a:cs typeface="+mn-cs"/>
+              </a:defRPr>
+            </a:lvl6pPr>
+            <a:lvl7pPr marL="2743200" algn="l" defTabSz="914400" rtl="0" eaLnBrk="1" latinLnBrk="0" hangingPunct="1">
+              <a:defRPr sz="1800" kern="1200">
+                <a:solidFill>
+                  <a:schemeClr val="tx1"/>
+                </a:solidFill>
+                <a:latin typeface="+mn-lt"/>
+                <a:ea typeface="+mn-ea"/>
+                <a:cs typeface="+mn-cs"/>
+              </a:defRPr>
+            </a:lvl7pPr>
+            <a:lvl8pPr marL="3200400" algn="l" defTabSz="914400" rtl="0" eaLnBrk="1" latinLnBrk="0" hangingPunct="1">
+              <a:defRPr sz="1800" kern="1200">
+                <a:solidFill>
+                  <a:schemeClr val="tx1"/>
+                </a:solidFill>
+                <a:latin typeface="+mn-lt"/>
+                <a:ea typeface="+mn-ea"/>
+                <a:cs typeface="+mn-cs"/>
+              </a:defRPr>
+            </a:lvl8pPr>
+            <a:lvl9pPr marL="3657600" algn="l" defTabSz="914400" rtl="0" eaLnBrk="1" latinLnBrk="0" hangingPunct="1">
+              <a:defRPr sz="1800" kern="1200">
+                <a:solidFill>
+                  <a:schemeClr val="tx1"/>
+                </a:solidFill>
+                <a:latin typeface="+mn-lt"/>
+                <a:ea typeface="+mn-ea"/>
+                <a:cs typeface="+mn-cs"/>
+              </a:defRPr>
+            </a:lvl9pPr>
+          </a:lstStyle>
+          <a:p>
+            <a:pPr algn="ctr"/>
+            <a:r>
+              <a:rPr lang="ru-RU" sz="2400" b="1" dirty="0"/>
+              <a:t>Подробнее:</a:t>
+            </a:r>
+            <a:r>
+              <a:rPr lang="en-US" sz="2400" b="1" dirty="0"/>
+              <a:t> </a:t>
+            </a:r>
+            <a:r>
+              <a:rPr lang="en-US" sz="2400" b="1" dirty="0">
+                <a:hlinkClick r:id="rId2"/>
+              </a:rPr>
+              <a:t>https://learn.javascript.ru/async-await</a:t>
+            </a:r>
+            <a:endParaRPr lang="ru-RU" sz="2400" b="1" dirty="0"/>
+          </a:p>
+        </p:txBody>
+      </p:sp>
+      <p:pic>
+        <p:nvPicPr>
+          <p:cNvPr id="2" name="Рисунок 1"/>
+          <p:cNvPicPr>
+            <a:picLocks noChangeAspect="1"/>
+          </p:cNvPicPr>
+          <p:nvPr/>
+        </p:nvPicPr>
+        <p:blipFill>
+          <a:blip r:embed="rId3"/>
+          <a:stretch>
+            <a:fillRect/>
+          </a:stretch>
+        </p:blipFill>
+        <p:spPr>
+          <a:xfrm>
+            <a:off x="551384" y="1628800"/>
+            <a:ext cx="6443352" cy="3542127"/>
+          </a:xfrm>
+          <a:prstGeom prst="rect">
+            <a:avLst/>
+          </a:prstGeom>
+          <a:ln>
+            <a:noFill/>
           </a:ln>
-        </p:spPr>
-        <p:style>
-          <a:lnRef idx="1">
-            <a:schemeClr val="accent1"/>
-          </a:lnRef>
-          <a:fillRef idx="0">
-            <a:schemeClr val="accent1"/>
-          </a:fillRef>
-          <a:effectRef idx="0">
-            <a:schemeClr val="accent1"/>
-          </a:effectRef>
-          <a:fontRef idx="minor">
-            <a:schemeClr val="tx1"/>
-          </a:fontRef>
-        </p:style>
-      </p:cxnSp>
+          <a:effectLst>
+            <a:outerShdw blurRad="292100" dist="139700" dir="2700000" algn="tl" rotWithShape="0">
+              <a:srgbClr val="333333">
+                <a:alpha val="65000"/>
+              </a:srgbClr>
+            </a:outerShdw>
+          </a:effectLst>
+        </p:spPr>
+      </p:pic>
     </p:spTree>
     <p:extLst>
       <p:ext uri="{BB962C8B-B14F-4D97-AF65-F5344CB8AC3E}">
-        <p14:creationId xmlns:p14="http://schemas.microsoft.com/office/powerpoint/2010/main" val="2255056638"/>
+        <p14:creationId xmlns:p14="http://schemas.microsoft.com/office/powerpoint/2010/main" val="1451308632"/>
       </p:ext>
     </p:extLst>
   </p:cSld>
@@ -11563,8 +11711,8 @@
         </p:nvSpPr>
         <p:spPr>
           <a:xfrm>
-            <a:off x="1127448" y="1772816"/>
-            <a:ext cx="10441160" cy="3970318"/>
+            <a:off x="1127448" y="2846546"/>
+            <a:ext cx="10441160" cy="1446550"/>
           </a:xfrm>
           <a:prstGeom prst="rect">
             <a:avLst/>
@@ -11577,121 +11725,40 @@
           </a:bodyPr>
           <a:lstStyle/>
           <a:p>
-            <a:pPr marL="514350" indent="-514350">
-              <a:buAutoNum type="arabicPeriod"/>
-            </a:pPr>
-            <a:r>
-              <a:rPr lang="ru-RU" sz="3600" b="1" dirty="0"/>
-              <a:t> </a:t>
-            </a:r>
-            <a:r>
-              <a:rPr lang="ru-RU" sz="3600" b="1" dirty="0">
-                <a:solidFill>
-                  <a:srgbClr val="0070C0"/>
-                </a:solidFill>
-              </a:rPr>
-              <a:t>Объекты</a:t>
-            </a:r>
-            <a:r>
-              <a:rPr lang="ru-RU" sz="3600" b="1" dirty="0"/>
-              <a:t>, ключевое слово </a:t>
-            </a:r>
-            <a:r>
-              <a:rPr lang="en-US" sz="3600" b="1" dirty="0">
+            <a:pPr algn="ctr"/>
+            <a:r>
+              <a:rPr lang="ru-RU" sz="4400" b="1" dirty="0"/>
+              <a:t>Принципы и подходы </a:t>
+            </a:r>
+            <a:r>
+              <a:rPr lang="ru-RU" sz="4400" b="1" dirty="0">
                 <a:solidFill>
                   <a:schemeClr val="accent6">
                     <a:lumMod val="75000"/>
                   </a:schemeClr>
                 </a:solidFill>
               </a:rPr>
-              <a:t>this</a:t>
-            </a:r>
-            <a:r>
-              <a:rPr lang="ru-RU" sz="3600" b="1" dirty="0"/>
-              <a:t>, </a:t>
-            </a:r>
-            <a:r>
-              <a:rPr lang="ru-RU" sz="3600" b="1" dirty="0" err="1"/>
-              <a:t>прицнипы</a:t>
-            </a:r>
-            <a:r>
-              <a:rPr lang="ru-RU" sz="3600" b="1" dirty="0"/>
-              <a:t> ООП;</a:t>
-            </a:r>
-            <a:br>
-              <a:rPr lang="en-US" sz="3600" b="1" dirty="0"/>
-            </a:br>
-            <a:endParaRPr lang="ru-RU" sz="3600" b="1" dirty="0"/>
-          </a:p>
-          <a:p>
-            <a:pPr marL="514350" indent="-514350">
-              <a:buAutoNum type="arabicPeriod"/>
-            </a:pPr>
-            <a:r>
-              <a:rPr lang="ru-RU" sz="3600" b="1" dirty="0"/>
-              <a:t> Функция</a:t>
-            </a:r>
-            <a:r>
-              <a:rPr lang="en-US" sz="3600" b="1" dirty="0"/>
-              <a:t>-</a:t>
-            </a:r>
-            <a:r>
-              <a:rPr lang="ru-RU" sz="3600" b="1" dirty="0">
+              <a:t>ООП</a:t>
+            </a:r>
+            <a:r>
+              <a:rPr lang="ru-RU" sz="4400" b="1" dirty="0"/>
+              <a:t> в </a:t>
+            </a:r>
+            <a:r>
+              <a:rPr lang="en-US" sz="4400" b="1" dirty="0">
                 <a:solidFill>
                   <a:srgbClr val="00B050"/>
                 </a:solidFill>
               </a:rPr>
-              <a:t>конструктор</a:t>
-            </a:r>
-            <a:r>
-              <a:rPr lang="ru-RU" sz="3600" b="1" dirty="0"/>
-              <a:t> объектов</a:t>
-            </a:r>
-            <a:r>
-              <a:rPr lang="en-US" sz="3600" b="1" dirty="0"/>
-              <a:t>;</a:t>
-            </a:r>
-            <a:br>
-              <a:rPr lang="en-US" sz="3600" b="1" dirty="0"/>
-            </a:br>
-            <a:endParaRPr lang="en-US" sz="3600" b="1" dirty="0"/>
-          </a:p>
-          <a:p>
-            <a:pPr marL="514350" indent="-514350">
-              <a:buAutoNum type="arabicPeriod"/>
-            </a:pPr>
-            <a:r>
-              <a:rPr lang="ru-RU" sz="3600" b="1" dirty="0"/>
+              <a:t>JavaScript</a:t>
+            </a:r>
+            <a:r>
+              <a:rPr lang="en-US" sz="4400" b="1" dirty="0"/>
               <a:t> </a:t>
             </a:r>
             <a:r>
-              <a:rPr lang="ru-RU" sz="3600" b="1" dirty="0">
-                <a:solidFill>
-                  <a:srgbClr val="7030A0"/>
-                </a:solidFill>
-              </a:rPr>
-              <a:t>Классы</a:t>
-            </a:r>
-            <a:r>
-              <a:rPr lang="ru-RU" sz="3600" b="1" dirty="0"/>
-              <a:t> в </a:t>
-            </a:r>
-            <a:r>
-              <a:rPr lang="en-US" sz="3600" b="1" dirty="0"/>
-              <a:t>JavaScript</a:t>
-            </a:r>
-            <a:r>
-              <a:rPr lang="ru-RU" sz="3600" b="1" dirty="0"/>
-              <a:t>;</a:t>
-            </a:r>
-          </a:p>
-          <a:p>
-            <a:br>
-              <a:rPr lang="ru-RU" sz="3600" b="1" dirty="0"/>
-            </a:br>
-            <a:r>
-              <a:rPr lang="ru-RU" sz="3600" b="1" dirty="0"/>
-              <a:t>…</a:t>
+              <a:rPr lang="ru-RU" sz="4400" b="1" dirty="0"/>
+              <a:t>и всё, что с этим связано…</a:t>
             </a:r>
           </a:p>
         </p:txBody>
@@ -11976,8 +12043,8 @@
         </p:nvSpPr>
         <p:spPr>
           <a:xfrm>
-            <a:off x="5735960" y="1052736"/>
-            <a:ext cx="5991414" cy="5632311"/>
+            <a:off x="5591943" y="1148546"/>
+            <a:ext cx="6264697" cy="5016758"/>
           </a:xfrm>
           <a:prstGeom prst="rect">
             <a:avLst/>
@@ -11995,7 +12062,11 @@
             </a:r>
             <a:r>
               <a:rPr lang="ru-RU" sz="2000" b="1" dirty="0"/>
-              <a:t>фонетический алфавит ИКАО</a:t>
+              <a:t>фонетический алфавит </a:t>
+            </a:r>
+            <a:r>
+              <a:rPr lang="en-US" sz="2000" b="1" dirty="0"/>
+              <a:t>ICAO</a:t>
             </a:r>
             <a:r>
               <a:rPr lang="ru-RU" sz="2000" dirty="0"/>
@@ -12056,7 +12127,67 @@
             </a:r>
             <a:r>
               <a:rPr lang="ru-RU" sz="2000" dirty="0"/>
-              <a:t>а скрипт выдает «расшифровку» в соответствии с алфавитом (</a:t>
+              <a:t>а скрипт выдает «расшифровку» в </a:t>
+            </a:r>
+            <a:r>
+              <a:rPr lang="ru-RU" sz="2000" b="1" dirty="0">
+                <a:solidFill>
+                  <a:srgbClr val="C00000"/>
+                </a:solidFill>
+              </a:rPr>
+              <a:t>соответствии</a:t>
+            </a:r>
+            <a:r>
+              <a:rPr lang="ru-RU" sz="2000" dirty="0">
+                <a:solidFill>
+                  <a:srgbClr val="C00000"/>
+                </a:solidFill>
+              </a:rPr>
+              <a:t> </a:t>
+            </a:r>
+            <a:r>
+              <a:rPr lang="ru-RU" sz="2000" b="1" dirty="0">
+                <a:solidFill>
+                  <a:srgbClr val="C00000"/>
+                </a:solidFill>
+              </a:rPr>
+              <a:t>с</a:t>
+            </a:r>
+            <a:r>
+              <a:rPr lang="ru-RU" sz="2000" dirty="0">
+                <a:solidFill>
+                  <a:srgbClr val="C00000"/>
+                </a:solidFill>
+              </a:rPr>
+              <a:t> </a:t>
+            </a:r>
+            <a:r>
+              <a:rPr lang="ru-RU" sz="2000" b="1" dirty="0">
+                <a:solidFill>
+                  <a:srgbClr val="C00000"/>
+                </a:solidFill>
+              </a:rPr>
+              <a:t>алфавитом</a:t>
+            </a:r>
+            <a:r>
+              <a:rPr lang="en-US" sz="2000" b="1" dirty="0">
+                <a:solidFill>
+                  <a:srgbClr val="C00000"/>
+                </a:solidFill>
+              </a:rPr>
+              <a:t> ICAO</a:t>
+            </a:r>
+            <a:r>
+              <a:rPr lang="ru-RU" sz="2000" dirty="0">
+                <a:solidFill>
+                  <a:srgbClr val="C00000"/>
+                </a:solidFill>
+              </a:rPr>
+              <a:t> </a:t>
+            </a:r>
+            <a:r>
+              <a:rPr lang="ru-RU" sz="2000" dirty="0"/>
+              <a:t>(</a:t>
             </a:r>
             <a:r>
               <a:rPr lang="ru-RU" sz="2000" b="1" dirty="0"/>

--- a/lesson02.pptx
+++ b/lesson02.pptx
@@ -176,7 +176,7 @@
 <file path=ppt/revisionInfo.xml><?xml version="1.0" encoding="utf-8"?>
 <p1510:revInfo xmlns:a="http://schemas.openxmlformats.org/drawingml/2006/main" xmlns:r="http://schemas.openxmlformats.org/officeDocument/2006/relationships" xmlns:p1510="http://schemas.microsoft.com/office/powerpoint/2015/10/main">
   <p1510:revLst>
-    <p1510:client id="{5D4BC7C1-CA78-4C28-82CF-BB9F4FD86EC6}" v="3" dt="2022-01-18T07:35:24.866"/>
+    <p1510:client id="{5D4BC7C1-CA78-4C28-82CF-BB9F4FD86EC6}" v="5" dt="2022-01-19T17:39:15.792"/>
   </p1510:revLst>
 </p1510:revInfo>
 </file>
@@ -1276,7 +1276,7 @@
   <pc:docChgLst>
     <pc:chgData name="Anatoliy Kigel" userId="7432c6c4687b0a9c" providerId="LiveId" clId="{5D4BC7C1-CA78-4C28-82CF-BB9F4FD86EC6}"/>
     <pc:docChg chg="undo custSel addSld delSld modSld">
-      <pc:chgData name="Anatoliy Kigel" userId="7432c6c4687b0a9c" providerId="LiveId" clId="{5D4BC7C1-CA78-4C28-82CF-BB9F4FD86EC6}" dt="2022-01-18T07:39:22.951" v="246" actId="47"/>
+      <pc:chgData name="Anatoliy Kigel" userId="7432c6c4687b0a9c" providerId="LiveId" clId="{5D4BC7C1-CA78-4C28-82CF-BB9F4FD86EC6}" dt="2022-01-19T17:39:35.039" v="341" actId="1035"/>
       <pc:docMkLst>
         <pc:docMk/>
       </pc:docMkLst>
@@ -1339,12 +1339,36 @@
           <pc:sldMk cId="3316522765" sldId="412"/>
         </pc:sldMkLst>
       </pc:sldChg>
-      <pc:sldChg chg="add">
-        <pc:chgData name="Anatoliy Kigel" userId="7432c6c4687b0a9c" providerId="LiveId" clId="{5D4BC7C1-CA78-4C28-82CF-BB9F4FD86EC6}" dt="2022-01-18T07:31:58.649" v="86"/>
+      <pc:sldChg chg="delSp modSp add mod">
+        <pc:chgData name="Anatoliy Kigel" userId="7432c6c4687b0a9c" providerId="LiveId" clId="{5D4BC7C1-CA78-4C28-82CF-BB9F4FD86EC6}" dt="2022-01-19T17:37:33.742" v="262" actId="1036"/>
         <pc:sldMkLst>
           <pc:docMk/>
           <pc:sldMk cId="3227964026" sldId="429"/>
         </pc:sldMkLst>
+        <pc:spChg chg="mod">
+          <ac:chgData name="Anatoliy Kigel" userId="7432c6c4687b0a9c" providerId="LiveId" clId="{5D4BC7C1-CA78-4C28-82CF-BB9F4FD86EC6}" dt="2022-01-19T17:37:31.807" v="256" actId="1036"/>
+          <ac:spMkLst>
+            <pc:docMk/>
+            <pc:sldMk cId="3227964026" sldId="429"/>
+            <ac:spMk id="2" creationId="{00000000-0000-0000-0000-000000000000}"/>
+          </ac:spMkLst>
+        </pc:spChg>
+        <pc:spChg chg="del">
+          <ac:chgData name="Anatoliy Kigel" userId="7432c6c4687b0a9c" providerId="LiveId" clId="{5D4BC7C1-CA78-4C28-82CF-BB9F4FD86EC6}" dt="2022-01-19T17:37:29.767" v="247" actId="478"/>
+          <ac:spMkLst>
+            <pc:docMk/>
+            <pc:sldMk cId="3227964026" sldId="429"/>
+            <ac:spMk id="15" creationId="{00000000-0000-0000-0000-000000000000}"/>
+          </ac:spMkLst>
+        </pc:spChg>
+        <pc:spChg chg="mod">
+          <ac:chgData name="Anatoliy Kigel" userId="7432c6c4687b0a9c" providerId="LiveId" clId="{5D4BC7C1-CA78-4C28-82CF-BB9F4FD86EC6}" dt="2022-01-19T17:37:33.742" v="262" actId="1036"/>
+          <ac:spMkLst>
+            <pc:docMk/>
+            <pc:sldMk cId="3227964026" sldId="429"/>
+            <ac:spMk id="16" creationId="{00000000-0000-0000-0000-000000000000}"/>
+          </ac:spMkLst>
+        </pc:spChg>
       </pc:sldChg>
       <pc:sldChg chg="del">
         <pc:chgData name="Anatoliy Kigel" userId="7432c6c4687b0a9c" providerId="LiveId" clId="{5D4BC7C1-CA78-4C28-82CF-BB9F4FD86EC6}" dt="2022-01-18T07:31:45.873" v="83" actId="2696"/>
@@ -1352,6 +1376,21 @@
           <pc:docMk/>
           <pc:sldMk cId="4127325237" sldId="429"/>
         </pc:sldMkLst>
+      </pc:sldChg>
+      <pc:sldChg chg="modSp mod">
+        <pc:chgData name="Anatoliy Kigel" userId="7432c6c4687b0a9c" providerId="LiveId" clId="{5D4BC7C1-CA78-4C28-82CF-BB9F4FD86EC6}" dt="2022-01-19T17:39:35.039" v="341" actId="1035"/>
+        <pc:sldMkLst>
+          <pc:docMk/>
+          <pc:sldMk cId="1072141460" sldId="434"/>
+        </pc:sldMkLst>
+        <pc:spChg chg="mod">
+          <ac:chgData name="Anatoliy Kigel" userId="7432c6c4687b0a9c" providerId="LiveId" clId="{5D4BC7C1-CA78-4C28-82CF-BB9F4FD86EC6}" dt="2022-01-19T17:39:35.039" v="341" actId="1035"/>
+          <ac:spMkLst>
+            <pc:docMk/>
+            <pc:sldMk cId="1072141460" sldId="434"/>
+            <ac:spMk id="3" creationId="{F253B2DA-6B2A-4BE0-BA3F-92AEE9284C05}"/>
+          </ac:spMkLst>
+        </pc:spChg>
       </pc:sldChg>
       <pc:sldChg chg="del">
         <pc:chgData name="Anatoliy Kigel" userId="7432c6c4687b0a9c" providerId="LiveId" clId="{5D4BC7C1-CA78-4C28-82CF-BB9F4FD86EC6}" dt="2022-01-17T09:04:13.366" v="57" actId="47"/>
@@ -1435,12 +1474,28 @@
           </ac:spMkLst>
         </pc:spChg>
       </pc:sldChg>
-      <pc:sldChg chg="add">
-        <pc:chgData name="Anatoliy Kigel" userId="7432c6c4687b0a9c" providerId="LiveId" clId="{5D4BC7C1-CA78-4C28-82CF-BB9F4FD86EC6}" dt="2022-01-18T07:34:40.142" v="194"/>
+      <pc:sldChg chg="modSp add mod">
+        <pc:chgData name="Anatoliy Kigel" userId="7432c6c4687b0a9c" providerId="LiveId" clId="{5D4BC7C1-CA78-4C28-82CF-BB9F4FD86EC6}" dt="2022-01-19T17:38:35.694" v="333" actId="1036"/>
         <pc:sldMkLst>
           <pc:docMk/>
           <pc:sldMk cId="755735449" sldId="583"/>
         </pc:sldMkLst>
+        <pc:spChg chg="mod">
+          <ac:chgData name="Anatoliy Kigel" userId="7432c6c4687b0a9c" providerId="LiveId" clId="{5D4BC7C1-CA78-4C28-82CF-BB9F4FD86EC6}" dt="2022-01-19T17:38:35.694" v="333" actId="1036"/>
+          <ac:spMkLst>
+            <pc:docMk/>
+            <pc:sldMk cId="755735449" sldId="583"/>
+            <ac:spMk id="3" creationId="{00000000-0000-0000-0000-000000000000}"/>
+          </ac:spMkLst>
+        </pc:spChg>
+        <pc:picChg chg="mod">
+          <ac:chgData name="Anatoliy Kigel" userId="7432c6c4687b0a9c" providerId="LiveId" clId="{5D4BC7C1-CA78-4C28-82CF-BB9F4FD86EC6}" dt="2022-01-19T17:38:33.077" v="327" actId="1035"/>
+          <ac:picMkLst>
+            <pc:docMk/>
+            <pc:sldMk cId="755735449" sldId="583"/>
+            <ac:picMk id="5" creationId="{00000000-0000-0000-0000-000000000000}"/>
+          </ac:picMkLst>
+        </pc:picChg>
       </pc:sldChg>
       <pc:sldChg chg="del">
         <pc:chgData name="Anatoliy Kigel" userId="7432c6c4687b0a9c" providerId="LiveId" clId="{5D4BC7C1-CA78-4C28-82CF-BB9F4FD86EC6}" dt="2022-01-18T07:34:36.614" v="193" actId="2696"/>
@@ -1450,7 +1505,7 @@
         </pc:sldMkLst>
       </pc:sldChg>
       <pc:sldChg chg="modSp mod">
-        <pc:chgData name="Anatoliy Kigel" userId="7432c6c4687b0a9c" providerId="LiveId" clId="{5D4BC7C1-CA78-4C28-82CF-BB9F4FD86EC6}" dt="2022-01-18T07:38:18.020" v="245" actId="1036"/>
+        <pc:chgData name="Anatoliy Kigel" userId="7432c6c4687b0a9c" providerId="LiveId" clId="{5D4BC7C1-CA78-4C28-82CF-BB9F4FD86EC6}" dt="2022-01-19T17:39:15.792" v="335" actId="1076"/>
         <pc:sldMkLst>
           <pc:docMk/>
           <pc:sldMk cId="452571319" sldId="584"/>
@@ -1463,6 +1518,14 @@
             <ac:spMk id="7" creationId="{00000000-0000-0000-0000-000000000000}"/>
           </ac:spMkLst>
         </pc:spChg>
+        <pc:picChg chg="mod">
+          <ac:chgData name="Anatoliy Kigel" userId="7432c6c4687b0a9c" providerId="LiveId" clId="{5D4BC7C1-CA78-4C28-82CF-BB9F4FD86EC6}" dt="2022-01-19T17:39:15.792" v="335" actId="1076"/>
+          <ac:picMkLst>
+            <pc:docMk/>
+            <pc:sldMk cId="452571319" sldId="584"/>
+            <ac:picMk id="4" creationId="{00000000-0000-0000-0000-000000000000}"/>
+          </ac:picMkLst>
+        </pc:picChg>
       </pc:sldChg>
       <pc:sldChg chg="add del">
         <pc:chgData name="Anatoliy Kigel" userId="7432c6c4687b0a9c" providerId="LiveId" clId="{5D4BC7C1-CA78-4C28-82CF-BB9F4FD86EC6}" dt="2022-01-18T07:39:22.951" v="246" actId="47"/>
@@ -1566,7 +1629,7 @@
             <a:fld id="{85522811-C5C6-42D2-A409-F8556720C93F}" type="datetimeFigureOut">
               <a:rPr lang="uk-UA" smtClean="0"/>
               <a:pPr/>
-              <a:t>18.01.2022</a:t>
+              <a:t>19.01.2022</a:t>
             </a:fld>
             <a:endParaRPr lang="uk-UA"/>
           </a:p>
@@ -2106,7 +2169,7 @@
             <a:fld id="{E6FC6B0D-6115-4D7C-8040-9C8E2349BB6E}" type="datetime1">
               <a:rPr lang="uk-UA" smtClean="0"/>
               <a:pPr/>
-              <a:t>18.01.2022</a:t>
+              <a:t>19.01.2022</a:t>
             </a:fld>
             <a:endParaRPr lang="uk-UA"/>
           </a:p>
@@ -2273,7 +2336,7 @@
             <a:fld id="{996367BA-0A39-4DE2-BFC3-D5290044365E}" type="datetime1">
               <a:rPr lang="uk-UA" smtClean="0"/>
               <a:pPr/>
-              <a:t>18.01.2022</a:t>
+              <a:t>19.01.2022</a:t>
             </a:fld>
             <a:endParaRPr lang="uk-UA"/>
           </a:p>
@@ -2450,7 +2513,7 @@
             <a:fld id="{1BD6A67F-6C29-47DC-AF8A-FDB3C787DF70}" type="datetime1">
               <a:rPr lang="uk-UA" smtClean="0"/>
               <a:pPr/>
-              <a:t>18.01.2022</a:t>
+              <a:t>19.01.2022</a:t>
             </a:fld>
             <a:endParaRPr lang="uk-UA"/>
           </a:p>
@@ -2617,7 +2680,7 @@
             <a:fld id="{1657D9C5-7FF1-434F-B56E-9BAD559744E9}" type="datetime1">
               <a:rPr lang="uk-UA" smtClean="0"/>
               <a:pPr/>
-              <a:t>18.01.2022</a:t>
+              <a:t>19.01.2022</a:t>
             </a:fld>
             <a:endParaRPr lang="uk-UA"/>
           </a:p>
@@ -2860,7 +2923,7 @@
             <a:fld id="{2CEB0FC9-DE63-476B-A1A9-BE934D9049F8}" type="datetime1">
               <a:rPr lang="uk-UA" smtClean="0"/>
               <a:pPr/>
-              <a:t>18.01.2022</a:t>
+              <a:t>19.01.2022</a:t>
             </a:fld>
             <a:endParaRPr lang="uk-UA"/>
           </a:p>
@@ -3145,7 +3208,7 @@
             <a:fld id="{F964460F-86E2-4DF6-9D0F-12F5005CF375}" type="datetime1">
               <a:rPr lang="uk-UA" smtClean="0"/>
               <a:pPr/>
-              <a:t>18.01.2022</a:t>
+              <a:t>19.01.2022</a:t>
             </a:fld>
             <a:endParaRPr lang="uk-UA"/>
           </a:p>
@@ -3564,7 +3627,7 @@
             <a:fld id="{C521715E-DDCD-4267-B0A5-2918B6F6768A}" type="datetime1">
               <a:rPr lang="uk-UA" smtClean="0"/>
               <a:pPr/>
-              <a:t>18.01.2022</a:t>
+              <a:t>19.01.2022</a:t>
             </a:fld>
             <a:endParaRPr lang="uk-UA"/>
           </a:p>
@@ -3679,7 +3742,7 @@
             <a:fld id="{9289842C-EB2D-4EBB-A272-2F6A49D9794D}" type="datetime1">
               <a:rPr lang="uk-UA" smtClean="0"/>
               <a:pPr/>
-              <a:t>18.01.2022</a:t>
+              <a:t>19.01.2022</a:t>
             </a:fld>
             <a:endParaRPr lang="uk-UA"/>
           </a:p>
@@ -3771,7 +3834,7 @@
             <a:fld id="{D036F091-B700-4B52-99AC-85D0FD94D904}" type="datetime1">
               <a:rPr lang="uk-UA" smtClean="0"/>
               <a:pPr/>
-              <a:t>18.01.2022</a:t>
+              <a:t>19.01.2022</a:t>
             </a:fld>
             <a:endParaRPr lang="uk-UA"/>
           </a:p>
@@ -4045,7 +4108,7 @@
             <a:fld id="{B35DFABA-3811-4634-B803-2EAC4CD0063B}" type="datetime1">
               <a:rPr lang="uk-UA" smtClean="0"/>
               <a:pPr/>
-              <a:t>18.01.2022</a:t>
+              <a:t>19.01.2022</a:t>
             </a:fld>
             <a:endParaRPr lang="uk-UA"/>
           </a:p>
@@ -4295,7 +4358,7 @@
             <a:fld id="{8A9EA25E-F88E-463A-A119-D1E55A881002}" type="datetime1">
               <a:rPr lang="uk-UA" smtClean="0"/>
               <a:pPr/>
-              <a:t>18.01.2022</a:t>
+              <a:t>19.01.2022</a:t>
             </a:fld>
             <a:endParaRPr lang="uk-UA"/>
           </a:p>
@@ -4505,7 +4568,7 @@
             <a:fld id="{E708ED03-0080-49A2-B709-7DA4ACB3A1C3}" type="datetime1">
               <a:rPr lang="uk-UA" smtClean="0"/>
               <a:pPr/>
-              <a:t>18.01.2022</a:t>
+              <a:t>19.01.2022</a:t>
             </a:fld>
             <a:endParaRPr lang="uk-UA"/>
           </a:p>
@@ -7122,52 +7185,6 @@
       </p:sp>
       <p:sp>
         <p:nvSpPr>
-          <p:cNvPr id="15" name="TextBox 14"/>
-          <p:cNvSpPr txBox="1"/>
-          <p:nvPr/>
-        </p:nvSpPr>
-        <p:spPr>
-          <a:xfrm>
-            <a:off x="7667308" y="5313982"/>
-            <a:ext cx="3973308" cy="923330"/>
-          </a:xfrm>
-          <a:prstGeom prst="rect">
-            <a:avLst/>
-          </a:prstGeom>
-          <a:noFill/>
-        </p:spPr>
-        <p:txBody>
-          <a:bodyPr wrap="square" rtlCol="0">
-            <a:spAutoFit/>
-          </a:bodyPr>
-          <a:lstStyle/>
-          <a:p>
-            <a:r>
-              <a:rPr lang="ru-RU" b="1" dirty="0"/>
-              <a:t>Подробнее:</a:t>
-            </a:r>
-            <a:r>
-              <a:rPr lang="en-US" b="1" dirty="0"/>
-              <a:t> </a:t>
-            </a:r>
-            <a:r>
-              <a:rPr lang="en-US" b="1" dirty="0">
-                <a:hlinkClick r:id="rId2"/>
-              </a:rPr>
-              <a:t>https://youtu.be/j4_9BZezSUA</a:t>
-            </a:r>
-            <a:endParaRPr lang="ru-RU" b="1" dirty="0"/>
-          </a:p>
-          <a:p>
-            <a:r>
-              <a:rPr lang="ru-RU" i="1" dirty="0"/>
-              <a:t>Тут докладчик еще более странный…</a:t>
-            </a:r>
-          </a:p>
-        </p:txBody>
-      </p:sp>
-      <p:sp>
-        <p:nvSpPr>
           <p:cNvPr id="16" name="Заголовок 6"/>
           <p:cNvSpPr>
             <a:spLocks noGrp="1"/>
@@ -7178,7 +7195,7 @@
         </p:nvSpPr>
         <p:spPr>
           <a:xfrm>
-            <a:off x="7321870" y="404664"/>
+            <a:off x="7321870" y="836712"/>
             <a:ext cx="4870130" cy="720080"/>
           </a:xfrm>
         </p:spPr>
@@ -7208,7 +7225,7 @@
         </p:nvSpPr>
         <p:spPr>
           <a:xfrm>
-            <a:off x="7661628" y="1452840"/>
+            <a:off x="7661628" y="2100912"/>
             <a:ext cx="4267020" cy="3416320"/>
           </a:xfrm>
           <a:prstGeom prst="rect">
@@ -7295,7 +7312,7 @@
           <p:nvPr/>
         </p:nvPicPr>
         <p:blipFill>
-          <a:blip r:embed="rId3">
+          <a:blip r:embed="rId2">
             <a:extLst>
               <a:ext uri="{28A0092B-C50C-407E-A947-70E740481C1C}">
                 <a14:useLocalDpi xmlns:a14="http://schemas.microsoft.com/office/drawing/2010/main" val="0"/>
@@ -7489,8 +7506,8 @@
         </p:nvSpPr>
         <p:spPr>
           <a:xfrm>
-            <a:off x="7463729" y="3729405"/>
-            <a:ext cx="4465411" cy="2092881"/>
+            <a:off x="7463729" y="3487648"/>
+            <a:ext cx="4465411" cy="2677656"/>
           </a:xfrm>
           <a:prstGeom prst="rect">
             <a:avLst/>
@@ -7503,18 +7520,34 @@
           <a:lstStyle/>
           <a:p>
             <a:r>
-              <a:rPr lang="ru-RU" sz="2600" dirty="0"/>
+              <a:rPr lang="ru-RU" sz="2400" dirty="0"/>
               <a:t>Идея заложенная в </a:t>
             </a:r>
             <a:r>
-              <a:rPr lang="en-US" sz="2600" b="1" dirty="0"/>
+              <a:rPr lang="en-US" sz="2400" b="1" dirty="0"/>
               <a:t>AJAX</a:t>
             </a:r>
             <a:r>
-              <a:rPr lang="ru-RU" sz="2600" dirty="0"/>
+              <a:rPr lang="ru-RU" sz="2400" dirty="0"/>
               <a:t> –  не перезагружая страницу, запросить (или передать) у сервера новые данные и использовать их в документе.</a:t>
             </a:r>
-            <a:endParaRPr lang="uk-UA" sz="2600" dirty="0"/>
+            <a:r>
+              <a:rPr lang="en-US" sz="2400" dirty="0"/>
+              <a:t> </a:t>
+            </a:r>
+            <a:r>
+              <a:rPr lang="ru-RU" sz="2400" dirty="0"/>
+              <a:t>Для выполнения запросов нам доступна функция </a:t>
+            </a:r>
+            <a:r>
+              <a:rPr lang="en-US" sz="2400" b="1" dirty="0"/>
+              <a:t>fetch()</a:t>
+            </a:r>
+            <a:r>
+              <a:rPr lang="ru-RU" sz="2400" dirty="0"/>
+              <a:t>.</a:t>
+            </a:r>
+            <a:endParaRPr lang="uk-UA" sz="2400" dirty="0"/>
           </a:p>
         </p:txBody>
       </p:sp>
@@ -7726,7 +7759,7 @@
         </p:blipFill>
         <p:spPr bwMode="auto">
           <a:xfrm>
-            <a:off x="7464152" y="1415260"/>
+            <a:off x="7464152" y="1196752"/>
             <a:ext cx="4032448" cy="2085748"/>
           </a:xfrm>
           <a:prstGeom prst="rect">
@@ -12277,8 +12310,8 @@
         </p:blipFill>
         <p:spPr bwMode="auto">
           <a:xfrm>
-            <a:off x="335359" y="1067484"/>
-            <a:ext cx="5457859" cy="5457859"/>
+            <a:off x="341731" y="1283508"/>
+            <a:ext cx="5169828" cy="5169828"/>
           </a:xfrm>
           <a:prstGeom prst="rect">
             <a:avLst/>
@@ -12615,8 +12648,8 @@
         </p:nvSpPr>
         <p:spPr>
           <a:xfrm>
-            <a:off x="5015881" y="5013176"/>
-            <a:ext cx="5832648" cy="1200329"/>
+            <a:off x="5015881" y="4869160"/>
+            <a:ext cx="4464495" cy="1200329"/>
           </a:xfrm>
           <a:prstGeom prst="rect">
             <a:avLst/>
@@ -12650,7 +12683,7 @@
           <a:p>
             <a:r>
               <a:rPr lang="ru-RU" sz="2400" dirty="0"/>
-              <a:t>Если задача решилась быстро и просто, то – расширяем диапазон от </a:t>
+              <a:t>Если задача решилась быстро и просто, то расширяем диапазон от </a:t>
             </a:r>
             <a:r>
               <a:rPr lang="ru-RU" sz="2400" b="1" dirty="0"/>

--- a/lesson02.pptx
+++ b/lesson02.pptx
@@ -1276,7 +1276,7 @@
   <pc:docChgLst>
     <pc:chgData name="Anatoliy Kigel" userId="7432c6c4687b0a9c" providerId="LiveId" clId="{5D4BC7C1-CA78-4C28-82CF-BB9F4FD86EC6}"/>
     <pc:docChg chg="undo custSel addSld delSld modSld">
-      <pc:chgData name="Anatoliy Kigel" userId="7432c6c4687b0a9c" providerId="LiveId" clId="{5D4BC7C1-CA78-4C28-82CF-BB9F4FD86EC6}" dt="2022-01-19T17:39:35.039" v="341" actId="1035"/>
+      <pc:chgData name="Anatoliy Kigel" userId="7432c6c4687b0a9c" providerId="LiveId" clId="{5D4BC7C1-CA78-4C28-82CF-BB9F4FD86EC6}" dt="2022-01-25T11:59:02.131" v="367" actId="207"/>
       <pc:docMkLst>
         <pc:docMk/>
       </pc:docMkLst>
@@ -1313,6 +1313,21 @@
           <ac:spMkLst>
             <pc:docMk/>
             <pc:sldMk cId="1996300760" sldId="408"/>
+            <ac:spMk id="5" creationId="{00000000-0000-0000-0000-000000000000}"/>
+          </ac:spMkLst>
+        </pc:spChg>
+      </pc:sldChg>
+      <pc:sldChg chg="modSp mod">
+        <pc:chgData name="Anatoliy Kigel" userId="7432c6c4687b0a9c" providerId="LiveId" clId="{5D4BC7C1-CA78-4C28-82CF-BB9F4FD86EC6}" dt="2022-01-25T11:59:02.131" v="367" actId="207"/>
+        <pc:sldMkLst>
+          <pc:docMk/>
+          <pc:sldMk cId="1547769373" sldId="411"/>
+        </pc:sldMkLst>
+        <pc:spChg chg="mod">
+          <ac:chgData name="Anatoliy Kigel" userId="7432c6c4687b0a9c" providerId="LiveId" clId="{5D4BC7C1-CA78-4C28-82CF-BB9F4FD86EC6}" dt="2022-01-25T11:59:02.131" v="367" actId="207"/>
+          <ac:spMkLst>
+            <pc:docMk/>
+            <pc:sldMk cId="1547769373" sldId="411"/>
             <ac:spMk id="5" creationId="{00000000-0000-0000-0000-000000000000}"/>
           </ac:spMkLst>
         </pc:spChg>
@@ -1389,6 +1404,21 @@
             <pc:docMk/>
             <pc:sldMk cId="1072141460" sldId="434"/>
             <ac:spMk id="3" creationId="{F253B2DA-6B2A-4BE0-BA3F-92AEE9284C05}"/>
+          </ac:spMkLst>
+        </pc:spChg>
+      </pc:sldChg>
+      <pc:sldChg chg="modSp mod">
+        <pc:chgData name="Anatoliy Kigel" userId="7432c6c4687b0a9c" providerId="LiveId" clId="{5D4BC7C1-CA78-4C28-82CF-BB9F4FD86EC6}" dt="2022-01-25T11:58:33.350" v="349" actId="20577"/>
+        <pc:sldMkLst>
+          <pc:docMk/>
+          <pc:sldMk cId="3392204688" sldId="435"/>
+        </pc:sldMkLst>
+        <pc:spChg chg="mod">
+          <ac:chgData name="Anatoliy Kigel" userId="7432c6c4687b0a9c" providerId="LiveId" clId="{5D4BC7C1-CA78-4C28-82CF-BB9F4FD86EC6}" dt="2022-01-25T11:58:33.350" v="349" actId="20577"/>
+          <ac:spMkLst>
+            <pc:docMk/>
+            <pc:sldMk cId="3392204688" sldId="435"/>
+            <ac:spMk id="3" creationId="{00000000-0000-0000-0000-000000000000}"/>
           </ac:spMkLst>
         </pc:spChg>
       </pc:sldChg>
@@ -1629,7 +1659,7 @@
             <a:fld id="{85522811-C5C6-42D2-A409-F8556720C93F}" type="datetimeFigureOut">
               <a:rPr lang="uk-UA" smtClean="0"/>
               <a:pPr/>
-              <a:t>19.01.2022</a:t>
+              <a:t>25.01.2022</a:t>
             </a:fld>
             <a:endParaRPr lang="uk-UA"/>
           </a:p>
@@ -2169,7 +2199,7 @@
             <a:fld id="{E6FC6B0D-6115-4D7C-8040-9C8E2349BB6E}" type="datetime1">
               <a:rPr lang="uk-UA" smtClean="0"/>
               <a:pPr/>
-              <a:t>19.01.2022</a:t>
+              <a:t>25.01.2022</a:t>
             </a:fld>
             <a:endParaRPr lang="uk-UA"/>
           </a:p>
@@ -2336,7 +2366,7 @@
             <a:fld id="{996367BA-0A39-4DE2-BFC3-D5290044365E}" type="datetime1">
               <a:rPr lang="uk-UA" smtClean="0"/>
               <a:pPr/>
-              <a:t>19.01.2022</a:t>
+              <a:t>25.01.2022</a:t>
             </a:fld>
             <a:endParaRPr lang="uk-UA"/>
           </a:p>
@@ -2513,7 +2543,7 @@
             <a:fld id="{1BD6A67F-6C29-47DC-AF8A-FDB3C787DF70}" type="datetime1">
               <a:rPr lang="uk-UA" smtClean="0"/>
               <a:pPr/>
-              <a:t>19.01.2022</a:t>
+              <a:t>25.01.2022</a:t>
             </a:fld>
             <a:endParaRPr lang="uk-UA"/>
           </a:p>
@@ -2680,7 +2710,7 @@
             <a:fld id="{1657D9C5-7FF1-434F-B56E-9BAD559744E9}" type="datetime1">
               <a:rPr lang="uk-UA" smtClean="0"/>
               <a:pPr/>
-              <a:t>19.01.2022</a:t>
+              <a:t>25.01.2022</a:t>
             </a:fld>
             <a:endParaRPr lang="uk-UA"/>
           </a:p>
@@ -2923,7 +2953,7 @@
             <a:fld id="{2CEB0FC9-DE63-476B-A1A9-BE934D9049F8}" type="datetime1">
               <a:rPr lang="uk-UA" smtClean="0"/>
               <a:pPr/>
-              <a:t>19.01.2022</a:t>
+              <a:t>25.01.2022</a:t>
             </a:fld>
             <a:endParaRPr lang="uk-UA"/>
           </a:p>
@@ -3208,7 +3238,7 @@
             <a:fld id="{F964460F-86E2-4DF6-9D0F-12F5005CF375}" type="datetime1">
               <a:rPr lang="uk-UA" smtClean="0"/>
               <a:pPr/>
-              <a:t>19.01.2022</a:t>
+              <a:t>25.01.2022</a:t>
             </a:fld>
             <a:endParaRPr lang="uk-UA"/>
           </a:p>
@@ -3627,7 +3657,7 @@
             <a:fld id="{C521715E-DDCD-4267-B0A5-2918B6F6768A}" type="datetime1">
               <a:rPr lang="uk-UA" smtClean="0"/>
               <a:pPr/>
-              <a:t>19.01.2022</a:t>
+              <a:t>25.01.2022</a:t>
             </a:fld>
             <a:endParaRPr lang="uk-UA"/>
           </a:p>
@@ -3742,7 +3772,7 @@
             <a:fld id="{9289842C-EB2D-4EBB-A272-2F6A49D9794D}" type="datetime1">
               <a:rPr lang="uk-UA" smtClean="0"/>
               <a:pPr/>
-              <a:t>19.01.2022</a:t>
+              <a:t>25.01.2022</a:t>
             </a:fld>
             <a:endParaRPr lang="uk-UA"/>
           </a:p>
@@ -3834,7 +3864,7 @@
             <a:fld id="{D036F091-B700-4B52-99AC-85D0FD94D904}" type="datetime1">
               <a:rPr lang="uk-UA" smtClean="0"/>
               <a:pPr/>
-              <a:t>19.01.2022</a:t>
+              <a:t>25.01.2022</a:t>
             </a:fld>
             <a:endParaRPr lang="uk-UA"/>
           </a:p>
@@ -4108,7 +4138,7 @@
             <a:fld id="{B35DFABA-3811-4634-B803-2EAC4CD0063B}" type="datetime1">
               <a:rPr lang="uk-UA" smtClean="0"/>
               <a:pPr/>
-              <a:t>19.01.2022</a:t>
+              <a:t>25.01.2022</a:t>
             </a:fld>
             <a:endParaRPr lang="uk-UA"/>
           </a:p>
@@ -4358,7 +4388,7 @@
             <a:fld id="{8A9EA25E-F88E-463A-A119-D1E55A881002}" type="datetime1">
               <a:rPr lang="uk-UA" smtClean="0"/>
               <a:pPr/>
-              <a:t>19.01.2022</a:t>
+              <a:t>25.01.2022</a:t>
             </a:fld>
             <a:endParaRPr lang="uk-UA"/>
           </a:p>
@@ -4568,7 +4598,7 @@
             <a:fld id="{E708ED03-0080-49A2-B709-7DA4ACB3A1C3}" type="datetime1">
               <a:rPr lang="uk-UA" smtClean="0"/>
               <a:pPr/>
-              <a:t>19.01.2022</a:t>
+              <a:t>25.01.2022</a:t>
             </a:fld>
             <a:endParaRPr lang="uk-UA"/>
           </a:p>
@@ -10599,12 +10629,8 @@
           <a:lstStyle/>
           <a:p>
             <a:r>
-              <a:rPr lang="ru-RU" sz="3200" b="1" dirty="0" err="1"/>
-              <a:t>Полезнейщие</a:t>
-            </a:r>
-            <a:r>
               <a:rPr lang="ru-RU" sz="3200" b="1" dirty="0"/>
-              <a:t> методы преобразования массивов</a:t>
+              <a:t>Полезные методы преобразования массивов</a:t>
             </a:r>
             <a:endParaRPr lang="uk-UA" sz="3200" b="1" dirty="0"/>
           </a:p>
@@ -11588,6 +11614,40 @@
               <a:rPr lang="en-US" sz="3600" b="1" dirty="0">
                 <a:solidFill>
                   <a:srgbClr val="7030A0"/>
+                </a:solidFill>
+              </a:rPr>
+              <a:t>()</a:t>
+            </a:r>
+            <a:r>
+              <a:rPr lang="ru-RU" sz="3600" b="1" dirty="0"/>
+              <a:t>, </a:t>
+            </a:r>
+            <a:r>
+              <a:rPr lang="ru-RU" sz="3600" b="1" dirty="0">
+                <a:solidFill>
+                  <a:schemeClr val="accent5">
+                    <a:lumMod val="75000"/>
+                  </a:schemeClr>
+                </a:solidFill>
+              </a:rPr>
+              <a:t>.</a:t>
+            </a:r>
+            <a:r>
+              <a:rPr lang="en-US" sz="3600" b="1" dirty="0" err="1">
+                <a:solidFill>
+                  <a:schemeClr val="accent5">
+                    <a:lumMod val="75000"/>
+                  </a:schemeClr>
+                </a:solidFill>
+              </a:rPr>
+              <a:t>forEach</a:t>
+            </a:r>
+            <a:r>
+              <a:rPr lang="en-US" sz="3600" b="1" dirty="0">
+                <a:solidFill>
+                  <a:schemeClr val="accent5">
+                    <a:lumMod val="75000"/>
+                  </a:schemeClr>
                 </a:solidFill>
               </a:rPr>
               <a:t>() </a:t>
